--- a/Balesetek Franciországban.pptx
+++ b/Balesetek Franciországban.pptx
@@ -15,14 +15,13 @@
     <p:sldId id="264" r:id="rId9"/>
     <p:sldId id="266" r:id="rId10"/>
     <p:sldId id="265" r:id="rId11"/>
-    <p:sldId id="267" r:id="rId12"/>
+    <p:sldId id="268" r:id="rId12"/>
     <p:sldId id="274" r:id="rId13"/>
-    <p:sldId id="268" r:id="rId14"/>
-    <p:sldId id="269" r:id="rId15"/>
-    <p:sldId id="270" r:id="rId16"/>
-    <p:sldId id="271" r:id="rId17"/>
-    <p:sldId id="272" r:id="rId18"/>
-    <p:sldId id="273" r:id="rId19"/>
+    <p:sldId id="269" r:id="rId14"/>
+    <p:sldId id="270" r:id="rId15"/>
+    <p:sldId id="271" r:id="rId16"/>
+    <p:sldId id="272" r:id="rId17"/>
+    <p:sldId id="273" r:id="rId18"/>
   </p:sldIdLst>
   <p:sldSz cx="12192000" cy="6858000"/>
   <p:notesSz cx="6858000" cy="9144000"/>
@@ -121,7 +120,880 @@
       </a:defRPr>
     </a:lvl9pPr>
   </p:defaultTextStyle>
+  <p:extLst>
+    <p:ext uri="{EFAFB233-063F-42B5-8137-9DF3F51BA10A}">
+      <p15:sldGuideLst xmlns:p15="http://schemas.microsoft.com/office/powerpoint/2012/main"/>
+    </p:ext>
+  </p:extLst>
 </p:presentation>
+</file>
+
+<file path=ppt/charts/chart1.xml><?xml version="1.0" encoding="utf-8"?>
+<c:chartSpace xmlns:c="http://schemas.openxmlformats.org/drawingml/2006/chart" xmlns:a="http://schemas.openxmlformats.org/drawingml/2006/main" xmlns:r="http://schemas.openxmlformats.org/officeDocument/2006/relationships" xmlns:c16r2="http://schemas.microsoft.com/office/drawing/2015/06/chart">
+  <c:date1904 val="0"/>
+  <c:lang val="en-US"/>
+  <c:roundedCorners val="0"/>
+  <mc:AlternateContent xmlns:mc="http://schemas.openxmlformats.org/markup-compatibility/2006">
+    <mc:Choice xmlns:c14="http://schemas.microsoft.com/office/drawing/2007/8/2/chart" Requires="c14">
+      <c14:style val="102"/>
+    </mc:Choice>
+    <mc:Fallback>
+      <c:style val="2"/>
+    </mc:Fallback>
+  </mc:AlternateContent>
+  <c:chart>
+    <c:title>
+      <c:overlay val="0"/>
+      <c:spPr>
+        <a:noFill/>
+        <a:ln>
+          <a:noFill/>
+        </a:ln>
+        <a:effectLst/>
+      </c:spPr>
+      <c:txPr>
+        <a:bodyPr rot="0" spcFirstLastPara="1" vertOverflow="ellipsis" vert="horz" wrap="square" anchor="ctr" anchorCtr="1"/>
+        <a:lstStyle/>
+        <a:p>
+          <a:pPr>
+            <a:defRPr sz="1800" b="0" i="0" u="none" strike="noStrike" kern="1200" spc="0" baseline="0">
+              <a:solidFill>
+                <a:schemeClr val="tx1">
+                  <a:lumMod val="65000"/>
+                  <a:lumOff val="35000"/>
+                </a:schemeClr>
+              </a:solidFill>
+              <a:latin typeface="+mn-lt"/>
+              <a:ea typeface="+mn-ea"/>
+              <a:cs typeface="+mn-cs"/>
+            </a:defRPr>
+          </a:pPr>
+          <a:endParaRPr lang="hu-HU"/>
+        </a:p>
+      </c:txPr>
+    </c:title>
+    <c:autoTitleDeleted val="0"/>
+    <c:plotArea>
+      <c:layout/>
+      <c:pieChart>
+        <c:varyColors val="1"/>
+        <c:ser>
+          <c:idx val="0"/>
+          <c:order val="0"/>
+          <c:tx>
+            <c:strRef>
+              <c:f>Sheet1!$B$1</c:f>
+              <c:strCache>
+                <c:ptCount val="1"/>
+                <c:pt idx="0">
+                  <c:v>Severity (súlyosság)</c:v>
+                </c:pt>
+              </c:strCache>
+            </c:strRef>
+          </c:tx>
+          <c:dPt>
+            <c:idx val="0"/>
+            <c:bubble3D val="0"/>
+            <c:spPr>
+              <a:solidFill>
+                <a:schemeClr val="accent1"/>
+              </a:solidFill>
+              <a:ln w="19050">
+                <a:solidFill>
+                  <a:schemeClr val="lt1"/>
+                </a:solidFill>
+              </a:ln>
+              <a:effectLst/>
+            </c:spPr>
+          </c:dPt>
+          <c:dPt>
+            <c:idx val="1"/>
+            <c:bubble3D val="0"/>
+            <c:spPr>
+              <a:solidFill>
+                <a:schemeClr val="accent2"/>
+              </a:solidFill>
+              <a:ln w="19050">
+                <a:solidFill>
+                  <a:schemeClr val="lt1"/>
+                </a:solidFill>
+              </a:ln>
+              <a:effectLst/>
+            </c:spPr>
+          </c:dPt>
+          <c:dPt>
+            <c:idx val="2"/>
+            <c:bubble3D val="0"/>
+            <c:spPr>
+              <a:solidFill>
+                <a:schemeClr val="accent3"/>
+              </a:solidFill>
+              <a:ln w="19050">
+                <a:solidFill>
+                  <a:schemeClr val="lt1"/>
+                </a:solidFill>
+              </a:ln>
+              <a:effectLst/>
+            </c:spPr>
+          </c:dPt>
+          <c:dPt>
+            <c:idx val="3"/>
+            <c:bubble3D val="0"/>
+            <c:spPr>
+              <a:solidFill>
+                <a:schemeClr val="accent4"/>
+              </a:solidFill>
+              <a:ln w="19050">
+                <a:solidFill>
+                  <a:schemeClr val="lt1"/>
+                </a:solidFill>
+              </a:ln>
+              <a:effectLst/>
+            </c:spPr>
+            <c:extLst>
+              <c:ext xmlns:c16="http://schemas.microsoft.com/office/drawing/2014/chart" uri="{C3380CC4-5D6E-409C-BE32-E72D297353CC}">
+                <c16:uniqueId val="{00000002-6414-465C-9D5C-460D538C2502}"/>
+              </c:ext>
+            </c:extLst>
+          </c:dPt>
+          <c:dLbls>
+            <c:dLbl>
+              <c:idx val="3"/>
+              <c:layout>
+                <c:manualLayout>
+                  <c:x val="-4.1025649308630993E-2"/>
+                  <c:y val="1.6481142069607508E-2"/>
+                </c:manualLayout>
+              </c:layout>
+              <c:dLblPos val="bestFit"/>
+              <c:showLegendKey val="0"/>
+              <c:showVal val="0"/>
+              <c:showCatName val="1"/>
+              <c:showSerName val="0"/>
+              <c:showPercent val="1"/>
+              <c:showBubbleSize val="0"/>
+              <c:extLst>
+                <c:ext xmlns:c15="http://schemas.microsoft.com/office/drawing/2012/chart" uri="{CE6537A1-D6FC-4f65-9D91-7224C49458BB}"/>
+                <c:ext xmlns:c16="http://schemas.microsoft.com/office/drawing/2014/chart" uri="{C3380CC4-5D6E-409C-BE32-E72D297353CC}">
+                  <c16:uniqueId val="{00000002-6414-465C-9D5C-460D538C2502}"/>
+                </c:ext>
+              </c:extLst>
+            </c:dLbl>
+            <c:spPr>
+              <a:solidFill>
+                <a:prstClr val="white"/>
+              </a:solidFill>
+              <a:ln>
+                <a:solidFill>
+                  <a:prstClr val="black">
+                    <a:lumMod val="25000"/>
+                    <a:lumOff val="75000"/>
+                  </a:prstClr>
+                </a:solidFill>
+              </a:ln>
+              <a:effectLst/>
+            </c:spPr>
+            <c:txPr>
+              <a:bodyPr rot="0" spcFirstLastPara="1" vertOverflow="clip" horzOverflow="clip" vert="horz" wrap="square" lIns="38100" tIns="19050" rIns="38100" bIns="19050" anchor="ctr" anchorCtr="1">
+                <a:spAutoFit/>
+              </a:bodyPr>
+              <a:lstStyle/>
+              <a:p>
+                <a:pPr>
+                  <a:defRPr sz="1197" b="0" i="0" u="none" strike="noStrike" kern="1200" baseline="0">
+                    <a:solidFill>
+                      <a:schemeClr val="dk1">
+                        <a:lumMod val="65000"/>
+                        <a:lumOff val="35000"/>
+                      </a:schemeClr>
+                    </a:solidFill>
+                    <a:latin typeface="+mn-lt"/>
+                    <a:ea typeface="+mn-ea"/>
+                    <a:cs typeface="+mn-cs"/>
+                  </a:defRPr>
+                </a:pPr>
+                <a:endParaRPr lang="hu-HU"/>
+              </a:p>
+            </c:txPr>
+            <c:dLblPos val="outEnd"/>
+            <c:showLegendKey val="0"/>
+            <c:showVal val="0"/>
+            <c:showCatName val="1"/>
+            <c:showSerName val="0"/>
+            <c:showPercent val="1"/>
+            <c:showBubbleSize val="0"/>
+            <c:showLeaderLines val="0"/>
+            <c:extLst>
+              <c:ext xmlns:c15="http://schemas.microsoft.com/office/drawing/2012/chart" uri="{CE6537A1-D6FC-4f65-9D91-7224C49458BB}">
+                <c15:spPr xmlns:c15="http://schemas.microsoft.com/office/drawing/2012/chart">
+                  <a:prstGeom prst="wedgeRectCallout">
+                    <a:avLst/>
+                  </a:prstGeom>
+                  <a:noFill/>
+                  <a:ln>
+                    <a:noFill/>
+                  </a:ln>
+                </c15:spPr>
+              </c:ext>
+            </c:extLst>
+          </c:dLbls>
+          <c:cat>
+            <c:strRef>
+              <c:f>Sheet1!$A$2:$A$5</c:f>
+              <c:strCache>
+                <c:ptCount val="4"/>
+                <c:pt idx="0">
+                  <c:v>Sértetlen</c:v>
+                </c:pt>
+                <c:pt idx="1">
+                  <c:v>Enyhe sérülés</c:v>
+                </c:pt>
+                <c:pt idx="2">
+                  <c:v>Kórházi ellátásra szorul</c:v>
+                </c:pt>
+                <c:pt idx="3">
+                  <c:v>Halál</c:v>
+                </c:pt>
+              </c:strCache>
+            </c:strRef>
+          </c:cat>
+          <c:val>
+            <c:numRef>
+              <c:f>Sheet1!$B$2:$B$5</c:f>
+              <c:numCache>
+                <c:formatCode>General</c:formatCode>
+                <c:ptCount val="4"/>
+                <c:pt idx="0">
+                  <c:v>40.880000000000003</c:v>
+                </c:pt>
+                <c:pt idx="1">
+                  <c:v>35.619999999999997</c:v>
+                </c:pt>
+                <c:pt idx="2">
+                  <c:v>20.79</c:v>
+                </c:pt>
+                <c:pt idx="3">
+                  <c:v>2.7</c:v>
+                </c:pt>
+              </c:numCache>
+            </c:numRef>
+          </c:val>
+          <c:extLst>
+            <c:ext xmlns:c16="http://schemas.microsoft.com/office/drawing/2014/chart" uri="{C3380CC4-5D6E-409C-BE32-E72D297353CC}">
+              <c16:uniqueId val="{00000000-6414-465C-9D5C-460D538C2502}"/>
+            </c:ext>
+          </c:extLst>
+        </c:ser>
+        <c:dLbls>
+          <c:showLegendKey val="0"/>
+          <c:showVal val="0"/>
+          <c:showCatName val="0"/>
+          <c:showSerName val="0"/>
+          <c:showPercent val="0"/>
+          <c:showBubbleSize val="0"/>
+          <c:showLeaderLines val="0"/>
+        </c:dLbls>
+        <c:firstSliceAng val="0"/>
+      </c:pieChart>
+      <c:spPr>
+        <a:noFill/>
+        <a:ln>
+          <a:noFill/>
+        </a:ln>
+        <a:effectLst/>
+      </c:spPr>
+    </c:plotArea>
+    <c:plotVisOnly val="1"/>
+    <c:dispBlanksAs val="gap"/>
+    <c:extLst>
+      <c:ext xmlns:c16r3="http://schemas.microsoft.com/office/drawing/2017/03/chart" uri="{56B9EC1D-385E-4148-901F-78D8002777C0}">
+        <c16r3:dataDisplayOptions16>
+          <c16r3:dispNaAsBlank val="1"/>
+        </c16r3:dataDisplayOptions16>
+      </c:ext>
+    </c:extLst>
+    <c:showDLblsOverMax val="0"/>
+  </c:chart>
+  <c:spPr>
+    <a:noFill/>
+    <a:ln>
+      <a:noFill/>
+    </a:ln>
+    <a:effectLst/>
+  </c:spPr>
+  <c:txPr>
+    <a:bodyPr/>
+    <a:lstStyle/>
+    <a:p>
+      <a:pPr>
+        <a:defRPr/>
+      </a:pPr>
+      <a:endParaRPr lang="hu-HU"/>
+    </a:p>
+  </c:txPr>
+  <c:externalData r:id="rId3">
+    <c:autoUpdate val="0"/>
+  </c:externalData>
+</c:chartSpace>
+</file>
+
+<file path=ppt/charts/colors1.xml><?xml version="1.0" encoding="utf-8"?>
+<cs:colorStyle xmlns:cs="http://schemas.microsoft.com/office/drawing/2012/chartStyle" xmlns:a="http://schemas.openxmlformats.org/drawingml/2006/main" meth="cycle" id="10">
+  <a:schemeClr val="accent1"/>
+  <a:schemeClr val="accent2"/>
+  <a:schemeClr val="accent3"/>
+  <a:schemeClr val="accent4"/>
+  <a:schemeClr val="accent5"/>
+  <a:schemeClr val="accent6"/>
+  <cs:variation/>
+  <cs:variation>
+    <a:lumMod val="60000"/>
+  </cs:variation>
+  <cs:variation>
+    <a:lumMod val="80000"/>
+    <a:lumOff val="20000"/>
+  </cs:variation>
+  <cs:variation>
+    <a:lumMod val="80000"/>
+  </cs:variation>
+  <cs:variation>
+    <a:lumMod val="60000"/>
+    <a:lumOff val="40000"/>
+  </cs:variation>
+  <cs:variation>
+    <a:lumMod val="50000"/>
+  </cs:variation>
+  <cs:variation>
+    <a:lumMod val="70000"/>
+    <a:lumOff val="30000"/>
+  </cs:variation>
+  <cs:variation>
+    <a:lumMod val="70000"/>
+  </cs:variation>
+  <cs:variation>
+    <a:lumMod val="50000"/>
+    <a:lumOff val="50000"/>
+  </cs:variation>
+</cs:colorStyle>
+</file>
+
+<file path=ppt/charts/style1.xml><?xml version="1.0" encoding="utf-8"?>
+<cs:chartStyle xmlns:cs="http://schemas.microsoft.com/office/drawing/2012/chartStyle" xmlns:a="http://schemas.openxmlformats.org/drawingml/2006/main" id="251">
+  <cs:axisTitle>
+    <cs:lnRef idx="0"/>
+    <cs:fillRef idx="0"/>
+    <cs:effectRef idx="0"/>
+    <cs:fontRef idx="minor">
+      <a:schemeClr val="tx1">
+        <a:lumMod val="65000"/>
+        <a:lumOff val="35000"/>
+      </a:schemeClr>
+    </cs:fontRef>
+    <cs:defRPr sz="1330" kern="1200"/>
+  </cs:axisTitle>
+  <cs:categoryAxis>
+    <cs:lnRef idx="0"/>
+    <cs:fillRef idx="0"/>
+    <cs:effectRef idx="0"/>
+    <cs:fontRef idx="minor">
+      <a:schemeClr val="tx1">
+        <a:lumMod val="65000"/>
+        <a:lumOff val="35000"/>
+      </a:schemeClr>
+    </cs:fontRef>
+    <cs:spPr>
+      <a:ln w="9525" cap="flat" cmpd="sng" algn="ctr">
+        <a:solidFill>
+          <a:schemeClr val="tx1">
+            <a:lumMod val="15000"/>
+            <a:lumOff val="85000"/>
+          </a:schemeClr>
+        </a:solidFill>
+        <a:round/>
+      </a:ln>
+    </cs:spPr>
+    <cs:defRPr sz="1197" kern="1200"/>
+  </cs:categoryAxis>
+  <cs:chartArea mods="allowNoFillOverride allowNoLineOverride">
+    <cs:lnRef idx="0"/>
+    <cs:fillRef idx="0"/>
+    <cs:effectRef idx="0"/>
+    <cs:fontRef idx="minor">
+      <a:schemeClr val="tx1"/>
+    </cs:fontRef>
+    <cs:spPr>
+      <a:solidFill>
+        <a:schemeClr val="bg1"/>
+      </a:solidFill>
+      <a:ln w="9525" cap="flat" cmpd="sng" algn="ctr">
+        <a:solidFill>
+          <a:schemeClr val="tx1">
+            <a:lumMod val="15000"/>
+            <a:lumOff val="85000"/>
+          </a:schemeClr>
+        </a:solidFill>
+        <a:round/>
+      </a:ln>
+    </cs:spPr>
+    <cs:defRPr sz="1197" kern="1200"/>
+  </cs:chartArea>
+  <cs:dataLabel>
+    <cs:lnRef idx="0"/>
+    <cs:fillRef idx="0"/>
+    <cs:effectRef idx="0"/>
+    <cs:fontRef idx="minor">
+      <a:schemeClr val="tx1">
+        <a:lumMod val="75000"/>
+        <a:lumOff val="25000"/>
+      </a:schemeClr>
+    </cs:fontRef>
+    <cs:defRPr sz="1197" kern="1200"/>
+  </cs:dataLabel>
+  <cs:dataLabelCallout>
+    <cs:lnRef idx="0"/>
+    <cs:fillRef idx="0"/>
+    <cs:effectRef idx="0"/>
+    <cs:fontRef idx="minor">
+      <a:schemeClr val="dk1">
+        <a:lumMod val="65000"/>
+        <a:lumOff val="35000"/>
+      </a:schemeClr>
+    </cs:fontRef>
+    <cs:spPr>
+      <a:solidFill>
+        <a:schemeClr val="lt1"/>
+      </a:solidFill>
+      <a:ln>
+        <a:solidFill>
+          <a:schemeClr val="dk1">
+            <a:lumMod val="25000"/>
+            <a:lumOff val="75000"/>
+          </a:schemeClr>
+        </a:solidFill>
+      </a:ln>
+    </cs:spPr>
+    <cs:defRPr sz="1197" kern="1200"/>
+    <cs:bodyPr rot="0" spcFirstLastPara="1" vertOverflow="clip" horzOverflow="clip" vert="horz" wrap="square" lIns="36576" tIns="18288" rIns="36576" bIns="18288" anchor="ctr" anchorCtr="1">
+      <a:spAutoFit/>
+    </cs:bodyPr>
+  </cs:dataLabelCallout>
+  <cs:dataPoint>
+    <cs:lnRef idx="0"/>
+    <cs:fillRef idx="1">
+      <cs:styleClr val="auto"/>
+    </cs:fillRef>
+    <cs:effectRef idx="0"/>
+    <cs:fontRef idx="minor">
+      <a:schemeClr val="tx1"/>
+    </cs:fontRef>
+    <cs:spPr>
+      <a:ln w="19050">
+        <a:solidFill>
+          <a:schemeClr val="lt1"/>
+        </a:solidFill>
+      </a:ln>
+    </cs:spPr>
+  </cs:dataPoint>
+  <cs:dataPoint3D>
+    <cs:lnRef idx="0"/>
+    <cs:fillRef idx="1">
+      <cs:styleClr val="auto"/>
+    </cs:fillRef>
+    <cs:effectRef idx="0"/>
+    <cs:fontRef idx="minor">
+      <a:schemeClr val="tx1"/>
+    </cs:fontRef>
+    <cs:spPr>
+      <a:ln w="25400">
+        <a:solidFill>
+          <a:schemeClr val="lt1"/>
+        </a:solidFill>
+      </a:ln>
+    </cs:spPr>
+  </cs:dataPoint3D>
+  <cs:dataPointLine>
+    <cs:lnRef idx="0">
+      <cs:styleClr val="auto"/>
+    </cs:lnRef>
+    <cs:fillRef idx="0"/>
+    <cs:effectRef idx="0"/>
+    <cs:fontRef idx="minor">
+      <a:schemeClr val="tx1"/>
+    </cs:fontRef>
+    <cs:spPr>
+      <a:ln w="28575" cap="rnd">
+        <a:solidFill>
+          <a:schemeClr val="phClr"/>
+        </a:solidFill>
+        <a:round/>
+      </a:ln>
+    </cs:spPr>
+  </cs:dataPointLine>
+  <cs:dataPointMarker>
+    <cs:lnRef idx="0">
+      <cs:styleClr val="auto"/>
+    </cs:lnRef>
+    <cs:fillRef idx="1">
+      <cs:styleClr val="auto"/>
+    </cs:fillRef>
+    <cs:effectRef idx="0"/>
+    <cs:fontRef idx="minor">
+      <a:schemeClr val="tx1"/>
+    </cs:fontRef>
+    <cs:spPr>
+      <a:ln w="9525">
+        <a:solidFill>
+          <a:schemeClr val="phClr"/>
+        </a:solidFill>
+      </a:ln>
+    </cs:spPr>
+  </cs:dataPointMarker>
+  <cs:dataPointMarkerLayout symbol="circle" size="5"/>
+  <cs:dataPointWireframe>
+    <cs:lnRef idx="0">
+      <cs:styleClr val="auto"/>
+    </cs:lnRef>
+    <cs:fillRef idx="0"/>
+    <cs:effectRef idx="0"/>
+    <cs:fontRef idx="minor">
+      <a:schemeClr val="tx1"/>
+    </cs:fontRef>
+    <cs:spPr>
+      <a:ln w="9525" cap="rnd">
+        <a:solidFill>
+          <a:schemeClr val="phClr"/>
+        </a:solidFill>
+        <a:round/>
+      </a:ln>
+    </cs:spPr>
+  </cs:dataPointWireframe>
+  <cs:dataTable>
+    <cs:lnRef idx="0"/>
+    <cs:fillRef idx="0"/>
+    <cs:effectRef idx="0"/>
+    <cs:fontRef idx="minor">
+      <a:schemeClr val="tx1">
+        <a:lumMod val="65000"/>
+        <a:lumOff val="35000"/>
+      </a:schemeClr>
+    </cs:fontRef>
+    <cs:spPr>
+      <a:noFill/>
+      <a:ln w="9525" cap="flat" cmpd="sng" algn="ctr">
+        <a:solidFill>
+          <a:schemeClr val="tx1">
+            <a:lumMod val="15000"/>
+            <a:lumOff val="85000"/>
+          </a:schemeClr>
+        </a:solidFill>
+        <a:round/>
+      </a:ln>
+    </cs:spPr>
+    <cs:defRPr sz="1197" kern="1200"/>
+  </cs:dataTable>
+  <cs:downBar>
+    <cs:lnRef idx="0"/>
+    <cs:fillRef idx="0"/>
+    <cs:effectRef idx="0"/>
+    <cs:fontRef idx="minor">
+      <a:schemeClr val="tx1"/>
+    </cs:fontRef>
+    <cs:spPr>
+      <a:solidFill>
+        <a:schemeClr val="dk1">
+          <a:lumMod val="75000"/>
+          <a:lumOff val="25000"/>
+        </a:schemeClr>
+      </a:solidFill>
+      <a:ln w="9525" cap="flat" cmpd="sng" algn="ctr">
+        <a:solidFill>
+          <a:schemeClr val="tx1">
+            <a:lumMod val="65000"/>
+            <a:lumOff val="35000"/>
+          </a:schemeClr>
+        </a:solidFill>
+        <a:round/>
+      </a:ln>
+    </cs:spPr>
+  </cs:downBar>
+  <cs:dropLine>
+    <cs:lnRef idx="0"/>
+    <cs:fillRef idx="0"/>
+    <cs:effectRef idx="0"/>
+    <cs:fontRef idx="minor">
+      <a:schemeClr val="tx1"/>
+    </cs:fontRef>
+    <cs:spPr>
+      <a:ln w="9525" cap="flat" cmpd="sng" algn="ctr">
+        <a:solidFill>
+          <a:schemeClr val="tx1">
+            <a:lumMod val="35000"/>
+            <a:lumOff val="65000"/>
+          </a:schemeClr>
+        </a:solidFill>
+        <a:round/>
+      </a:ln>
+    </cs:spPr>
+  </cs:dropLine>
+  <cs:errorBar>
+    <cs:lnRef idx="0"/>
+    <cs:fillRef idx="0"/>
+    <cs:effectRef idx="0"/>
+    <cs:fontRef idx="minor">
+      <a:schemeClr val="tx1"/>
+    </cs:fontRef>
+    <cs:spPr>
+      <a:ln w="9525" cap="flat" cmpd="sng" algn="ctr">
+        <a:solidFill>
+          <a:schemeClr val="tx1">
+            <a:lumMod val="65000"/>
+            <a:lumOff val="35000"/>
+          </a:schemeClr>
+        </a:solidFill>
+        <a:round/>
+      </a:ln>
+    </cs:spPr>
+  </cs:errorBar>
+  <cs:floor>
+    <cs:lnRef idx="0"/>
+    <cs:fillRef idx="0"/>
+    <cs:effectRef idx="0"/>
+    <cs:fontRef idx="minor">
+      <a:schemeClr val="tx1"/>
+    </cs:fontRef>
+    <cs:spPr>
+      <a:noFill/>
+      <a:ln>
+        <a:noFill/>
+      </a:ln>
+    </cs:spPr>
+  </cs:floor>
+  <cs:gridlineMajor>
+    <cs:lnRef idx="0"/>
+    <cs:fillRef idx="0"/>
+    <cs:effectRef idx="0"/>
+    <cs:fontRef idx="minor">
+      <a:schemeClr val="tx1"/>
+    </cs:fontRef>
+    <cs:spPr>
+      <a:ln w="9525" cap="flat" cmpd="sng" algn="ctr">
+        <a:solidFill>
+          <a:schemeClr val="tx1">
+            <a:lumMod val="15000"/>
+            <a:lumOff val="85000"/>
+          </a:schemeClr>
+        </a:solidFill>
+        <a:round/>
+      </a:ln>
+    </cs:spPr>
+  </cs:gridlineMajor>
+  <cs:gridlineMinor>
+    <cs:lnRef idx="0"/>
+    <cs:fillRef idx="0"/>
+    <cs:effectRef idx="0"/>
+    <cs:fontRef idx="minor">
+      <a:schemeClr val="tx1"/>
+    </cs:fontRef>
+    <cs:spPr>
+      <a:ln w="9525" cap="flat" cmpd="sng" algn="ctr">
+        <a:solidFill>
+          <a:schemeClr val="tx1">
+            <a:lumMod val="5000"/>
+            <a:lumOff val="95000"/>
+          </a:schemeClr>
+        </a:solidFill>
+        <a:round/>
+      </a:ln>
+    </cs:spPr>
+  </cs:gridlineMinor>
+  <cs:hiLoLine>
+    <cs:lnRef idx="0"/>
+    <cs:fillRef idx="0"/>
+    <cs:effectRef idx="0"/>
+    <cs:fontRef idx="minor">
+      <a:schemeClr val="tx1"/>
+    </cs:fontRef>
+    <cs:spPr>
+      <a:ln w="9525" cap="flat" cmpd="sng" algn="ctr">
+        <a:solidFill>
+          <a:schemeClr val="tx1">
+            <a:lumMod val="50000"/>
+            <a:lumOff val="50000"/>
+          </a:schemeClr>
+        </a:solidFill>
+        <a:round/>
+      </a:ln>
+    </cs:spPr>
+  </cs:hiLoLine>
+  <cs:leaderLine>
+    <cs:lnRef idx="0"/>
+    <cs:fillRef idx="0"/>
+    <cs:effectRef idx="0"/>
+    <cs:fontRef idx="minor">
+      <a:schemeClr val="tx1"/>
+    </cs:fontRef>
+    <cs:spPr>
+      <a:ln w="9525" cap="flat" cmpd="sng" algn="ctr">
+        <a:solidFill>
+          <a:schemeClr val="tx1">
+            <a:lumMod val="35000"/>
+            <a:lumOff val="65000"/>
+          </a:schemeClr>
+        </a:solidFill>
+        <a:round/>
+      </a:ln>
+    </cs:spPr>
+  </cs:leaderLine>
+  <cs:legend>
+    <cs:lnRef idx="0"/>
+    <cs:fillRef idx="0"/>
+    <cs:effectRef idx="0"/>
+    <cs:fontRef idx="minor">
+      <a:schemeClr val="tx1">
+        <a:lumMod val="65000"/>
+        <a:lumOff val="35000"/>
+      </a:schemeClr>
+    </cs:fontRef>
+    <cs:defRPr sz="1197" kern="1200"/>
+  </cs:legend>
+  <cs:plotArea mods="allowNoFillOverride allowNoLineOverride">
+    <cs:lnRef idx="0"/>
+    <cs:fillRef idx="0"/>
+    <cs:effectRef idx="0"/>
+    <cs:fontRef idx="minor">
+      <a:schemeClr val="tx1"/>
+    </cs:fontRef>
+  </cs:plotArea>
+  <cs:plotArea3D mods="allowNoFillOverride allowNoLineOverride">
+    <cs:lnRef idx="0"/>
+    <cs:fillRef idx="0"/>
+    <cs:effectRef idx="0"/>
+    <cs:fontRef idx="minor">
+      <a:schemeClr val="tx1"/>
+    </cs:fontRef>
+  </cs:plotArea3D>
+  <cs:seriesAxis>
+    <cs:lnRef idx="0"/>
+    <cs:fillRef idx="0"/>
+    <cs:effectRef idx="0"/>
+    <cs:fontRef idx="minor">
+      <a:schemeClr val="tx1">
+        <a:lumMod val="65000"/>
+        <a:lumOff val="35000"/>
+      </a:schemeClr>
+    </cs:fontRef>
+    <cs:defRPr sz="1197" kern="1200"/>
+  </cs:seriesAxis>
+  <cs:seriesLine>
+    <cs:lnRef idx="0"/>
+    <cs:fillRef idx="0"/>
+    <cs:effectRef idx="0"/>
+    <cs:fontRef idx="minor">
+      <a:schemeClr val="tx1"/>
+    </cs:fontRef>
+    <cs:spPr>
+      <a:ln w="9525" cap="flat" cmpd="sng" algn="ctr">
+        <a:solidFill>
+          <a:schemeClr val="tx1">
+            <a:lumMod val="35000"/>
+            <a:lumOff val="65000"/>
+          </a:schemeClr>
+        </a:solidFill>
+        <a:round/>
+      </a:ln>
+    </cs:spPr>
+  </cs:seriesLine>
+  <cs:title>
+    <cs:lnRef idx="0"/>
+    <cs:fillRef idx="0"/>
+    <cs:effectRef idx="0"/>
+    <cs:fontRef idx="minor">
+      <a:schemeClr val="tx1">
+        <a:lumMod val="65000"/>
+        <a:lumOff val="35000"/>
+      </a:schemeClr>
+    </cs:fontRef>
+    <cs:defRPr sz="1862" b="0" kern="1200" spc="0" baseline="0"/>
+  </cs:title>
+  <cs:trendline>
+    <cs:lnRef idx="0">
+      <cs:styleClr val="auto"/>
+    </cs:lnRef>
+    <cs:fillRef idx="0"/>
+    <cs:effectRef idx="0"/>
+    <cs:fontRef idx="minor">
+      <a:schemeClr val="tx1"/>
+    </cs:fontRef>
+    <cs:spPr>
+      <a:ln w="19050" cap="rnd">
+        <a:solidFill>
+          <a:schemeClr val="phClr"/>
+        </a:solidFill>
+        <a:prstDash val="sysDot"/>
+      </a:ln>
+    </cs:spPr>
+  </cs:trendline>
+  <cs:trendlineLabel>
+    <cs:lnRef idx="0"/>
+    <cs:fillRef idx="0"/>
+    <cs:effectRef idx="0"/>
+    <cs:fontRef idx="minor">
+      <a:schemeClr val="tx1">
+        <a:lumMod val="65000"/>
+        <a:lumOff val="35000"/>
+      </a:schemeClr>
+    </cs:fontRef>
+    <cs:defRPr sz="1197" kern="1200"/>
+  </cs:trendlineLabel>
+  <cs:upBar>
+    <cs:lnRef idx="0"/>
+    <cs:fillRef idx="0"/>
+    <cs:effectRef idx="0"/>
+    <cs:fontRef idx="minor">
+      <a:schemeClr val="tx1"/>
+    </cs:fontRef>
+    <cs:spPr>
+      <a:solidFill>
+        <a:schemeClr val="lt1"/>
+      </a:solidFill>
+      <a:ln w="9525" cap="flat" cmpd="sng" algn="ctr">
+        <a:solidFill>
+          <a:schemeClr val="tx1">
+            <a:lumMod val="65000"/>
+            <a:lumOff val="35000"/>
+          </a:schemeClr>
+        </a:solidFill>
+        <a:round/>
+      </a:ln>
+    </cs:spPr>
+  </cs:upBar>
+  <cs:valueAxis>
+    <cs:lnRef idx="0"/>
+    <cs:fillRef idx="0"/>
+    <cs:effectRef idx="0"/>
+    <cs:fontRef idx="minor">
+      <a:schemeClr val="tx1">
+        <a:lumMod val="65000"/>
+        <a:lumOff val="35000"/>
+      </a:schemeClr>
+    </cs:fontRef>
+    <cs:defRPr sz="1197" kern="1200"/>
+  </cs:valueAxis>
+  <cs:wall>
+    <cs:lnRef idx="0"/>
+    <cs:fillRef idx="0"/>
+    <cs:effectRef idx="0"/>
+    <cs:fontRef idx="minor">
+      <a:schemeClr val="tx1"/>
+    </cs:fontRef>
+    <cs:spPr>
+      <a:noFill/>
+      <a:ln>
+        <a:noFill/>
+      </a:ln>
+    </cs:spPr>
+  </cs:wall>
+</cs:chartStyle>
 </file>
 
 <file path=ppt/slideLayouts/slideLayout1.xml><?xml version="1.0" encoding="utf-8"?>
@@ -3393,9 +4265,18 @@
           <a:lstStyle/>
           <a:p>
             <a:r>
-              <a:rPr lang="hu-HU" dirty="0"/>
-              <a:t>Jankó Júlia, Mészáros Péter, Gergály Anna</a:t>
-            </a:r>
+              <a:rPr lang="hu-HU" dirty="0" err="1"/>
+              <a:t>Gergály</a:t>
+            </a:r>
+            <a:r>
+              <a:rPr lang="hu-HU" dirty="0"/>
+              <a:t> Anna, Jankó Júlia, </a:t>
+            </a:r>
+            <a:r>
+              <a:rPr lang="hu-HU"/>
+              <a:t>Mészáros Péter</a:t>
+            </a:r>
+            <a:endParaRPr lang="hu-HU" dirty="0"/>
           </a:p>
         </p:txBody>
       </p:sp>
@@ -3528,7 +4409,7 @@
           <p:cNvPr id="2" name="Cím 1">
             <a:extLst>
               <a:ext uri="{FF2B5EF4-FFF2-40B4-BE49-F238E27FC236}">
-                <a16:creationId xmlns:a16="http://schemas.microsoft.com/office/drawing/2014/main" id="{F8327FEB-5EC9-649F-8BBB-713CD5B038E7}"/>
+                <a16:creationId xmlns:a16="http://schemas.microsoft.com/office/drawing/2014/main" id="{D3C1AB42-63FE-4921-92C7-69E89D5AFD2F}"/>
               </a:ext>
             </a:extLst>
           </p:cNvPr>
@@ -3546,8 +4427,13 @@
           <a:p>
             <a:r>
               <a:rPr lang="hu-HU" dirty="0"/>
-              <a:t>Struktúra tanulás</a:t>
-            </a:r>
+              <a:t>Modell tanítás és </a:t>
+            </a:r>
+            <a:r>
+              <a:rPr lang="hu-HU" dirty="0" err="1"/>
+              <a:t>inference</a:t>
+            </a:r>
+            <a:endParaRPr lang="hu-HU" dirty="0"/>
           </a:p>
         </p:txBody>
       </p:sp>
@@ -3556,7 +4442,7 @@
           <p:cNvPr id="3" name="Tartalom helye 2">
             <a:extLst>
               <a:ext uri="{FF2B5EF4-FFF2-40B4-BE49-F238E27FC236}">
-                <a16:creationId xmlns:a16="http://schemas.microsoft.com/office/drawing/2014/main" id="{DD53BB90-AE0D-362C-B2CA-32BB133D397C}"/>
+                <a16:creationId xmlns:a16="http://schemas.microsoft.com/office/drawing/2014/main" id="{5593890A-ACAB-F617-2CB7-A937BD23886C}"/>
               </a:ext>
             </a:extLst>
           </p:cNvPr>
@@ -3572,6 +4458,29 @@
           <a:bodyPr/>
           <a:lstStyle/>
           <a:p>
+            <a:r>
+              <a:rPr lang="hu-HU" dirty="0"/>
+              <a:t>Struktúra tanulás: K2 </a:t>
+            </a:r>
+            <a:r>
+              <a:rPr lang="hu-HU" dirty="0" err="1"/>
+              <a:t>score</a:t>
+            </a:r>
+            <a:r>
+              <a:rPr lang="hu-HU" dirty="0"/>
+              <a:t>, </a:t>
+            </a:r>
+            <a:r>
+              <a:rPr lang="hu-HU" dirty="0" err="1"/>
+              <a:t>HillClimb</a:t>
+            </a:r>
+            <a:r>
+              <a:rPr lang="hu-HU" dirty="0"/>
+              <a:t> algoritmussal</a:t>
+            </a:r>
+          </a:p>
+          <a:p>
+            <a:pPr lvl="1"/>
             <a:r>
               <a:rPr lang="hu-HU" dirty="0"/>
               <a:t>Az első lépés, ha adatokból szeretnénk </a:t>
@@ -3586,21 +4495,32 @@
             </a:r>
           </a:p>
           <a:p>
+            <a:pPr lvl="1"/>
             <a:r>
               <a:rPr lang="hu-HU" dirty="0"/>
               <a:t>Közelítő megoldás</a:t>
             </a:r>
           </a:p>
           <a:p>
-            <a:r>
-              <a:rPr lang="hu-HU" dirty="0"/>
-              <a:t>Különböző algoritmusok</a:t>
-            </a:r>
-          </a:p>
-          <a:p>
-            <a:r>
-              <a:rPr lang="hu-HU" dirty="0"/>
-              <a:t>Max-min </a:t>
+            <a:pPr lvl="1"/>
+            <a:r>
+              <a:rPr lang="hu-HU" dirty="0"/>
+              <a:t>Csúcsokba bemenő élek száma legfeljebb 4</a:t>
+            </a:r>
+          </a:p>
+          <a:p>
+            <a:pPr lvl="1"/>
+            <a:r>
+              <a:rPr lang="hu-HU" dirty="0"/>
+              <a:t>Min-</a:t>
+            </a:r>
+            <a:r>
+              <a:rPr lang="hu-HU" dirty="0" err="1"/>
+              <a:t>max</a:t>
+            </a:r>
+            <a:r>
+              <a:rPr lang="hu-HU" dirty="0"/>
+              <a:t> </a:t>
             </a:r>
             <a:r>
               <a:rPr lang="hu-HU" dirty="0" err="1"/>
@@ -3612,38 +4532,70 @@
             </a:r>
             <a:r>
               <a:rPr lang="hu-HU" dirty="0" err="1"/>
-              <a:t>climb</a:t>
-            </a:r>
-            <a:r>
-              <a:rPr lang="hu-HU" dirty="0"/>
-              <a:t> – nem belátható időben</a:t>
-            </a:r>
-          </a:p>
-          <a:p>
-            <a:r>
-              <a:rPr lang="hu-HU" dirty="0"/>
-              <a:t>Hill </a:t>
-            </a:r>
+              <a:t>climbhoz</a:t>
+            </a:r>
+            <a:r>
+              <a:rPr lang="hu-HU" dirty="0"/>
+              <a:t> túl sok a változó</a:t>
+            </a:r>
+          </a:p>
+          <a:p>
             <a:r>
               <a:rPr lang="hu-HU" dirty="0" err="1"/>
-              <a:t>climb</a:t>
-            </a:r>
-            <a:r>
-              <a:rPr lang="hu-HU" dirty="0"/>
-              <a:t> megszorításokkal: maximum in-</a:t>
-            </a:r>
+              <a:t>Bayes</a:t>
+            </a:r>
+            <a:r>
+              <a:rPr lang="hu-HU" dirty="0"/>
+              <a:t>-i paramétertanulás</a:t>
+            </a:r>
+          </a:p>
+          <a:p>
             <a:r>
               <a:rPr lang="hu-HU" dirty="0" err="1"/>
-              <a:t>degree</a:t>
-            </a:r>
-            <a:endParaRPr lang="hu-HU" dirty="0"/>
+              <a:t>Inferencia</a:t>
+            </a:r>
+            <a:r>
+              <a:rPr lang="hu-HU" dirty="0"/>
+              <a:t>: </a:t>
+            </a:r>
+            <a:r>
+              <a:rPr lang="hu-HU" dirty="0" err="1"/>
+              <a:t>Variable</a:t>
+            </a:r>
+            <a:r>
+              <a:rPr lang="hu-HU" dirty="0"/>
+              <a:t> </a:t>
+            </a:r>
+            <a:r>
+              <a:rPr lang="hu-HU" dirty="0" err="1"/>
+              <a:t>elimination</a:t>
+            </a:r>
+            <a:r>
+              <a:rPr lang="hu-HU" dirty="0"/>
+              <a:t> algoritmussal (kellő evidenciával)</a:t>
+            </a:r>
+          </a:p>
+          <a:p>
+            <a:pPr lvl="1"/>
+            <a:r>
+              <a:rPr lang="hu-HU" dirty="0"/>
+              <a:t>3-4 evidenciával, a változók </a:t>
+            </a:r>
+            <a:r>
+              <a:rPr lang="hu-HU" dirty="0" err="1"/>
+              <a:t>kardinalitásától</a:t>
+            </a:r>
+            <a:r>
+              <a:rPr lang="hu-HU" dirty="0"/>
+              <a:t> függően</a:t>
+            </a:r>
           </a:p>
         </p:txBody>
       </p:sp>
     </p:spTree>
     <p:extLst>
       <p:ext uri="{BB962C8B-B14F-4D97-AF65-F5344CB8AC3E}">
-        <p14:creationId xmlns:p14="http://schemas.microsoft.com/office/powerpoint/2010/main" val="3253698827"/>
+        <p14:creationId xmlns:p14="http://schemas.microsoft.com/office/powerpoint/2010/main" val="1676174952"/>
       </p:ext>
     </p:extLst>
   </p:cSld>
@@ -3741,7 +4693,7 @@
           <p:cNvPr id="2" name="Cím 1">
             <a:extLst>
               <a:ext uri="{FF2B5EF4-FFF2-40B4-BE49-F238E27FC236}">
-                <a16:creationId xmlns:a16="http://schemas.microsoft.com/office/drawing/2014/main" id="{D3C1AB42-63FE-4921-92C7-69E89D5AFD2F}"/>
+                <a16:creationId xmlns:a16="http://schemas.microsoft.com/office/drawing/2014/main" id="{76F2C53E-14EB-E9E2-054A-ACCCB66822CE}"/>
               </a:ext>
             </a:extLst>
           </p:cNvPr>
@@ -3759,13 +4711,8 @@
           <a:p>
             <a:r>
               <a:rPr lang="hu-HU" dirty="0"/>
-              <a:t>Paraméter tanulás és </a:t>
-            </a:r>
-            <a:r>
-              <a:rPr lang="hu-HU" dirty="0" err="1"/>
-              <a:t>inference</a:t>
-            </a:r>
-            <a:endParaRPr lang="hu-HU" dirty="0"/>
+              <a:t>Vizsgált kérdések</a:t>
+            </a:r>
           </a:p>
         </p:txBody>
       </p:sp>
@@ -3774,7 +4721,7 @@
           <p:cNvPr id="3" name="Tartalom helye 2">
             <a:extLst>
               <a:ext uri="{FF2B5EF4-FFF2-40B4-BE49-F238E27FC236}">
-                <a16:creationId xmlns:a16="http://schemas.microsoft.com/office/drawing/2014/main" id="{5593890A-ACAB-F617-2CB7-A937BD23886C}"/>
+                <a16:creationId xmlns:a16="http://schemas.microsoft.com/office/drawing/2014/main" id="{26068BE7-800F-4CCF-33A4-73A5B00C4F72}"/>
               </a:ext>
             </a:extLst>
           </p:cNvPr>
@@ -3792,7 +4739,7 @@
           <a:p>
             <a:r>
               <a:rPr lang="hu-HU" dirty="0"/>
-              <a:t>TODO használt algoritmusok + 1-2 gondolat</a:t>
+              <a:t>TODO összefoglalni miket kérdeztünk</a:t>
             </a:r>
           </a:p>
         </p:txBody>
@@ -3800,7 +4747,7 @@
     </p:spTree>
     <p:extLst>
       <p:ext uri="{BB962C8B-B14F-4D97-AF65-F5344CB8AC3E}">
-        <p14:creationId xmlns:p14="http://schemas.microsoft.com/office/powerpoint/2010/main" val="1676174952"/>
+        <p14:creationId xmlns:p14="http://schemas.microsoft.com/office/powerpoint/2010/main" val="2432642884"/>
       </p:ext>
     </p:extLst>
   </p:cSld>
@@ -3832,7 +4779,7 @@
           <p:cNvPr id="2" name="Cím 1">
             <a:extLst>
               <a:ext uri="{FF2B5EF4-FFF2-40B4-BE49-F238E27FC236}">
-                <a16:creationId xmlns:a16="http://schemas.microsoft.com/office/drawing/2014/main" id="{76F2C53E-14EB-E9E2-054A-ACCCB66822CE}"/>
+                <a16:creationId xmlns:a16="http://schemas.microsoft.com/office/drawing/2014/main" id="{BEEE2ED1-4FD7-E676-8FC5-A68D95BE24AB}"/>
               </a:ext>
             </a:extLst>
           </p:cNvPr>
@@ -3850,35 +4797,254 @@
           <a:p>
             <a:r>
               <a:rPr lang="hu-HU" dirty="0"/>
-              <a:t>Vizsgált kérdések</a:t>
-            </a:r>
-          </a:p>
-        </p:txBody>
-      </p:sp>
-      <p:sp>
-        <p:nvSpPr>
-          <p:cNvPr id="3" name="Tartalom helye 2">
-            <a:extLst>
-              <a:ext uri="{FF2B5EF4-FFF2-40B4-BE49-F238E27FC236}">
-                <a16:creationId xmlns:a16="http://schemas.microsoft.com/office/drawing/2014/main" id="{26068BE7-800F-4CCF-33A4-73A5B00C4F72}"/>
-              </a:ext>
-            </a:extLst>
-          </p:cNvPr>
-          <p:cNvSpPr>
-            <a:spLocks noGrp="1"/>
-          </p:cNvSpPr>
+              <a:t>Baleset súlyosság </a:t>
+            </a:r>
+            <a:r>
+              <a:rPr lang="hu-HU" dirty="0" err="1"/>
+              <a:t>baseline</a:t>
+            </a:r>
+            <a:endParaRPr lang="hu-HU" dirty="0"/>
+          </a:p>
+        </p:txBody>
+      </p:sp>
+      <p:graphicFrame>
+        <p:nvGraphicFramePr>
+          <p:cNvPr id="7" name="Content Placeholder 6">
+            <a:extLst>
+              <a:ext uri="{FF2B5EF4-FFF2-40B4-BE49-F238E27FC236}">
+                <a16:creationId xmlns:a16="http://schemas.microsoft.com/office/drawing/2014/main" id="{4957EEBC-D5FB-410E-B134-6B88370983FD}"/>
+              </a:ext>
+            </a:extLst>
+          </p:cNvPr>
+          <p:cNvGraphicFramePr>
+            <a:graphicFrameLocks noGrp="1"/>
+          </p:cNvGraphicFramePr>
           <p:nvPr>
             <p:ph idx="1"/>
-          </p:nvPr>
-        </p:nvSpPr>
-        <p:spPr/>
-        <p:txBody>
-          <a:bodyPr/>
-          <a:lstStyle/>
-          <a:p>
-            <a:r>
-              <a:rPr lang="hu-HU" dirty="0"/>
-              <a:t>TODO összefoglalni miket kérdeztünk</a:t>
+            <p:extLst>
+              <p:ext uri="{D42A27DB-BD31-4B8C-83A1-F6EECF244321}">
+                <p14:modId xmlns:p14="http://schemas.microsoft.com/office/powerpoint/2010/main" val="2840249191"/>
+              </p:ext>
+            </p:extLst>
+          </p:nvPr>
+        </p:nvGraphicFramePr>
+        <p:xfrm>
+          <a:off x="6400800" y="1553497"/>
+          <a:ext cx="4952999" cy="4623466"/>
+        </p:xfrm>
+        <a:graphic>
+          <a:graphicData uri="http://schemas.openxmlformats.org/drawingml/2006/chart">
+            <c:chart xmlns:c="http://schemas.openxmlformats.org/drawingml/2006/chart" xmlns:r="http://schemas.openxmlformats.org/officeDocument/2006/relationships" r:id="rId2"/>
+          </a:graphicData>
+        </a:graphic>
+      </p:graphicFrame>
+      <p:sp>
+        <p:nvSpPr>
+          <p:cNvPr id="9" name="Tartalom helye 2">
+            <a:extLst>
+              <a:ext uri="{FF2B5EF4-FFF2-40B4-BE49-F238E27FC236}">
+                <a16:creationId xmlns:a16="http://schemas.microsoft.com/office/drawing/2014/main" id="{D187F7D8-DC47-96F5-757F-4D06C1C5A28A}"/>
+              </a:ext>
+            </a:extLst>
+          </p:cNvPr>
+          <p:cNvSpPr txBox="1">
+            <a:spLocks/>
+          </p:cNvSpPr>
+          <p:nvPr/>
+        </p:nvSpPr>
+        <p:spPr>
+          <a:xfrm>
+            <a:off x="838200" y="1825625"/>
+            <a:ext cx="5562599" cy="4351338"/>
+          </a:xfrm>
+          <a:prstGeom prst="rect">
+            <a:avLst/>
+          </a:prstGeom>
+        </p:spPr>
+        <p:txBody>
+          <a:bodyPr vert="horz" lIns="91440" tIns="45720" rIns="91440" bIns="45720" rtlCol="0">
+            <a:normAutofit/>
+          </a:bodyPr>
+          <a:lstStyle>
+            <a:lvl1pPr marL="228600" indent="-228600" algn="l" defTabSz="914400" rtl="0" eaLnBrk="1" latinLnBrk="0" hangingPunct="1">
+              <a:lnSpc>
+                <a:spcPct val="90000"/>
+              </a:lnSpc>
+              <a:spcBef>
+                <a:spcPts val="1000"/>
+              </a:spcBef>
+              <a:buFont typeface="Arial" panose="020B0604020202020204" pitchFamily="34" charset="0"/>
+              <a:buChar char="•"/>
+              <a:defRPr sz="2800" kern="1200">
+                <a:solidFill>
+                  <a:schemeClr val="tx1"/>
+                </a:solidFill>
+                <a:latin typeface="+mn-lt"/>
+                <a:ea typeface="+mn-ea"/>
+                <a:cs typeface="+mn-cs"/>
+              </a:defRPr>
+            </a:lvl1pPr>
+            <a:lvl2pPr marL="685800" indent="-228600" algn="l" defTabSz="914400" rtl="0" eaLnBrk="1" latinLnBrk="0" hangingPunct="1">
+              <a:lnSpc>
+                <a:spcPct val="90000"/>
+              </a:lnSpc>
+              <a:spcBef>
+                <a:spcPts val="500"/>
+              </a:spcBef>
+              <a:buFont typeface="Arial" panose="020B0604020202020204" pitchFamily="34" charset="0"/>
+              <a:buChar char="•"/>
+              <a:defRPr sz="2400" kern="1200">
+                <a:solidFill>
+                  <a:schemeClr val="tx1"/>
+                </a:solidFill>
+                <a:latin typeface="+mn-lt"/>
+                <a:ea typeface="+mn-ea"/>
+                <a:cs typeface="+mn-cs"/>
+              </a:defRPr>
+            </a:lvl2pPr>
+            <a:lvl3pPr marL="1143000" indent="-228600" algn="l" defTabSz="914400" rtl="0" eaLnBrk="1" latinLnBrk="0" hangingPunct="1">
+              <a:lnSpc>
+                <a:spcPct val="90000"/>
+              </a:lnSpc>
+              <a:spcBef>
+                <a:spcPts val="500"/>
+              </a:spcBef>
+              <a:buFont typeface="Arial" panose="020B0604020202020204" pitchFamily="34" charset="0"/>
+              <a:buChar char="•"/>
+              <a:defRPr sz="2000" kern="1200">
+                <a:solidFill>
+                  <a:schemeClr val="tx1"/>
+                </a:solidFill>
+                <a:latin typeface="+mn-lt"/>
+                <a:ea typeface="+mn-ea"/>
+                <a:cs typeface="+mn-cs"/>
+              </a:defRPr>
+            </a:lvl3pPr>
+            <a:lvl4pPr marL="1600200" indent="-228600" algn="l" defTabSz="914400" rtl="0" eaLnBrk="1" latinLnBrk="0" hangingPunct="1">
+              <a:lnSpc>
+                <a:spcPct val="90000"/>
+              </a:lnSpc>
+              <a:spcBef>
+                <a:spcPts val="500"/>
+              </a:spcBef>
+              <a:buFont typeface="Arial" panose="020B0604020202020204" pitchFamily="34" charset="0"/>
+              <a:buChar char="•"/>
+              <a:defRPr sz="1800" kern="1200">
+                <a:solidFill>
+                  <a:schemeClr val="tx1"/>
+                </a:solidFill>
+                <a:latin typeface="+mn-lt"/>
+                <a:ea typeface="+mn-ea"/>
+                <a:cs typeface="+mn-cs"/>
+              </a:defRPr>
+            </a:lvl4pPr>
+            <a:lvl5pPr marL="2057400" indent="-228600" algn="l" defTabSz="914400" rtl="0" eaLnBrk="1" latinLnBrk="0" hangingPunct="1">
+              <a:lnSpc>
+                <a:spcPct val="90000"/>
+              </a:lnSpc>
+              <a:spcBef>
+                <a:spcPts val="500"/>
+              </a:spcBef>
+              <a:buFont typeface="Arial" panose="020B0604020202020204" pitchFamily="34" charset="0"/>
+              <a:buChar char="•"/>
+              <a:defRPr sz="1800" kern="1200">
+                <a:solidFill>
+                  <a:schemeClr val="tx1"/>
+                </a:solidFill>
+                <a:latin typeface="+mn-lt"/>
+                <a:ea typeface="+mn-ea"/>
+                <a:cs typeface="+mn-cs"/>
+              </a:defRPr>
+            </a:lvl5pPr>
+            <a:lvl6pPr marL="2514600" indent="-228600" algn="l" defTabSz="914400" rtl="0" eaLnBrk="1" latinLnBrk="0" hangingPunct="1">
+              <a:lnSpc>
+                <a:spcPct val="90000"/>
+              </a:lnSpc>
+              <a:spcBef>
+                <a:spcPts val="500"/>
+              </a:spcBef>
+              <a:buFont typeface="Arial" panose="020B0604020202020204" pitchFamily="34" charset="0"/>
+              <a:buChar char="•"/>
+              <a:defRPr sz="1800" kern="1200">
+                <a:solidFill>
+                  <a:schemeClr val="tx1"/>
+                </a:solidFill>
+                <a:latin typeface="+mn-lt"/>
+                <a:ea typeface="+mn-ea"/>
+                <a:cs typeface="+mn-cs"/>
+              </a:defRPr>
+            </a:lvl6pPr>
+            <a:lvl7pPr marL="2971800" indent="-228600" algn="l" defTabSz="914400" rtl="0" eaLnBrk="1" latinLnBrk="0" hangingPunct="1">
+              <a:lnSpc>
+                <a:spcPct val="90000"/>
+              </a:lnSpc>
+              <a:spcBef>
+                <a:spcPts val="500"/>
+              </a:spcBef>
+              <a:buFont typeface="Arial" panose="020B0604020202020204" pitchFamily="34" charset="0"/>
+              <a:buChar char="•"/>
+              <a:defRPr sz="1800" kern="1200">
+                <a:solidFill>
+                  <a:schemeClr val="tx1"/>
+                </a:solidFill>
+                <a:latin typeface="+mn-lt"/>
+                <a:ea typeface="+mn-ea"/>
+                <a:cs typeface="+mn-cs"/>
+              </a:defRPr>
+            </a:lvl7pPr>
+            <a:lvl8pPr marL="3429000" indent="-228600" algn="l" defTabSz="914400" rtl="0" eaLnBrk="1" latinLnBrk="0" hangingPunct="1">
+              <a:lnSpc>
+                <a:spcPct val="90000"/>
+              </a:lnSpc>
+              <a:spcBef>
+                <a:spcPts val="500"/>
+              </a:spcBef>
+              <a:buFont typeface="Arial" panose="020B0604020202020204" pitchFamily="34" charset="0"/>
+              <a:buChar char="•"/>
+              <a:defRPr sz="1800" kern="1200">
+                <a:solidFill>
+                  <a:schemeClr val="tx1"/>
+                </a:solidFill>
+                <a:latin typeface="+mn-lt"/>
+                <a:ea typeface="+mn-ea"/>
+                <a:cs typeface="+mn-cs"/>
+              </a:defRPr>
+            </a:lvl8pPr>
+            <a:lvl9pPr marL="3886200" indent="-228600" algn="l" defTabSz="914400" rtl="0" eaLnBrk="1" latinLnBrk="0" hangingPunct="1">
+              <a:lnSpc>
+                <a:spcPct val="90000"/>
+              </a:lnSpc>
+              <a:spcBef>
+                <a:spcPts val="500"/>
+              </a:spcBef>
+              <a:buFont typeface="Arial" panose="020B0604020202020204" pitchFamily="34" charset="0"/>
+              <a:buChar char="•"/>
+              <a:defRPr sz="1800" kern="1200">
+                <a:solidFill>
+                  <a:schemeClr val="tx1"/>
+                </a:solidFill>
+                <a:latin typeface="+mn-lt"/>
+                <a:ea typeface="+mn-ea"/>
+                <a:cs typeface="+mn-cs"/>
+              </a:defRPr>
+            </a:lvl9pPr>
+          </a:lstStyle>
+          <a:p>
+            <a:r>
+              <a:rPr lang="hu-HU" dirty="0"/>
+              <a:t>Várható súlyosság megadott evidenciák nélkül</a:t>
+            </a:r>
+          </a:p>
+          <a:p>
+            <a:r>
+              <a:rPr lang="hu-HU" dirty="0"/>
+              <a:t>Teljes adathalmazt jellemzi</a:t>
+            </a:r>
+          </a:p>
+          <a:p>
+            <a:r>
+              <a:rPr lang="hu-HU" dirty="0"/>
+              <a:t>Későbbi eredmények ehhez hasonlíthatóak</a:t>
             </a:r>
           </a:p>
         </p:txBody>
@@ -3886,7 +5052,7 @@
     </p:spTree>
     <p:extLst>
       <p:ext uri="{BB962C8B-B14F-4D97-AF65-F5344CB8AC3E}">
-        <p14:creationId xmlns:p14="http://schemas.microsoft.com/office/powerpoint/2010/main" val="2432642884"/>
+        <p14:creationId xmlns:p14="http://schemas.microsoft.com/office/powerpoint/2010/main" val="4085212696"/>
       </p:ext>
     </p:extLst>
   </p:cSld>
@@ -3918,7 +5084,7 @@
           <p:cNvPr id="2" name="Cím 1">
             <a:extLst>
               <a:ext uri="{FF2B5EF4-FFF2-40B4-BE49-F238E27FC236}">
-                <a16:creationId xmlns:a16="http://schemas.microsoft.com/office/drawing/2014/main" id="{BEEE2ED1-4FD7-E676-8FC5-A68D95BE24AB}"/>
+                <a16:creationId xmlns:a16="http://schemas.microsoft.com/office/drawing/2014/main" id="{4E9A70FD-F7F4-2CE9-042F-0623060A7828}"/>
               </a:ext>
             </a:extLst>
           </p:cNvPr>
@@ -3936,13 +5102,8 @@
           <a:p>
             <a:r>
               <a:rPr lang="hu-HU" dirty="0"/>
-              <a:t>Baleset súlyosság </a:t>
-            </a:r>
-            <a:r>
-              <a:rPr lang="hu-HU" dirty="0" err="1"/>
-              <a:t>baseline</a:t>
-            </a:r>
-            <a:endParaRPr lang="hu-HU" dirty="0"/>
+              <a:t>Különböző faktorok hatása a súlyosságra</a:t>
+            </a:r>
           </a:p>
         </p:txBody>
       </p:sp>
@@ -3951,7 +5112,7 @@
           <p:cNvPr id="3" name="Tartalom helye 2">
             <a:extLst>
               <a:ext uri="{FF2B5EF4-FFF2-40B4-BE49-F238E27FC236}">
-                <a16:creationId xmlns:a16="http://schemas.microsoft.com/office/drawing/2014/main" id="{EBDA414A-6E2B-4FCB-B71E-70E52E38A375}"/>
+                <a16:creationId xmlns:a16="http://schemas.microsoft.com/office/drawing/2014/main" id="{D104BBD0-29B8-A74C-40B3-44F3128C6458}"/>
               </a:ext>
             </a:extLst>
           </p:cNvPr>
@@ -3969,15 +5130,7 @@
           <a:p>
             <a:r>
               <a:rPr lang="hu-HU" dirty="0"/>
-              <a:t>TODO a </a:t>
-            </a:r>
-            <a:r>
-              <a:rPr lang="hu-HU" dirty="0" err="1"/>
-              <a:t>baseline</a:t>
-            </a:r>
-            <a:r>
-              <a:rPr lang="hu-HU" dirty="0"/>
-              <a:t> eloszlásból ide egy diagram</a:t>
+              <a:t>TODO a súlyosságra vonatkozó kérdések alapján ide gondolatok</a:t>
             </a:r>
           </a:p>
         </p:txBody>
@@ -3985,7 +5138,7 @@
     </p:spTree>
     <p:extLst>
       <p:ext uri="{BB962C8B-B14F-4D97-AF65-F5344CB8AC3E}">
-        <p14:creationId xmlns:p14="http://schemas.microsoft.com/office/powerpoint/2010/main" val="4085212696"/>
+        <p14:creationId xmlns:p14="http://schemas.microsoft.com/office/powerpoint/2010/main" val="3243211312"/>
       </p:ext>
     </p:extLst>
   </p:cSld>
@@ -4017,7 +5170,7 @@
           <p:cNvPr id="2" name="Cím 1">
             <a:extLst>
               <a:ext uri="{FF2B5EF4-FFF2-40B4-BE49-F238E27FC236}">
-                <a16:creationId xmlns:a16="http://schemas.microsoft.com/office/drawing/2014/main" id="{4E9A70FD-F7F4-2CE9-042F-0623060A7828}"/>
+                <a16:creationId xmlns:a16="http://schemas.microsoft.com/office/drawing/2014/main" id="{13E8ED7F-64BE-A0DD-4E83-4E3CC5A4C2D0}"/>
               </a:ext>
             </a:extLst>
           </p:cNvPr>
@@ -4035,7 +5188,7 @@
           <a:p>
             <a:r>
               <a:rPr lang="hu-HU" dirty="0"/>
-              <a:t>Különböző faktorok hatása a súlyosságra</a:t>
+              <a:t>Kapcsolódó irodalom</a:t>
             </a:r>
           </a:p>
         </p:txBody>
@@ -4045,7 +5198,7 @@
           <p:cNvPr id="3" name="Tartalom helye 2">
             <a:extLst>
               <a:ext uri="{FF2B5EF4-FFF2-40B4-BE49-F238E27FC236}">
-                <a16:creationId xmlns:a16="http://schemas.microsoft.com/office/drawing/2014/main" id="{D104BBD0-29B8-A74C-40B3-44F3128C6458}"/>
+                <a16:creationId xmlns:a16="http://schemas.microsoft.com/office/drawing/2014/main" id="{2D2B3804-C66D-8E9A-CF0F-3089DF839653}"/>
               </a:ext>
             </a:extLst>
           </p:cNvPr>
@@ -4063,109 +5216,40 @@
           <a:p>
             <a:r>
               <a:rPr lang="hu-HU" dirty="0"/>
-              <a:t>TODO a súlyosságra vonatkozó kérdések alapján ide gondolatok</a:t>
-            </a:r>
-          </a:p>
-        </p:txBody>
-      </p:sp>
-    </p:spTree>
-    <p:extLst>
-      <p:ext uri="{BB962C8B-B14F-4D97-AF65-F5344CB8AC3E}">
-        <p14:creationId xmlns:p14="http://schemas.microsoft.com/office/powerpoint/2010/main" val="3243211312"/>
-      </p:ext>
-    </p:extLst>
-  </p:cSld>
-  <p:clrMapOvr>
-    <a:masterClrMapping/>
-  </p:clrMapOvr>
-</p:sld>
-</file>
-
-<file path=ppt/slides/slide17.xml><?xml version="1.0" encoding="utf-8"?>
-<p:sld xmlns:a="http://schemas.openxmlformats.org/drawingml/2006/main" xmlns:r="http://schemas.openxmlformats.org/officeDocument/2006/relationships" xmlns:p="http://schemas.openxmlformats.org/presentationml/2006/main">
-  <p:cSld>
-    <p:spTree>
-      <p:nvGrpSpPr>
-        <p:cNvPr id="1" name=""/>
-        <p:cNvGrpSpPr/>
-        <p:nvPr/>
-      </p:nvGrpSpPr>
-      <p:grpSpPr>
-        <a:xfrm>
-          <a:off x="0" y="0"/>
-          <a:ext cx="0" cy="0"/>
-          <a:chOff x="0" y="0"/>
-          <a:chExt cx="0" cy="0"/>
-        </a:xfrm>
-      </p:grpSpPr>
-      <p:sp>
-        <p:nvSpPr>
-          <p:cNvPr id="2" name="Cím 1">
-            <a:extLst>
-              <a:ext uri="{FF2B5EF4-FFF2-40B4-BE49-F238E27FC236}">
-                <a16:creationId xmlns:a16="http://schemas.microsoft.com/office/drawing/2014/main" id="{13E8ED7F-64BE-A0DD-4E83-4E3CC5A4C2D0}"/>
-              </a:ext>
-            </a:extLst>
-          </p:cNvPr>
-          <p:cNvSpPr>
-            <a:spLocks noGrp="1"/>
-          </p:cNvSpPr>
-          <p:nvPr>
-            <p:ph type="title"/>
-          </p:nvPr>
-        </p:nvSpPr>
-        <p:spPr/>
-        <p:txBody>
-          <a:bodyPr/>
-          <a:lstStyle/>
-          <a:p>
-            <a:r>
-              <a:rPr lang="hu-HU" dirty="0"/>
-              <a:t>Kapcsolódó irodalom</a:t>
-            </a:r>
-          </a:p>
-        </p:txBody>
-      </p:sp>
-      <p:sp>
-        <p:nvSpPr>
-          <p:cNvPr id="3" name="Tartalom helye 2">
-            <a:extLst>
-              <a:ext uri="{FF2B5EF4-FFF2-40B4-BE49-F238E27FC236}">
-                <a16:creationId xmlns:a16="http://schemas.microsoft.com/office/drawing/2014/main" id="{2D2B3804-C66D-8E9A-CF0F-3089DF839653}"/>
-              </a:ext>
-            </a:extLst>
-          </p:cNvPr>
-          <p:cNvSpPr>
-            <a:spLocks noGrp="1"/>
-          </p:cNvSpPr>
-          <p:nvPr>
-            <p:ph idx="1"/>
-          </p:nvPr>
-        </p:nvSpPr>
-        <p:spPr/>
-        <p:txBody>
-          <a:bodyPr/>
-          <a:lstStyle/>
-          <a:p>
-            <a:r>
-              <a:rPr lang="hu-HU" dirty="0"/>
-              <a:t>TODO alkohol/drog téma, „</a:t>
-            </a:r>
-            <a:r>
-              <a:rPr lang="hu-HU" dirty="0" err="1"/>
-              <a:t>exposure</a:t>
-            </a:r>
-            <a:r>
-              <a:rPr lang="hu-HU" dirty="0"/>
-              <a:t> </a:t>
-            </a:r>
-            <a:r>
-              <a:rPr lang="hu-HU" dirty="0" err="1"/>
-              <a:t>data</a:t>
-            </a:r>
-            <a:r>
-              <a:rPr lang="hu-HU" dirty="0"/>
-              <a:t>” (ez mi magyarul?) felhasználása</a:t>
+              <a:t>Alkohol és más szerek fogyasztása </a:t>
+            </a:r>
+          </a:p>
+          <a:p>
+            <a:pPr lvl="1"/>
+            <a:r>
+              <a:rPr lang="hu-HU" dirty="0"/>
+              <a:t>Olvasott irodalom alapján jelentős faktor baleset előfordulása és súlyossága terén is</a:t>
+            </a:r>
+          </a:p>
+          <a:p>
+            <a:pPr lvl="1"/>
+            <a:r>
+              <a:rPr lang="hu-HU" dirty="0"/>
+              <a:t>Az adathalmazban nincsen adat erről </a:t>
+            </a:r>
+          </a:p>
+          <a:p>
+            <a:r>
+              <a:rPr lang="hu-HU" dirty="0"/>
+              <a:t>Részben alátámasztották a talált összefüggéseket</a:t>
+            </a:r>
+          </a:p>
+          <a:p>
+            <a:r>
+              <a:rPr lang="hu-HU" dirty="0"/>
+              <a:t>Nincs adat olyan esetekről, ahol nem volt baleset</a:t>
+            </a:r>
+          </a:p>
+          <a:p>
+            <a:pPr lvl="1"/>
+            <a:r>
+              <a:rPr lang="hu-HU" dirty="0"/>
+              <a:t>Befolyásolja a kapott eredményeket</a:t>
             </a:r>
           </a:p>
         </p:txBody>
@@ -4183,7 +5267,7 @@
 </p:sld>
 </file>
 
-<file path=ppt/slides/slide18.xml><?xml version="1.0" encoding="utf-8"?>
+<file path=ppt/slides/slide17.xml><?xml version="1.0" encoding="utf-8"?>
 <p:sld xmlns:a="http://schemas.openxmlformats.org/drawingml/2006/main" xmlns:r="http://schemas.openxmlformats.org/officeDocument/2006/relationships" xmlns:p="http://schemas.openxmlformats.org/presentationml/2006/main">
   <p:cSld>
     <p:spTree>
@@ -4855,7 +5939,7 @@
         </p:blipFill>
         <p:spPr>
           <a:xfrm>
-            <a:off x="0" y="1380733"/>
+            <a:off x="0" y="1449559"/>
             <a:ext cx="6117348" cy="5477267"/>
           </a:xfrm>
           <a:prstGeom prst="rect">
@@ -5220,31 +6304,101 @@
             <p:ph idx="1"/>
           </p:nvPr>
         </p:nvSpPr>
-        <p:spPr/>
-        <p:txBody>
-          <a:bodyPr/>
-          <a:lstStyle/>
-          <a:p>
-            <a:r>
-              <a:rPr lang="hu-HU" dirty="0"/>
-              <a:t>TODO mit tud a </a:t>
-            </a:r>
+        <p:spPr>
+          <a:xfrm>
+            <a:off x="838200" y="1825625"/>
+            <a:ext cx="5159477" cy="4351338"/>
+          </a:xfrm>
+        </p:spPr>
+        <p:txBody>
+          <a:bodyPr/>
+          <a:lstStyle/>
+          <a:p>
+            <a:r>
+              <a:rPr lang="hu-HU" dirty="0" err="1"/>
+              <a:t>Bayes</a:t>
+            </a:r>
+            <a:r>
+              <a:rPr lang="hu-HU" dirty="0"/>
+              <a:t>-háló: gráf topológia + feltételes valószínűség</a:t>
+            </a:r>
+          </a:p>
+          <a:p>
+            <a:r>
+              <a:rPr lang="hu-HU" dirty="0"/>
+              <a:t>Átlátható, megmagyarázható</a:t>
+            </a:r>
+          </a:p>
+          <a:p>
             <a:r>
               <a:rPr lang="hu-HU" dirty="0" err="1"/>
               <a:t>pgmpy</a:t>
             </a:r>
             <a:r>
               <a:rPr lang="hu-HU" dirty="0"/>
-              <a:t>, </a:t>
-            </a:r>
-            <a:r>
-              <a:rPr lang="hu-HU"/>
-              <a:t>miért használtuk</a:t>
+              <a:t> könyvtár:</a:t>
+            </a:r>
+          </a:p>
+          <a:p>
+            <a:pPr lvl="1"/>
+            <a:r>
+              <a:rPr lang="hu-HU" dirty="0"/>
+              <a:t>Struktúra tanulás</a:t>
+            </a:r>
+          </a:p>
+          <a:p>
+            <a:pPr lvl="1"/>
+            <a:r>
+              <a:rPr lang="hu-HU" dirty="0"/>
+              <a:t>Paraméterek tanulása</a:t>
+            </a:r>
+          </a:p>
+          <a:p>
+            <a:pPr lvl="1"/>
+            <a:r>
+              <a:rPr lang="hu-HU" dirty="0" err="1"/>
+              <a:t>Inferencia</a:t>
             </a:r>
             <a:endParaRPr lang="hu-HU" dirty="0"/>
           </a:p>
         </p:txBody>
       </p:sp>
+      <p:pic>
+        <p:nvPicPr>
+          <p:cNvPr id="7" name="Picture 6" descr="A diagram of a diagram&#10;&#10;Description automatically generated">
+            <a:extLst>
+              <a:ext uri="{FF2B5EF4-FFF2-40B4-BE49-F238E27FC236}">
+                <a16:creationId xmlns:a16="http://schemas.microsoft.com/office/drawing/2014/main" id="{4CE66F8E-13D3-74E7-6C6F-AD510FCB33C4}"/>
+              </a:ext>
+            </a:extLst>
+          </p:cNvPr>
+          <p:cNvPicPr>
+            <a:picLocks noChangeAspect="1"/>
+          </p:cNvPicPr>
+          <p:nvPr/>
+        </p:nvPicPr>
+        <p:blipFill>
+          <a:blip r:embed="rId2">
+            <a:extLst>
+              <a:ext uri="{28A0092B-C50C-407E-A947-70E740481C1C}">
+                <a14:useLocalDpi xmlns:a14="http://schemas.microsoft.com/office/drawing/2010/main" val="0"/>
+              </a:ext>
+            </a:extLst>
+          </a:blip>
+          <a:stretch>
+            <a:fillRect/>
+          </a:stretch>
+        </p:blipFill>
+        <p:spPr>
+          <a:xfrm>
+            <a:off x="6096000" y="1690688"/>
+            <a:ext cx="5878046" cy="2967837"/>
+          </a:xfrm>
+          <a:prstGeom prst="rect">
+            <a:avLst/>
+          </a:prstGeom>
+        </p:spPr>
+      </p:pic>
     </p:spTree>
     <p:extLst>
       <p:ext uri="{BB962C8B-B14F-4D97-AF65-F5344CB8AC3E}">

--- a/Balesetek Franciországban.pptx
+++ b/Balesetek Franciországban.pptx
@@ -4000,6 +4000,753 @@
 </dgm:colorsDef>
 </file>
 
+<file path=ppt/diagrams/colors5.xml><?xml version="1.0" encoding="utf-8"?>
+<dgm:colorsDef xmlns:dgm="http://schemas.openxmlformats.org/drawingml/2006/diagram" xmlns:a="http://schemas.openxmlformats.org/drawingml/2006/main" uniqueId="urn:microsoft.com/office/officeart/2005/8/colors/accent1_2">
+  <dgm:title val=""/>
+  <dgm:desc val=""/>
+  <dgm:catLst>
+    <dgm:cat type="accent1" pri="11200"/>
+  </dgm:catLst>
+  <dgm:styleLbl name="node0">
+    <dgm:fillClrLst meth="repeat">
+      <a:schemeClr val="accent1"/>
+    </dgm:fillClrLst>
+    <dgm:linClrLst meth="repeat">
+      <a:schemeClr val="lt1"/>
+    </dgm:linClrLst>
+    <dgm:effectClrLst/>
+    <dgm:txLinClrLst/>
+    <dgm:txFillClrLst/>
+    <dgm:txEffectClrLst/>
+  </dgm:styleLbl>
+  <dgm:styleLbl name="alignNode1">
+    <dgm:fillClrLst meth="repeat">
+      <a:schemeClr val="accent1"/>
+    </dgm:fillClrLst>
+    <dgm:linClrLst meth="repeat">
+      <a:schemeClr val="accent1"/>
+    </dgm:linClrLst>
+    <dgm:effectClrLst/>
+    <dgm:txLinClrLst/>
+    <dgm:txFillClrLst/>
+    <dgm:txEffectClrLst/>
+  </dgm:styleLbl>
+  <dgm:styleLbl name="node1">
+    <dgm:fillClrLst meth="repeat">
+      <a:schemeClr val="accent1"/>
+    </dgm:fillClrLst>
+    <dgm:linClrLst meth="repeat">
+      <a:schemeClr val="lt1"/>
+    </dgm:linClrLst>
+    <dgm:effectClrLst/>
+    <dgm:txLinClrLst/>
+    <dgm:txFillClrLst/>
+    <dgm:txEffectClrLst/>
+  </dgm:styleLbl>
+  <dgm:styleLbl name="lnNode1">
+    <dgm:fillClrLst meth="repeat">
+      <a:schemeClr val="accent1"/>
+    </dgm:fillClrLst>
+    <dgm:linClrLst meth="repeat">
+      <a:schemeClr val="lt1"/>
+    </dgm:linClrLst>
+    <dgm:effectClrLst/>
+    <dgm:txLinClrLst/>
+    <dgm:txFillClrLst/>
+    <dgm:txEffectClrLst/>
+  </dgm:styleLbl>
+  <dgm:styleLbl name="vennNode1">
+    <dgm:fillClrLst meth="repeat">
+      <a:schemeClr val="accent1">
+        <a:alpha val="50000"/>
+      </a:schemeClr>
+    </dgm:fillClrLst>
+    <dgm:linClrLst meth="repeat">
+      <a:schemeClr val="lt1"/>
+    </dgm:linClrLst>
+    <dgm:effectClrLst/>
+    <dgm:txLinClrLst/>
+    <dgm:txFillClrLst/>
+    <dgm:txEffectClrLst/>
+  </dgm:styleLbl>
+  <dgm:styleLbl name="node2">
+    <dgm:fillClrLst meth="repeat">
+      <a:schemeClr val="accent1"/>
+    </dgm:fillClrLst>
+    <dgm:linClrLst meth="repeat">
+      <a:schemeClr val="lt1"/>
+    </dgm:linClrLst>
+    <dgm:effectClrLst/>
+    <dgm:txLinClrLst/>
+    <dgm:txFillClrLst/>
+    <dgm:txEffectClrLst/>
+  </dgm:styleLbl>
+  <dgm:styleLbl name="node3">
+    <dgm:fillClrLst meth="repeat">
+      <a:schemeClr val="accent1"/>
+    </dgm:fillClrLst>
+    <dgm:linClrLst meth="repeat">
+      <a:schemeClr val="lt1"/>
+    </dgm:linClrLst>
+    <dgm:effectClrLst/>
+    <dgm:txLinClrLst/>
+    <dgm:txFillClrLst/>
+    <dgm:txEffectClrLst/>
+  </dgm:styleLbl>
+  <dgm:styleLbl name="node4">
+    <dgm:fillClrLst meth="repeat">
+      <a:schemeClr val="accent1"/>
+    </dgm:fillClrLst>
+    <dgm:linClrLst meth="repeat">
+      <a:schemeClr val="lt1"/>
+    </dgm:linClrLst>
+    <dgm:effectClrLst/>
+    <dgm:txLinClrLst/>
+    <dgm:txFillClrLst/>
+    <dgm:txEffectClrLst/>
+  </dgm:styleLbl>
+  <dgm:styleLbl name="fgImgPlace1">
+    <dgm:fillClrLst meth="repeat">
+      <a:schemeClr val="accent1">
+        <a:tint val="50000"/>
+      </a:schemeClr>
+    </dgm:fillClrLst>
+    <dgm:linClrLst meth="repeat">
+      <a:schemeClr val="lt1"/>
+    </dgm:linClrLst>
+    <dgm:effectClrLst/>
+    <dgm:txLinClrLst/>
+    <dgm:txFillClrLst meth="repeat">
+      <a:schemeClr val="lt1"/>
+    </dgm:txFillClrLst>
+    <dgm:txEffectClrLst/>
+  </dgm:styleLbl>
+  <dgm:styleLbl name="alignImgPlace1">
+    <dgm:fillClrLst meth="repeat">
+      <a:schemeClr val="accent1">
+        <a:tint val="50000"/>
+      </a:schemeClr>
+    </dgm:fillClrLst>
+    <dgm:linClrLst meth="repeat">
+      <a:schemeClr val="lt1"/>
+    </dgm:linClrLst>
+    <dgm:effectClrLst/>
+    <dgm:txLinClrLst/>
+    <dgm:txFillClrLst meth="repeat">
+      <a:schemeClr val="lt1"/>
+    </dgm:txFillClrLst>
+    <dgm:txEffectClrLst/>
+  </dgm:styleLbl>
+  <dgm:styleLbl name="bgImgPlace1">
+    <dgm:fillClrLst meth="repeat">
+      <a:schemeClr val="accent1">
+        <a:tint val="50000"/>
+      </a:schemeClr>
+    </dgm:fillClrLst>
+    <dgm:linClrLst meth="repeat">
+      <a:schemeClr val="lt1"/>
+    </dgm:linClrLst>
+    <dgm:effectClrLst/>
+    <dgm:txLinClrLst/>
+    <dgm:txFillClrLst meth="repeat">
+      <a:schemeClr val="lt1"/>
+    </dgm:txFillClrLst>
+    <dgm:txEffectClrLst/>
+  </dgm:styleLbl>
+  <dgm:styleLbl name="sibTrans2D1">
+    <dgm:fillClrLst meth="repeat">
+      <a:schemeClr val="accent1">
+        <a:tint val="60000"/>
+      </a:schemeClr>
+    </dgm:fillClrLst>
+    <dgm:linClrLst meth="repeat">
+      <a:schemeClr val="accent1">
+        <a:tint val="60000"/>
+      </a:schemeClr>
+    </dgm:linClrLst>
+    <dgm:effectClrLst/>
+    <dgm:txLinClrLst/>
+    <dgm:txFillClrLst/>
+    <dgm:txEffectClrLst/>
+  </dgm:styleLbl>
+  <dgm:styleLbl name="fgSibTrans2D1">
+    <dgm:fillClrLst meth="repeat">
+      <a:schemeClr val="accent1">
+        <a:tint val="60000"/>
+      </a:schemeClr>
+    </dgm:fillClrLst>
+    <dgm:linClrLst meth="repeat">
+      <a:schemeClr val="accent1">
+        <a:tint val="60000"/>
+      </a:schemeClr>
+    </dgm:linClrLst>
+    <dgm:effectClrLst/>
+    <dgm:txLinClrLst/>
+    <dgm:txFillClrLst/>
+    <dgm:txEffectClrLst/>
+  </dgm:styleLbl>
+  <dgm:styleLbl name="bgSibTrans2D1">
+    <dgm:fillClrLst meth="repeat">
+      <a:schemeClr val="accent1">
+        <a:tint val="60000"/>
+      </a:schemeClr>
+    </dgm:fillClrLst>
+    <dgm:linClrLst meth="repeat">
+      <a:schemeClr val="accent1">
+        <a:tint val="60000"/>
+      </a:schemeClr>
+    </dgm:linClrLst>
+    <dgm:effectClrLst/>
+    <dgm:txLinClrLst/>
+    <dgm:txFillClrLst/>
+    <dgm:txEffectClrLst/>
+  </dgm:styleLbl>
+  <dgm:styleLbl name="sibTrans1D1">
+    <dgm:fillClrLst meth="repeat">
+      <a:schemeClr val="accent1"/>
+    </dgm:fillClrLst>
+    <dgm:linClrLst meth="repeat">
+      <a:schemeClr val="accent1"/>
+    </dgm:linClrLst>
+    <dgm:effectClrLst/>
+    <dgm:txLinClrLst/>
+    <dgm:txFillClrLst meth="repeat">
+      <a:schemeClr val="tx1"/>
+    </dgm:txFillClrLst>
+    <dgm:txEffectClrLst/>
+  </dgm:styleLbl>
+  <dgm:styleLbl name="callout">
+    <dgm:fillClrLst meth="repeat">
+      <a:schemeClr val="accent1"/>
+    </dgm:fillClrLst>
+    <dgm:linClrLst meth="repeat">
+      <a:schemeClr val="accent1">
+        <a:tint val="50000"/>
+      </a:schemeClr>
+    </dgm:linClrLst>
+    <dgm:effectClrLst/>
+    <dgm:txLinClrLst/>
+    <dgm:txFillClrLst meth="repeat">
+      <a:schemeClr val="tx1"/>
+    </dgm:txFillClrLst>
+    <dgm:txEffectClrLst/>
+  </dgm:styleLbl>
+  <dgm:styleLbl name="asst0">
+    <dgm:fillClrLst meth="repeat">
+      <a:schemeClr val="accent1"/>
+    </dgm:fillClrLst>
+    <dgm:linClrLst meth="repeat">
+      <a:schemeClr val="lt1"/>
+    </dgm:linClrLst>
+    <dgm:effectClrLst/>
+    <dgm:txLinClrLst/>
+    <dgm:txFillClrLst/>
+    <dgm:txEffectClrLst/>
+  </dgm:styleLbl>
+  <dgm:styleLbl name="asst1">
+    <dgm:fillClrLst meth="repeat">
+      <a:schemeClr val="accent1"/>
+    </dgm:fillClrLst>
+    <dgm:linClrLst meth="repeat">
+      <a:schemeClr val="lt1"/>
+    </dgm:linClrLst>
+    <dgm:effectClrLst/>
+    <dgm:txLinClrLst/>
+    <dgm:txFillClrLst/>
+    <dgm:txEffectClrLst/>
+  </dgm:styleLbl>
+  <dgm:styleLbl name="asst2">
+    <dgm:fillClrLst meth="repeat">
+      <a:schemeClr val="accent1"/>
+    </dgm:fillClrLst>
+    <dgm:linClrLst meth="repeat">
+      <a:schemeClr val="lt1"/>
+    </dgm:linClrLst>
+    <dgm:effectClrLst/>
+    <dgm:txLinClrLst/>
+    <dgm:txFillClrLst/>
+    <dgm:txEffectClrLst/>
+  </dgm:styleLbl>
+  <dgm:styleLbl name="asst3">
+    <dgm:fillClrLst meth="repeat">
+      <a:schemeClr val="accent1"/>
+    </dgm:fillClrLst>
+    <dgm:linClrLst meth="repeat">
+      <a:schemeClr val="lt1"/>
+    </dgm:linClrLst>
+    <dgm:effectClrLst/>
+    <dgm:txLinClrLst/>
+    <dgm:txFillClrLst/>
+    <dgm:txEffectClrLst/>
+  </dgm:styleLbl>
+  <dgm:styleLbl name="asst4">
+    <dgm:fillClrLst meth="repeat">
+      <a:schemeClr val="accent1"/>
+    </dgm:fillClrLst>
+    <dgm:linClrLst meth="repeat">
+      <a:schemeClr val="lt1"/>
+    </dgm:linClrLst>
+    <dgm:effectClrLst/>
+    <dgm:txLinClrLst/>
+    <dgm:txFillClrLst/>
+    <dgm:txEffectClrLst/>
+  </dgm:styleLbl>
+  <dgm:styleLbl name="parChTrans2D1">
+    <dgm:fillClrLst meth="repeat">
+      <a:schemeClr val="accent1">
+        <a:tint val="60000"/>
+      </a:schemeClr>
+    </dgm:fillClrLst>
+    <dgm:linClrLst meth="repeat">
+      <a:schemeClr val="accent1">
+        <a:tint val="60000"/>
+      </a:schemeClr>
+    </dgm:linClrLst>
+    <dgm:effectClrLst/>
+    <dgm:txLinClrLst/>
+    <dgm:txFillClrLst meth="repeat">
+      <a:schemeClr val="lt1"/>
+    </dgm:txFillClrLst>
+    <dgm:txEffectClrLst/>
+  </dgm:styleLbl>
+  <dgm:styleLbl name="parChTrans2D2">
+    <dgm:fillClrLst meth="repeat">
+      <a:schemeClr val="accent1"/>
+    </dgm:fillClrLst>
+    <dgm:linClrLst meth="repeat">
+      <a:schemeClr val="accent1"/>
+    </dgm:linClrLst>
+    <dgm:effectClrLst/>
+    <dgm:txLinClrLst/>
+    <dgm:txFillClrLst meth="repeat">
+      <a:schemeClr val="lt1"/>
+    </dgm:txFillClrLst>
+    <dgm:txEffectClrLst/>
+  </dgm:styleLbl>
+  <dgm:styleLbl name="parChTrans2D3">
+    <dgm:fillClrLst meth="repeat">
+      <a:schemeClr val="accent1"/>
+    </dgm:fillClrLst>
+    <dgm:linClrLst meth="repeat">
+      <a:schemeClr val="accent1"/>
+    </dgm:linClrLst>
+    <dgm:effectClrLst/>
+    <dgm:txLinClrLst/>
+    <dgm:txFillClrLst meth="repeat">
+      <a:schemeClr val="lt1"/>
+    </dgm:txFillClrLst>
+    <dgm:txEffectClrLst/>
+  </dgm:styleLbl>
+  <dgm:styleLbl name="parChTrans2D4">
+    <dgm:fillClrLst meth="repeat">
+      <a:schemeClr val="accent1"/>
+    </dgm:fillClrLst>
+    <dgm:linClrLst meth="repeat">
+      <a:schemeClr val="accent1"/>
+    </dgm:linClrLst>
+    <dgm:effectClrLst/>
+    <dgm:txLinClrLst/>
+    <dgm:txFillClrLst meth="repeat">
+      <a:schemeClr val="lt1"/>
+    </dgm:txFillClrLst>
+    <dgm:txEffectClrLst/>
+  </dgm:styleLbl>
+  <dgm:styleLbl name="parChTrans1D1">
+    <dgm:fillClrLst meth="repeat">
+      <a:schemeClr val="accent1"/>
+    </dgm:fillClrLst>
+    <dgm:linClrLst meth="repeat">
+      <a:schemeClr val="accent1">
+        <a:shade val="60000"/>
+      </a:schemeClr>
+    </dgm:linClrLst>
+    <dgm:effectClrLst/>
+    <dgm:txLinClrLst/>
+    <dgm:txFillClrLst meth="repeat">
+      <a:schemeClr val="tx1"/>
+    </dgm:txFillClrLst>
+    <dgm:txEffectClrLst/>
+  </dgm:styleLbl>
+  <dgm:styleLbl name="parChTrans1D2">
+    <dgm:fillClrLst meth="repeat">
+      <a:schemeClr val="accent1"/>
+    </dgm:fillClrLst>
+    <dgm:linClrLst meth="repeat">
+      <a:schemeClr val="accent1">
+        <a:shade val="60000"/>
+      </a:schemeClr>
+    </dgm:linClrLst>
+    <dgm:effectClrLst/>
+    <dgm:txLinClrLst/>
+    <dgm:txFillClrLst meth="repeat">
+      <a:schemeClr val="tx1"/>
+    </dgm:txFillClrLst>
+    <dgm:txEffectClrLst/>
+  </dgm:styleLbl>
+  <dgm:styleLbl name="parChTrans1D3">
+    <dgm:fillClrLst meth="repeat">
+      <a:schemeClr val="accent1"/>
+    </dgm:fillClrLst>
+    <dgm:linClrLst meth="repeat">
+      <a:schemeClr val="accent1">
+        <a:shade val="80000"/>
+      </a:schemeClr>
+    </dgm:linClrLst>
+    <dgm:effectClrLst/>
+    <dgm:txLinClrLst/>
+    <dgm:txFillClrLst meth="repeat">
+      <a:schemeClr val="tx1"/>
+    </dgm:txFillClrLst>
+    <dgm:txEffectClrLst/>
+  </dgm:styleLbl>
+  <dgm:styleLbl name="parChTrans1D4">
+    <dgm:fillClrLst meth="repeat">
+      <a:schemeClr val="accent1"/>
+    </dgm:fillClrLst>
+    <dgm:linClrLst meth="repeat">
+      <a:schemeClr val="accent1">
+        <a:shade val="80000"/>
+      </a:schemeClr>
+    </dgm:linClrLst>
+    <dgm:effectClrLst/>
+    <dgm:txLinClrLst/>
+    <dgm:txFillClrLst meth="repeat">
+      <a:schemeClr val="tx1"/>
+    </dgm:txFillClrLst>
+    <dgm:txEffectClrLst/>
+  </dgm:styleLbl>
+  <dgm:styleLbl name="fgAcc1">
+    <dgm:fillClrLst meth="repeat">
+      <a:schemeClr val="lt1">
+        <a:alpha val="90000"/>
+      </a:schemeClr>
+    </dgm:fillClrLst>
+    <dgm:linClrLst meth="repeat">
+      <a:schemeClr val="accent1"/>
+    </dgm:linClrLst>
+    <dgm:effectClrLst/>
+    <dgm:txLinClrLst/>
+    <dgm:txFillClrLst meth="repeat">
+      <a:schemeClr val="dk1"/>
+    </dgm:txFillClrLst>
+    <dgm:txEffectClrLst/>
+  </dgm:styleLbl>
+  <dgm:styleLbl name="conFgAcc1">
+    <dgm:fillClrLst meth="repeat">
+      <a:schemeClr val="lt1">
+        <a:alpha val="90000"/>
+      </a:schemeClr>
+    </dgm:fillClrLst>
+    <dgm:linClrLst meth="repeat">
+      <a:schemeClr val="accent1"/>
+    </dgm:linClrLst>
+    <dgm:effectClrLst/>
+    <dgm:txLinClrLst/>
+    <dgm:txFillClrLst meth="repeat">
+      <a:schemeClr val="dk1"/>
+    </dgm:txFillClrLst>
+    <dgm:txEffectClrLst/>
+  </dgm:styleLbl>
+  <dgm:styleLbl name="alignAcc1">
+    <dgm:fillClrLst meth="repeat">
+      <a:schemeClr val="lt1">
+        <a:alpha val="90000"/>
+      </a:schemeClr>
+    </dgm:fillClrLst>
+    <dgm:linClrLst meth="repeat">
+      <a:schemeClr val="accent1"/>
+    </dgm:linClrLst>
+    <dgm:effectClrLst/>
+    <dgm:txLinClrLst/>
+    <dgm:txFillClrLst meth="repeat">
+      <a:schemeClr val="dk1"/>
+    </dgm:txFillClrLst>
+    <dgm:txEffectClrLst/>
+  </dgm:styleLbl>
+  <dgm:styleLbl name="trAlignAcc1">
+    <dgm:fillClrLst meth="repeat">
+      <a:schemeClr val="lt1">
+        <a:alpha val="40000"/>
+      </a:schemeClr>
+    </dgm:fillClrLst>
+    <dgm:linClrLst meth="repeat">
+      <a:schemeClr val="accent1"/>
+    </dgm:linClrLst>
+    <dgm:effectClrLst/>
+    <dgm:txLinClrLst/>
+    <dgm:txFillClrLst meth="repeat">
+      <a:schemeClr val="dk1"/>
+    </dgm:txFillClrLst>
+    <dgm:txEffectClrLst/>
+  </dgm:styleLbl>
+  <dgm:styleLbl name="bgAcc1">
+    <dgm:fillClrLst meth="repeat">
+      <a:schemeClr val="lt1">
+        <a:alpha val="90000"/>
+      </a:schemeClr>
+    </dgm:fillClrLst>
+    <dgm:linClrLst meth="repeat">
+      <a:schemeClr val="accent1"/>
+    </dgm:linClrLst>
+    <dgm:effectClrLst/>
+    <dgm:txLinClrLst/>
+    <dgm:txFillClrLst meth="repeat">
+      <a:schemeClr val="dk1"/>
+    </dgm:txFillClrLst>
+    <dgm:txEffectClrLst/>
+  </dgm:styleLbl>
+  <dgm:styleLbl name="solidFgAcc1">
+    <dgm:fillClrLst meth="repeat">
+      <a:schemeClr val="lt1"/>
+    </dgm:fillClrLst>
+    <dgm:linClrLst meth="repeat">
+      <a:schemeClr val="accent1"/>
+    </dgm:linClrLst>
+    <dgm:effectClrLst/>
+    <dgm:txLinClrLst/>
+    <dgm:txFillClrLst meth="repeat">
+      <a:schemeClr val="dk1"/>
+    </dgm:txFillClrLst>
+    <dgm:txEffectClrLst/>
+  </dgm:styleLbl>
+  <dgm:styleLbl name="solidAlignAcc1">
+    <dgm:fillClrLst meth="repeat">
+      <a:schemeClr val="lt1"/>
+    </dgm:fillClrLst>
+    <dgm:linClrLst meth="repeat">
+      <a:schemeClr val="accent1"/>
+    </dgm:linClrLst>
+    <dgm:effectClrLst/>
+    <dgm:txLinClrLst/>
+    <dgm:txFillClrLst meth="repeat">
+      <a:schemeClr val="dk1"/>
+    </dgm:txFillClrLst>
+    <dgm:txEffectClrLst/>
+  </dgm:styleLbl>
+  <dgm:styleLbl name="solidBgAcc1">
+    <dgm:fillClrLst meth="repeat">
+      <a:schemeClr val="lt1"/>
+    </dgm:fillClrLst>
+    <dgm:linClrLst meth="repeat">
+      <a:schemeClr val="accent1"/>
+    </dgm:linClrLst>
+    <dgm:effectClrLst/>
+    <dgm:txLinClrLst/>
+    <dgm:txFillClrLst meth="repeat">
+      <a:schemeClr val="dk1"/>
+    </dgm:txFillClrLst>
+    <dgm:txEffectClrLst/>
+  </dgm:styleLbl>
+  <dgm:styleLbl name="fgAccFollowNode1">
+    <dgm:fillClrLst meth="repeat">
+      <a:schemeClr val="accent1">
+        <a:alpha val="90000"/>
+        <a:tint val="40000"/>
+      </a:schemeClr>
+    </dgm:fillClrLst>
+    <dgm:linClrLst meth="repeat">
+      <a:schemeClr val="accent1">
+        <a:alpha val="90000"/>
+        <a:tint val="40000"/>
+      </a:schemeClr>
+    </dgm:linClrLst>
+    <dgm:effectClrLst/>
+    <dgm:txLinClrLst/>
+    <dgm:txFillClrLst meth="repeat">
+      <a:schemeClr val="dk1"/>
+    </dgm:txFillClrLst>
+    <dgm:txEffectClrLst/>
+  </dgm:styleLbl>
+  <dgm:styleLbl name="alignAccFollowNode1">
+    <dgm:fillClrLst meth="repeat">
+      <a:schemeClr val="accent1">
+        <a:alpha val="90000"/>
+        <a:tint val="40000"/>
+      </a:schemeClr>
+    </dgm:fillClrLst>
+    <dgm:linClrLst meth="repeat">
+      <a:schemeClr val="accent1">
+        <a:alpha val="90000"/>
+        <a:tint val="40000"/>
+      </a:schemeClr>
+    </dgm:linClrLst>
+    <dgm:effectClrLst/>
+    <dgm:txLinClrLst/>
+    <dgm:txFillClrLst meth="repeat">
+      <a:schemeClr val="dk1"/>
+    </dgm:txFillClrLst>
+    <dgm:txEffectClrLst/>
+  </dgm:styleLbl>
+  <dgm:styleLbl name="bgAccFollowNode1">
+    <dgm:fillClrLst meth="repeat">
+      <a:schemeClr val="accent1">
+        <a:alpha val="90000"/>
+        <a:tint val="40000"/>
+      </a:schemeClr>
+    </dgm:fillClrLst>
+    <dgm:linClrLst meth="repeat">
+      <a:schemeClr val="accent1">
+        <a:alpha val="90000"/>
+        <a:tint val="40000"/>
+      </a:schemeClr>
+    </dgm:linClrLst>
+    <dgm:effectClrLst/>
+    <dgm:txLinClrLst/>
+    <dgm:txFillClrLst meth="repeat">
+      <a:schemeClr val="dk1"/>
+    </dgm:txFillClrLst>
+    <dgm:txEffectClrLst/>
+  </dgm:styleLbl>
+  <dgm:styleLbl name="fgAcc0">
+    <dgm:fillClrLst meth="repeat">
+      <a:schemeClr val="lt1">
+        <a:alpha val="90000"/>
+      </a:schemeClr>
+    </dgm:fillClrLst>
+    <dgm:linClrLst meth="repeat">
+      <a:schemeClr val="accent1"/>
+    </dgm:linClrLst>
+    <dgm:effectClrLst/>
+    <dgm:txLinClrLst/>
+    <dgm:txFillClrLst meth="repeat">
+      <a:schemeClr val="dk1"/>
+    </dgm:txFillClrLst>
+    <dgm:txEffectClrLst/>
+  </dgm:styleLbl>
+  <dgm:styleLbl name="fgAcc2">
+    <dgm:fillClrLst meth="repeat">
+      <a:schemeClr val="lt1">
+        <a:alpha val="90000"/>
+      </a:schemeClr>
+    </dgm:fillClrLst>
+    <dgm:linClrLst meth="repeat">
+      <a:schemeClr val="accent1"/>
+    </dgm:linClrLst>
+    <dgm:effectClrLst/>
+    <dgm:txLinClrLst/>
+    <dgm:txFillClrLst meth="repeat">
+      <a:schemeClr val="dk1"/>
+    </dgm:txFillClrLst>
+    <dgm:txEffectClrLst/>
+  </dgm:styleLbl>
+  <dgm:styleLbl name="fgAcc3">
+    <dgm:fillClrLst meth="repeat">
+      <a:schemeClr val="lt1">
+        <a:alpha val="90000"/>
+      </a:schemeClr>
+    </dgm:fillClrLst>
+    <dgm:linClrLst meth="repeat">
+      <a:schemeClr val="accent1"/>
+    </dgm:linClrLst>
+    <dgm:effectClrLst/>
+    <dgm:txLinClrLst/>
+    <dgm:txFillClrLst meth="repeat">
+      <a:schemeClr val="dk1"/>
+    </dgm:txFillClrLst>
+    <dgm:txEffectClrLst/>
+  </dgm:styleLbl>
+  <dgm:styleLbl name="fgAcc4">
+    <dgm:fillClrLst meth="repeat">
+      <a:schemeClr val="lt1">
+        <a:alpha val="90000"/>
+      </a:schemeClr>
+    </dgm:fillClrLst>
+    <dgm:linClrLst meth="repeat">
+      <a:schemeClr val="accent1"/>
+    </dgm:linClrLst>
+    <dgm:effectClrLst/>
+    <dgm:txLinClrLst/>
+    <dgm:txFillClrLst meth="repeat">
+      <a:schemeClr val="dk1"/>
+    </dgm:txFillClrLst>
+    <dgm:txEffectClrLst/>
+  </dgm:styleLbl>
+  <dgm:styleLbl name="bgShp">
+    <dgm:fillClrLst meth="repeat">
+      <a:schemeClr val="accent1">
+        <a:tint val="40000"/>
+      </a:schemeClr>
+    </dgm:fillClrLst>
+    <dgm:linClrLst meth="repeat">
+      <a:schemeClr val="accent1"/>
+    </dgm:linClrLst>
+    <dgm:effectClrLst/>
+    <dgm:txLinClrLst/>
+    <dgm:txFillClrLst meth="repeat">
+      <a:schemeClr val="dk1"/>
+    </dgm:txFillClrLst>
+    <dgm:txEffectClrLst/>
+  </dgm:styleLbl>
+  <dgm:styleLbl name="dkBgShp">
+    <dgm:fillClrLst meth="repeat">
+      <a:schemeClr val="accent1">
+        <a:shade val="80000"/>
+      </a:schemeClr>
+    </dgm:fillClrLst>
+    <dgm:linClrLst meth="repeat">
+      <a:schemeClr val="accent1"/>
+    </dgm:linClrLst>
+    <dgm:effectClrLst/>
+    <dgm:txLinClrLst/>
+    <dgm:txFillClrLst meth="repeat">
+      <a:schemeClr val="lt1"/>
+    </dgm:txFillClrLst>
+    <dgm:txEffectClrLst/>
+  </dgm:styleLbl>
+  <dgm:styleLbl name="trBgShp">
+    <dgm:fillClrLst meth="repeat">
+      <a:schemeClr val="accent1">
+        <a:tint val="50000"/>
+        <a:alpha val="40000"/>
+      </a:schemeClr>
+    </dgm:fillClrLst>
+    <dgm:linClrLst meth="repeat">
+      <a:schemeClr val="accent1"/>
+    </dgm:linClrLst>
+    <dgm:effectClrLst/>
+    <dgm:txLinClrLst/>
+    <dgm:txFillClrLst meth="repeat">
+      <a:schemeClr val="lt1"/>
+    </dgm:txFillClrLst>
+    <dgm:txEffectClrLst/>
+  </dgm:styleLbl>
+  <dgm:styleLbl name="fgShp">
+    <dgm:fillClrLst meth="repeat">
+      <a:schemeClr val="accent1">
+        <a:tint val="60000"/>
+      </a:schemeClr>
+    </dgm:fillClrLst>
+    <dgm:linClrLst meth="repeat">
+      <a:schemeClr val="lt1"/>
+    </dgm:linClrLst>
+    <dgm:effectClrLst/>
+    <dgm:txLinClrLst/>
+    <dgm:txFillClrLst meth="repeat">
+      <a:schemeClr val="dk1"/>
+    </dgm:txFillClrLst>
+    <dgm:txEffectClrLst/>
+  </dgm:styleLbl>
+  <dgm:styleLbl name="revTx">
+    <dgm:fillClrLst meth="repeat">
+      <a:schemeClr val="lt1">
+        <a:alpha val="0"/>
+      </a:schemeClr>
+    </dgm:fillClrLst>
+    <dgm:linClrLst meth="repeat">
+      <a:schemeClr val="dk1">
+        <a:alpha val="0"/>
+      </a:schemeClr>
+    </dgm:linClrLst>
+    <dgm:effectClrLst/>
+    <dgm:txLinClrLst/>
+    <dgm:txFillClrLst meth="repeat">
+      <a:schemeClr val="tx1"/>
+    </dgm:txFillClrLst>
+    <dgm:txEffectClrLst/>
+  </dgm:styleLbl>
+</dgm:colorsDef>
+</file>
+
 <file path=ppt/diagrams/data1.xml><?xml version="1.0" encoding="utf-8"?>
 <dgm:dataModel xmlns:dgm="http://schemas.openxmlformats.org/drawingml/2006/diagram" xmlns:a="http://schemas.openxmlformats.org/drawingml/2006/main">
   <dgm:ptLst>
@@ -4817,6 +5564,251 @@
 <file path=ppt/diagrams/data3.xml><?xml version="1.0" encoding="utf-8"?>
 <dgm:dataModel xmlns:dgm="http://schemas.openxmlformats.org/drawingml/2006/diagram" xmlns:a="http://schemas.openxmlformats.org/drawingml/2006/main">
   <dgm:ptLst>
+    <dgm:pt modelId="{62B7D586-64AE-4E95-A4F9-B1F4ED4F070F}" type="doc">
+      <dgm:prSet loTypeId="urn:microsoft.com/office/officeart/2005/8/layout/radial4" loCatId="relationship" qsTypeId="urn:microsoft.com/office/officeart/2005/8/quickstyle/simple1" qsCatId="simple" csTypeId="urn:microsoft.com/office/officeart/2005/8/colors/accent1_2" csCatId="accent1" phldr="1"/>
+      <dgm:spPr/>
+      <dgm:t>
+        <a:bodyPr/>
+        <a:lstStyle/>
+        <a:p>
+          <a:endParaRPr lang="hu-HU"/>
+        </a:p>
+      </dgm:t>
+    </dgm:pt>
+    <dgm:pt modelId="{F3C3869D-A9BE-4896-8BA5-5852BC7645A0}">
+      <dgm:prSet phldrT="[Szöveg]"/>
+      <dgm:spPr/>
+      <dgm:t>
+        <a:bodyPr/>
+        <a:lstStyle/>
+        <a:p>
+          <a:r>
+            <a:rPr lang="hu-HU" dirty="0" err="1"/>
+            <a:t>Bayes</a:t>
+          </a:r>
+          <a:r>
+            <a:rPr lang="hu-HU" dirty="0"/>
+            <a:t> háló</a:t>
+          </a:r>
+        </a:p>
+      </dgm:t>
+    </dgm:pt>
+    <dgm:pt modelId="{4E79420D-3564-4B5B-99EC-C4243FB973E3}" type="parTrans" cxnId="{E437681F-7348-4E85-BD78-804B8451511C}">
+      <dgm:prSet/>
+      <dgm:spPr/>
+      <dgm:t>
+        <a:bodyPr/>
+        <a:lstStyle/>
+        <a:p>
+          <a:endParaRPr lang="hu-HU"/>
+        </a:p>
+      </dgm:t>
+    </dgm:pt>
+    <dgm:pt modelId="{4C3C4125-0216-48C6-B63B-D75A569E298D}" type="sibTrans" cxnId="{E437681F-7348-4E85-BD78-804B8451511C}">
+      <dgm:prSet/>
+      <dgm:spPr/>
+      <dgm:t>
+        <a:bodyPr/>
+        <a:lstStyle/>
+        <a:p>
+          <a:endParaRPr lang="hu-HU"/>
+        </a:p>
+      </dgm:t>
+    </dgm:pt>
+    <dgm:pt modelId="{5156E665-C95E-4EDD-A45A-DB90AC04FDAF}">
+      <dgm:prSet phldrT="[Szöveg]"/>
+      <dgm:spPr/>
+      <dgm:t>
+        <a:bodyPr/>
+        <a:lstStyle/>
+        <a:p>
+          <a:r>
+            <a:rPr lang="hu-HU" dirty="0"/>
+            <a:t>Kategorikus adatok</a:t>
+          </a:r>
+        </a:p>
+      </dgm:t>
+    </dgm:pt>
+    <dgm:pt modelId="{7C38ABF9-3C5E-4066-A6E4-F942C7000054}" type="parTrans" cxnId="{BA740E55-2DE4-460B-A84C-48E953BAE05C}">
+      <dgm:prSet/>
+      <dgm:spPr/>
+      <dgm:t>
+        <a:bodyPr/>
+        <a:lstStyle/>
+        <a:p>
+          <a:endParaRPr lang="hu-HU"/>
+        </a:p>
+      </dgm:t>
+    </dgm:pt>
+    <dgm:pt modelId="{A987D947-9399-43C1-A1FC-00CF4CEB37A2}" type="sibTrans" cxnId="{BA740E55-2DE4-460B-A84C-48E953BAE05C}">
+      <dgm:prSet/>
+      <dgm:spPr/>
+      <dgm:t>
+        <a:bodyPr/>
+        <a:lstStyle/>
+        <a:p>
+          <a:endParaRPr lang="hu-HU"/>
+        </a:p>
+      </dgm:t>
+    </dgm:pt>
+    <dgm:pt modelId="{58C219CD-5908-48E4-BD35-DDCB06A7DE76}">
+      <dgm:prSet phldrT="[Szöveg]"/>
+      <dgm:spPr/>
+      <dgm:t>
+        <a:bodyPr/>
+        <a:lstStyle/>
+        <a:p>
+          <a:r>
+            <a:rPr lang="hu-HU" dirty="0"/>
+            <a:t>Igény a megmagyaráz- hatóságra</a:t>
+          </a:r>
+        </a:p>
+      </dgm:t>
+    </dgm:pt>
+    <dgm:pt modelId="{ED680862-1816-4ADB-B5BD-15ECDED8AEC6}" type="parTrans" cxnId="{88E2A7E3-871A-48BD-93EB-0E8466398703}">
+      <dgm:prSet/>
+      <dgm:spPr/>
+      <dgm:t>
+        <a:bodyPr/>
+        <a:lstStyle/>
+        <a:p>
+          <a:endParaRPr lang="hu-HU"/>
+        </a:p>
+      </dgm:t>
+    </dgm:pt>
+    <dgm:pt modelId="{BA5CD444-16B2-4FCC-8FA4-80D37498C836}" type="sibTrans" cxnId="{88E2A7E3-871A-48BD-93EB-0E8466398703}">
+      <dgm:prSet/>
+      <dgm:spPr/>
+      <dgm:t>
+        <a:bodyPr/>
+        <a:lstStyle/>
+        <a:p>
+          <a:endParaRPr lang="hu-HU"/>
+        </a:p>
+      </dgm:t>
+    </dgm:pt>
+    <dgm:pt modelId="{C8CD729F-6C2C-41AB-9762-12206460C6CE}">
+      <dgm:prSet phldrT="[Szöveg]"/>
+      <dgm:spPr/>
+      <dgm:t>
+        <a:bodyPr/>
+        <a:lstStyle/>
+        <a:p>
+          <a:r>
+            <a:rPr lang="hu-HU" dirty="0"/>
+            <a:t>Nagymennyiségű adat</a:t>
+          </a:r>
+        </a:p>
+      </dgm:t>
+    </dgm:pt>
+    <dgm:pt modelId="{0A117B96-7E4F-469E-884B-3FB9DD7FE508}" type="parTrans" cxnId="{E1E91FE8-811D-4536-A3D0-269BAA4DE962}">
+      <dgm:prSet/>
+      <dgm:spPr/>
+      <dgm:t>
+        <a:bodyPr/>
+        <a:lstStyle/>
+        <a:p>
+          <a:endParaRPr lang="hu-HU"/>
+        </a:p>
+      </dgm:t>
+    </dgm:pt>
+    <dgm:pt modelId="{AE20E035-D0D3-436B-B7A0-001FB6FAF61E}" type="sibTrans" cxnId="{E1E91FE8-811D-4536-A3D0-269BAA4DE962}">
+      <dgm:prSet/>
+      <dgm:spPr/>
+      <dgm:t>
+        <a:bodyPr/>
+        <a:lstStyle/>
+        <a:p>
+          <a:endParaRPr lang="hu-HU"/>
+        </a:p>
+      </dgm:t>
+    </dgm:pt>
+    <dgm:pt modelId="{83F8F239-2B06-4AA0-8B9D-9A97F7E419BD}" type="pres">
+      <dgm:prSet presAssocID="{62B7D586-64AE-4E95-A4F9-B1F4ED4F070F}" presName="cycle" presStyleCnt="0">
+        <dgm:presLayoutVars>
+          <dgm:chMax val="1"/>
+          <dgm:dir/>
+          <dgm:animLvl val="ctr"/>
+          <dgm:resizeHandles val="exact"/>
+        </dgm:presLayoutVars>
+      </dgm:prSet>
+      <dgm:spPr/>
+    </dgm:pt>
+    <dgm:pt modelId="{73E3103E-7BCD-4E52-B8C4-A448AF747E31}" type="pres">
+      <dgm:prSet presAssocID="{F3C3869D-A9BE-4896-8BA5-5852BC7645A0}" presName="centerShape" presStyleLbl="node0" presStyleIdx="0" presStyleCnt="1"/>
+      <dgm:spPr/>
+    </dgm:pt>
+    <dgm:pt modelId="{4B6994D3-6EBC-4CA8-BB01-4267F9B9FAD3}" type="pres">
+      <dgm:prSet presAssocID="{7C38ABF9-3C5E-4066-A6E4-F942C7000054}" presName="parTrans" presStyleLbl="bgSibTrans2D1" presStyleIdx="0" presStyleCnt="3"/>
+      <dgm:spPr/>
+    </dgm:pt>
+    <dgm:pt modelId="{753C725B-60DB-4336-B406-ACAE8B648B56}" type="pres">
+      <dgm:prSet presAssocID="{5156E665-C95E-4EDD-A45A-DB90AC04FDAF}" presName="node" presStyleLbl="node1" presStyleIdx="0" presStyleCnt="3">
+        <dgm:presLayoutVars>
+          <dgm:bulletEnabled val="1"/>
+        </dgm:presLayoutVars>
+      </dgm:prSet>
+      <dgm:spPr/>
+    </dgm:pt>
+    <dgm:pt modelId="{9F96151E-ACDB-4BA7-B7E2-E2415FD3F8EE}" type="pres">
+      <dgm:prSet presAssocID="{ED680862-1816-4ADB-B5BD-15ECDED8AEC6}" presName="parTrans" presStyleLbl="bgSibTrans2D1" presStyleIdx="1" presStyleCnt="3"/>
+      <dgm:spPr/>
+    </dgm:pt>
+    <dgm:pt modelId="{EF4AC0DD-87A4-4EF0-BE79-7DEA597B7E3D}" type="pres">
+      <dgm:prSet presAssocID="{58C219CD-5908-48E4-BD35-DDCB06A7DE76}" presName="node" presStyleLbl="node1" presStyleIdx="1" presStyleCnt="3">
+        <dgm:presLayoutVars>
+          <dgm:bulletEnabled val="1"/>
+        </dgm:presLayoutVars>
+      </dgm:prSet>
+      <dgm:spPr/>
+    </dgm:pt>
+    <dgm:pt modelId="{E9166F03-1FDB-4D37-97CC-78B91216D711}" type="pres">
+      <dgm:prSet presAssocID="{0A117B96-7E4F-469E-884B-3FB9DD7FE508}" presName="parTrans" presStyleLbl="bgSibTrans2D1" presStyleIdx="2" presStyleCnt="3"/>
+      <dgm:spPr/>
+    </dgm:pt>
+    <dgm:pt modelId="{0FF479DD-BC8C-49FF-9263-774EF00EFFAD}" type="pres">
+      <dgm:prSet presAssocID="{C8CD729F-6C2C-41AB-9762-12206460C6CE}" presName="node" presStyleLbl="node1" presStyleIdx="2" presStyleCnt="3">
+        <dgm:presLayoutVars>
+          <dgm:bulletEnabled val="1"/>
+        </dgm:presLayoutVars>
+      </dgm:prSet>
+      <dgm:spPr/>
+    </dgm:pt>
+  </dgm:ptLst>
+  <dgm:cxnLst>
+    <dgm:cxn modelId="{76E68302-B4A2-4537-B791-8E7285BC1DF9}" type="presOf" srcId="{C8CD729F-6C2C-41AB-9762-12206460C6CE}" destId="{0FF479DD-BC8C-49FF-9263-774EF00EFFAD}" srcOrd="0" destOrd="0" presId="urn:microsoft.com/office/officeart/2005/8/layout/radial4"/>
+    <dgm:cxn modelId="{E437681F-7348-4E85-BD78-804B8451511C}" srcId="{62B7D586-64AE-4E95-A4F9-B1F4ED4F070F}" destId="{F3C3869D-A9BE-4896-8BA5-5852BC7645A0}" srcOrd="0" destOrd="0" parTransId="{4E79420D-3564-4B5B-99EC-C4243FB973E3}" sibTransId="{4C3C4125-0216-48C6-B63B-D75A569E298D}"/>
+    <dgm:cxn modelId="{E1F8BB33-BA52-46ED-9802-EAA24293DC99}" type="presOf" srcId="{62B7D586-64AE-4E95-A4F9-B1F4ED4F070F}" destId="{83F8F239-2B06-4AA0-8B9D-9A97F7E419BD}" srcOrd="0" destOrd="0" presId="urn:microsoft.com/office/officeart/2005/8/layout/radial4"/>
+    <dgm:cxn modelId="{65B24436-C2B0-4ED8-8008-04DD1195CAEC}" type="presOf" srcId="{0A117B96-7E4F-469E-884B-3FB9DD7FE508}" destId="{E9166F03-1FDB-4D37-97CC-78B91216D711}" srcOrd="0" destOrd="0" presId="urn:microsoft.com/office/officeart/2005/8/layout/radial4"/>
+    <dgm:cxn modelId="{BA740E55-2DE4-460B-A84C-48E953BAE05C}" srcId="{F3C3869D-A9BE-4896-8BA5-5852BC7645A0}" destId="{5156E665-C95E-4EDD-A45A-DB90AC04FDAF}" srcOrd="0" destOrd="0" parTransId="{7C38ABF9-3C5E-4066-A6E4-F942C7000054}" sibTransId="{A987D947-9399-43C1-A1FC-00CF4CEB37A2}"/>
+    <dgm:cxn modelId="{1D53B458-C862-449D-8CCD-D0C388186F0A}" type="presOf" srcId="{7C38ABF9-3C5E-4066-A6E4-F942C7000054}" destId="{4B6994D3-6EBC-4CA8-BB01-4267F9B9FAD3}" srcOrd="0" destOrd="0" presId="urn:microsoft.com/office/officeart/2005/8/layout/radial4"/>
+    <dgm:cxn modelId="{6B6B857B-F419-4813-BA4D-26032889A54A}" type="presOf" srcId="{5156E665-C95E-4EDD-A45A-DB90AC04FDAF}" destId="{753C725B-60DB-4336-B406-ACAE8B648B56}" srcOrd="0" destOrd="0" presId="urn:microsoft.com/office/officeart/2005/8/layout/radial4"/>
+    <dgm:cxn modelId="{F44CC8CD-0FFF-4C6E-B271-C97DE46DEF56}" type="presOf" srcId="{F3C3869D-A9BE-4896-8BA5-5852BC7645A0}" destId="{73E3103E-7BCD-4E52-B8C4-A448AF747E31}" srcOrd="0" destOrd="0" presId="urn:microsoft.com/office/officeart/2005/8/layout/radial4"/>
+    <dgm:cxn modelId="{5C9E74D6-AE20-4342-AFF4-88EAEF39DF0D}" type="presOf" srcId="{ED680862-1816-4ADB-B5BD-15ECDED8AEC6}" destId="{9F96151E-ACDB-4BA7-B7E2-E2415FD3F8EE}" srcOrd="0" destOrd="0" presId="urn:microsoft.com/office/officeart/2005/8/layout/radial4"/>
+    <dgm:cxn modelId="{88E2A7E3-871A-48BD-93EB-0E8466398703}" srcId="{F3C3869D-A9BE-4896-8BA5-5852BC7645A0}" destId="{58C219CD-5908-48E4-BD35-DDCB06A7DE76}" srcOrd="1" destOrd="0" parTransId="{ED680862-1816-4ADB-B5BD-15ECDED8AEC6}" sibTransId="{BA5CD444-16B2-4FCC-8FA4-80D37498C836}"/>
+    <dgm:cxn modelId="{E1E91FE8-811D-4536-A3D0-269BAA4DE962}" srcId="{F3C3869D-A9BE-4896-8BA5-5852BC7645A0}" destId="{C8CD729F-6C2C-41AB-9762-12206460C6CE}" srcOrd="2" destOrd="0" parTransId="{0A117B96-7E4F-469E-884B-3FB9DD7FE508}" sibTransId="{AE20E035-D0D3-436B-B7A0-001FB6FAF61E}"/>
+    <dgm:cxn modelId="{F973DEEB-A7FC-4319-BC1C-6D72FB901A7A}" type="presOf" srcId="{58C219CD-5908-48E4-BD35-DDCB06A7DE76}" destId="{EF4AC0DD-87A4-4EF0-BE79-7DEA597B7E3D}" srcOrd="0" destOrd="0" presId="urn:microsoft.com/office/officeart/2005/8/layout/radial4"/>
+    <dgm:cxn modelId="{A9AE7805-EA6E-4EF9-BCBB-085A9170F065}" type="presParOf" srcId="{83F8F239-2B06-4AA0-8B9D-9A97F7E419BD}" destId="{73E3103E-7BCD-4E52-B8C4-A448AF747E31}" srcOrd="0" destOrd="0" presId="urn:microsoft.com/office/officeart/2005/8/layout/radial4"/>
+    <dgm:cxn modelId="{0401AD0D-B174-4E9A-8E6C-839823A19998}" type="presParOf" srcId="{83F8F239-2B06-4AA0-8B9D-9A97F7E419BD}" destId="{4B6994D3-6EBC-4CA8-BB01-4267F9B9FAD3}" srcOrd="1" destOrd="0" presId="urn:microsoft.com/office/officeart/2005/8/layout/radial4"/>
+    <dgm:cxn modelId="{7B40EF6D-1653-4657-9DAF-EF4FE89B09A7}" type="presParOf" srcId="{83F8F239-2B06-4AA0-8B9D-9A97F7E419BD}" destId="{753C725B-60DB-4336-B406-ACAE8B648B56}" srcOrd="2" destOrd="0" presId="urn:microsoft.com/office/officeart/2005/8/layout/radial4"/>
+    <dgm:cxn modelId="{33DAB4B0-DC63-452E-9BEB-E6BE5880F6F3}" type="presParOf" srcId="{83F8F239-2B06-4AA0-8B9D-9A97F7E419BD}" destId="{9F96151E-ACDB-4BA7-B7E2-E2415FD3F8EE}" srcOrd="3" destOrd="0" presId="urn:microsoft.com/office/officeart/2005/8/layout/radial4"/>
+    <dgm:cxn modelId="{A8CAFA97-4DE9-4E80-BE3E-31B90BCBBF78}" type="presParOf" srcId="{83F8F239-2B06-4AA0-8B9D-9A97F7E419BD}" destId="{EF4AC0DD-87A4-4EF0-BE79-7DEA597B7E3D}" srcOrd="4" destOrd="0" presId="urn:microsoft.com/office/officeart/2005/8/layout/radial4"/>
+    <dgm:cxn modelId="{29A36B6F-A6EC-45A1-BE28-8570E8C5A348}" type="presParOf" srcId="{83F8F239-2B06-4AA0-8B9D-9A97F7E419BD}" destId="{E9166F03-1FDB-4D37-97CC-78B91216D711}" srcOrd="5" destOrd="0" presId="urn:microsoft.com/office/officeart/2005/8/layout/radial4"/>
+    <dgm:cxn modelId="{AFC0D6AE-C891-448E-8CD4-D8985B92E803}" type="presParOf" srcId="{83F8F239-2B06-4AA0-8B9D-9A97F7E419BD}" destId="{0FF479DD-BC8C-49FF-9263-774EF00EFFAD}" srcOrd="6" destOrd="0" presId="urn:microsoft.com/office/officeart/2005/8/layout/radial4"/>
+  </dgm:cxnLst>
+  <dgm:bg/>
+  <dgm:whole/>
+  <dgm:extLst>
+    <a:ext uri="http://schemas.microsoft.com/office/drawing/2008/diagram">
+      <dsp:dataModelExt xmlns:dsp="http://schemas.microsoft.com/office/drawing/2008/diagram" relId="rId6" minVer="http://schemas.openxmlformats.org/drawingml/2006/diagram"/>
+    </a:ext>
+  </dgm:extLst>
+</dgm:dataModel>
+</file>
+
+<file path=ppt/diagrams/data4.xml><?xml version="1.0" encoding="utf-8"?>
+<dgm:dataModel xmlns:dgm="http://schemas.openxmlformats.org/drawingml/2006/diagram" xmlns:a="http://schemas.openxmlformats.org/drawingml/2006/main">
+  <dgm:ptLst>
     <dgm:pt modelId="{AF397283-7267-47C3-9A04-E776F884C4CD}" type="doc">
       <dgm:prSet loTypeId="urn:microsoft.com/office/officeart/2005/8/layout/list1" loCatId="list" qsTypeId="urn:microsoft.com/office/officeart/2005/8/quickstyle/simple1" qsCatId="simple" csTypeId="urn:microsoft.com/office/officeart/2005/8/colors/accent1_2" csCatId="accent1"/>
       <dgm:spPr/>
@@ -5345,7 +6337,7 @@
 </dgm:dataModel>
 </file>
 
-<file path=ppt/diagrams/data4.xml><?xml version="1.0" encoding="utf-8"?>
+<file path=ppt/diagrams/data5.xml><?xml version="1.0" encoding="utf-8"?>
 <dgm:dataModel xmlns:dgm="http://schemas.openxmlformats.org/drawingml/2006/diagram" xmlns:a="http://schemas.openxmlformats.org/drawingml/2006/main">
   <dgm:ptLst>
     <dgm:pt modelId="{0DE9CC37-DC96-4A15-AFC2-BB5B47569AFB}" type="doc">
@@ -6667,6 +7659,471 @@
       <dsp:cNvGrpSpPr/>
     </dsp:nvGrpSpPr>
     <dsp:grpSpPr/>
+    <dsp:sp modelId="{73E3103E-7BCD-4E52-B8C4-A448AF747E31}">
+      <dsp:nvSpPr>
+        <dsp:cNvPr id="0" name=""/>
+        <dsp:cNvSpPr/>
+      </dsp:nvSpPr>
+      <dsp:spPr>
+        <a:xfrm>
+          <a:off x="1969215" y="2176947"/>
+          <a:ext cx="1630715" cy="1630715"/>
+        </a:xfrm>
+        <a:prstGeom prst="ellipse">
+          <a:avLst/>
+        </a:prstGeom>
+        <a:solidFill>
+          <a:schemeClr val="accent1">
+            <a:hueOff val="0"/>
+            <a:satOff val="0"/>
+            <a:lumOff val="0"/>
+            <a:alphaOff val="0"/>
+          </a:schemeClr>
+        </a:solidFill>
+        <a:ln w="12700" cap="flat" cmpd="sng" algn="ctr">
+          <a:solidFill>
+            <a:schemeClr val="lt1">
+              <a:hueOff val="0"/>
+              <a:satOff val="0"/>
+              <a:lumOff val="0"/>
+              <a:alphaOff val="0"/>
+            </a:schemeClr>
+          </a:solidFill>
+          <a:prstDash val="solid"/>
+        </a:ln>
+        <a:effectLst/>
+      </dsp:spPr>
+      <dsp:style>
+        <a:lnRef idx="2">
+          <a:scrgbClr r="0" g="0" b="0"/>
+        </a:lnRef>
+        <a:fillRef idx="1">
+          <a:scrgbClr r="0" g="0" b="0"/>
+        </a:fillRef>
+        <a:effectRef idx="0">
+          <a:scrgbClr r="0" g="0" b="0"/>
+        </a:effectRef>
+        <a:fontRef idx="minor">
+          <a:schemeClr val="lt1"/>
+        </a:fontRef>
+      </dsp:style>
+      <dsp:txBody>
+        <a:bodyPr spcFirstLastPara="0" vert="horz" wrap="square" lIns="20955" tIns="20955" rIns="20955" bIns="20955" numCol="1" spcCol="1270" anchor="ctr" anchorCtr="0">
+          <a:noAutofit/>
+        </a:bodyPr>
+        <a:lstStyle/>
+        <a:p>
+          <a:pPr marL="0" lvl="0" indent="0" algn="ctr" defTabSz="1466850">
+            <a:lnSpc>
+              <a:spcPct val="90000"/>
+            </a:lnSpc>
+            <a:spcBef>
+              <a:spcPct val="0"/>
+            </a:spcBef>
+            <a:spcAft>
+              <a:spcPct val="35000"/>
+            </a:spcAft>
+            <a:buNone/>
+          </a:pPr>
+          <a:r>
+            <a:rPr lang="hu-HU" sz="3300" kern="1200" dirty="0" err="1"/>
+            <a:t>Bayes</a:t>
+          </a:r>
+          <a:r>
+            <a:rPr lang="hu-HU" sz="3300" kern="1200" dirty="0"/>
+            <a:t> háló</a:t>
+          </a:r>
+        </a:p>
+      </dsp:txBody>
+      <dsp:txXfrm>
+        <a:off x="2208028" y="2415760"/>
+        <a:ext cx="1153089" cy="1153089"/>
+      </dsp:txXfrm>
+    </dsp:sp>
+    <dsp:sp modelId="{4B6994D3-6EBC-4CA8-BB01-4267F9B9FAD3}">
+      <dsp:nvSpPr>
+        <dsp:cNvPr id="0" name=""/>
+        <dsp:cNvSpPr/>
+      </dsp:nvSpPr>
+      <dsp:spPr>
+        <a:xfrm rot="12900000">
+          <a:off x="708648" y="1821318"/>
+          <a:ext cx="1470901" cy="464753"/>
+        </a:xfrm>
+        <a:prstGeom prst="leftArrow">
+          <a:avLst>
+            <a:gd name="adj1" fmla="val 60000"/>
+            <a:gd name="adj2" fmla="val 50000"/>
+          </a:avLst>
+        </a:prstGeom>
+        <a:solidFill>
+          <a:schemeClr val="accent1">
+            <a:tint val="60000"/>
+            <a:hueOff val="0"/>
+            <a:satOff val="0"/>
+            <a:lumOff val="0"/>
+            <a:alphaOff val="0"/>
+          </a:schemeClr>
+        </a:solidFill>
+        <a:ln>
+          <a:noFill/>
+        </a:ln>
+        <a:effectLst/>
+      </dsp:spPr>
+      <dsp:style>
+        <a:lnRef idx="0">
+          <a:scrgbClr r="0" g="0" b="0"/>
+        </a:lnRef>
+        <a:fillRef idx="1">
+          <a:scrgbClr r="0" g="0" b="0"/>
+        </a:fillRef>
+        <a:effectRef idx="0">
+          <a:scrgbClr r="0" g="0" b="0"/>
+        </a:effectRef>
+        <a:fontRef idx="minor">
+          <a:schemeClr val="lt1"/>
+        </a:fontRef>
+      </dsp:style>
+    </dsp:sp>
+    <dsp:sp modelId="{753C725B-60DB-4336-B406-ACAE8B648B56}">
+      <dsp:nvSpPr>
+        <dsp:cNvPr id="0" name=""/>
+        <dsp:cNvSpPr/>
+      </dsp:nvSpPr>
+      <dsp:spPr>
+        <a:xfrm>
+          <a:off x="67063" y="1012186"/>
+          <a:ext cx="1549179" cy="1239343"/>
+        </a:xfrm>
+        <a:prstGeom prst="roundRect">
+          <a:avLst>
+            <a:gd name="adj" fmla="val 10000"/>
+          </a:avLst>
+        </a:prstGeom>
+        <a:solidFill>
+          <a:schemeClr val="accent1">
+            <a:hueOff val="0"/>
+            <a:satOff val="0"/>
+            <a:lumOff val="0"/>
+            <a:alphaOff val="0"/>
+          </a:schemeClr>
+        </a:solidFill>
+        <a:ln w="12700" cap="flat" cmpd="sng" algn="ctr">
+          <a:solidFill>
+            <a:schemeClr val="lt1">
+              <a:hueOff val="0"/>
+              <a:satOff val="0"/>
+              <a:lumOff val="0"/>
+              <a:alphaOff val="0"/>
+            </a:schemeClr>
+          </a:solidFill>
+          <a:prstDash val="solid"/>
+        </a:ln>
+        <a:effectLst/>
+      </dsp:spPr>
+      <dsp:style>
+        <a:lnRef idx="2">
+          <a:scrgbClr r="0" g="0" b="0"/>
+        </a:lnRef>
+        <a:fillRef idx="1">
+          <a:scrgbClr r="0" g="0" b="0"/>
+        </a:fillRef>
+        <a:effectRef idx="0">
+          <a:scrgbClr r="0" g="0" b="0"/>
+        </a:effectRef>
+        <a:fontRef idx="minor">
+          <a:schemeClr val="lt1"/>
+        </a:fontRef>
+      </dsp:style>
+      <dsp:txBody>
+        <a:bodyPr spcFirstLastPara="0" vert="horz" wrap="square" lIns="24765" tIns="24765" rIns="24765" bIns="24765" numCol="1" spcCol="1270" anchor="ctr" anchorCtr="0">
+          <a:noAutofit/>
+        </a:bodyPr>
+        <a:lstStyle/>
+        <a:p>
+          <a:pPr marL="0" lvl="0" indent="0" algn="ctr" defTabSz="577850">
+            <a:lnSpc>
+              <a:spcPct val="90000"/>
+            </a:lnSpc>
+            <a:spcBef>
+              <a:spcPct val="0"/>
+            </a:spcBef>
+            <a:spcAft>
+              <a:spcPct val="35000"/>
+            </a:spcAft>
+            <a:buNone/>
+          </a:pPr>
+          <a:r>
+            <a:rPr lang="hu-HU" sz="1300" kern="1200" dirty="0"/>
+            <a:t>Kategorikus adatok</a:t>
+          </a:r>
+        </a:p>
+      </dsp:txBody>
+      <dsp:txXfrm>
+        <a:off x="103362" y="1048485"/>
+        <a:ext cx="1476581" cy="1166745"/>
+      </dsp:txXfrm>
+    </dsp:sp>
+    <dsp:sp modelId="{9F96151E-ACDB-4BA7-B7E2-E2415FD3F8EE}">
+      <dsp:nvSpPr>
+        <dsp:cNvPr id="0" name=""/>
+        <dsp:cNvSpPr/>
+      </dsp:nvSpPr>
+      <dsp:spPr>
+        <a:xfrm rot="16200000">
+          <a:off x="2049122" y="1123512"/>
+          <a:ext cx="1470901" cy="464753"/>
+        </a:xfrm>
+        <a:prstGeom prst="leftArrow">
+          <a:avLst>
+            <a:gd name="adj1" fmla="val 60000"/>
+            <a:gd name="adj2" fmla="val 50000"/>
+          </a:avLst>
+        </a:prstGeom>
+        <a:solidFill>
+          <a:schemeClr val="accent1">
+            <a:tint val="60000"/>
+            <a:hueOff val="0"/>
+            <a:satOff val="0"/>
+            <a:lumOff val="0"/>
+            <a:alphaOff val="0"/>
+          </a:schemeClr>
+        </a:solidFill>
+        <a:ln>
+          <a:noFill/>
+        </a:ln>
+        <a:effectLst/>
+      </dsp:spPr>
+      <dsp:style>
+        <a:lnRef idx="0">
+          <a:scrgbClr r="0" g="0" b="0"/>
+        </a:lnRef>
+        <a:fillRef idx="1">
+          <a:scrgbClr r="0" g="0" b="0"/>
+        </a:fillRef>
+        <a:effectRef idx="0">
+          <a:scrgbClr r="0" g="0" b="0"/>
+        </a:effectRef>
+        <a:fontRef idx="minor">
+          <a:schemeClr val="lt1"/>
+        </a:fontRef>
+      </dsp:style>
+    </dsp:sp>
+    <dsp:sp modelId="{EF4AC0DD-87A4-4EF0-BE79-7DEA597B7E3D}">
+      <dsp:nvSpPr>
+        <dsp:cNvPr id="0" name=""/>
+        <dsp:cNvSpPr/>
+      </dsp:nvSpPr>
+      <dsp:spPr>
+        <a:xfrm>
+          <a:off x="2009983" y="766"/>
+          <a:ext cx="1549179" cy="1239343"/>
+        </a:xfrm>
+        <a:prstGeom prst="roundRect">
+          <a:avLst>
+            <a:gd name="adj" fmla="val 10000"/>
+          </a:avLst>
+        </a:prstGeom>
+        <a:solidFill>
+          <a:schemeClr val="accent1">
+            <a:hueOff val="0"/>
+            <a:satOff val="0"/>
+            <a:lumOff val="0"/>
+            <a:alphaOff val="0"/>
+          </a:schemeClr>
+        </a:solidFill>
+        <a:ln w="12700" cap="flat" cmpd="sng" algn="ctr">
+          <a:solidFill>
+            <a:schemeClr val="lt1">
+              <a:hueOff val="0"/>
+              <a:satOff val="0"/>
+              <a:lumOff val="0"/>
+              <a:alphaOff val="0"/>
+            </a:schemeClr>
+          </a:solidFill>
+          <a:prstDash val="solid"/>
+        </a:ln>
+        <a:effectLst/>
+      </dsp:spPr>
+      <dsp:style>
+        <a:lnRef idx="2">
+          <a:scrgbClr r="0" g="0" b="0"/>
+        </a:lnRef>
+        <a:fillRef idx="1">
+          <a:scrgbClr r="0" g="0" b="0"/>
+        </a:fillRef>
+        <a:effectRef idx="0">
+          <a:scrgbClr r="0" g="0" b="0"/>
+        </a:effectRef>
+        <a:fontRef idx="minor">
+          <a:schemeClr val="lt1"/>
+        </a:fontRef>
+      </dsp:style>
+      <dsp:txBody>
+        <a:bodyPr spcFirstLastPara="0" vert="horz" wrap="square" lIns="24765" tIns="24765" rIns="24765" bIns="24765" numCol="1" spcCol="1270" anchor="ctr" anchorCtr="0">
+          <a:noAutofit/>
+        </a:bodyPr>
+        <a:lstStyle/>
+        <a:p>
+          <a:pPr marL="0" lvl="0" indent="0" algn="ctr" defTabSz="577850">
+            <a:lnSpc>
+              <a:spcPct val="90000"/>
+            </a:lnSpc>
+            <a:spcBef>
+              <a:spcPct val="0"/>
+            </a:spcBef>
+            <a:spcAft>
+              <a:spcPct val="35000"/>
+            </a:spcAft>
+            <a:buNone/>
+          </a:pPr>
+          <a:r>
+            <a:rPr lang="hu-HU" sz="1300" kern="1200" dirty="0"/>
+            <a:t>Igény a megmagyaráz- hatóságra</a:t>
+          </a:r>
+        </a:p>
+      </dsp:txBody>
+      <dsp:txXfrm>
+        <a:off x="2046282" y="37065"/>
+        <a:ext cx="1476581" cy="1166745"/>
+      </dsp:txXfrm>
+    </dsp:sp>
+    <dsp:sp modelId="{E9166F03-1FDB-4D37-97CC-78B91216D711}">
+      <dsp:nvSpPr>
+        <dsp:cNvPr id="0" name=""/>
+        <dsp:cNvSpPr/>
+      </dsp:nvSpPr>
+      <dsp:spPr>
+        <a:xfrm rot="19500000">
+          <a:off x="3389596" y="1821318"/>
+          <a:ext cx="1470901" cy="464753"/>
+        </a:xfrm>
+        <a:prstGeom prst="leftArrow">
+          <a:avLst>
+            <a:gd name="adj1" fmla="val 60000"/>
+            <a:gd name="adj2" fmla="val 50000"/>
+          </a:avLst>
+        </a:prstGeom>
+        <a:solidFill>
+          <a:schemeClr val="accent1">
+            <a:tint val="60000"/>
+            <a:hueOff val="0"/>
+            <a:satOff val="0"/>
+            <a:lumOff val="0"/>
+            <a:alphaOff val="0"/>
+          </a:schemeClr>
+        </a:solidFill>
+        <a:ln>
+          <a:noFill/>
+        </a:ln>
+        <a:effectLst/>
+      </dsp:spPr>
+      <dsp:style>
+        <a:lnRef idx="0">
+          <a:scrgbClr r="0" g="0" b="0"/>
+        </a:lnRef>
+        <a:fillRef idx="1">
+          <a:scrgbClr r="0" g="0" b="0"/>
+        </a:fillRef>
+        <a:effectRef idx="0">
+          <a:scrgbClr r="0" g="0" b="0"/>
+        </a:effectRef>
+        <a:fontRef idx="minor">
+          <a:schemeClr val="lt1"/>
+        </a:fontRef>
+      </dsp:style>
+    </dsp:sp>
+    <dsp:sp modelId="{0FF479DD-BC8C-49FF-9263-774EF00EFFAD}">
+      <dsp:nvSpPr>
+        <dsp:cNvPr id="0" name=""/>
+        <dsp:cNvSpPr/>
+      </dsp:nvSpPr>
+      <dsp:spPr>
+        <a:xfrm>
+          <a:off x="3952903" y="1012186"/>
+          <a:ext cx="1549179" cy="1239343"/>
+        </a:xfrm>
+        <a:prstGeom prst="roundRect">
+          <a:avLst>
+            <a:gd name="adj" fmla="val 10000"/>
+          </a:avLst>
+        </a:prstGeom>
+        <a:solidFill>
+          <a:schemeClr val="accent1">
+            <a:hueOff val="0"/>
+            <a:satOff val="0"/>
+            <a:lumOff val="0"/>
+            <a:alphaOff val="0"/>
+          </a:schemeClr>
+        </a:solidFill>
+        <a:ln w="12700" cap="flat" cmpd="sng" algn="ctr">
+          <a:solidFill>
+            <a:schemeClr val="lt1">
+              <a:hueOff val="0"/>
+              <a:satOff val="0"/>
+              <a:lumOff val="0"/>
+              <a:alphaOff val="0"/>
+            </a:schemeClr>
+          </a:solidFill>
+          <a:prstDash val="solid"/>
+        </a:ln>
+        <a:effectLst/>
+      </dsp:spPr>
+      <dsp:style>
+        <a:lnRef idx="2">
+          <a:scrgbClr r="0" g="0" b="0"/>
+        </a:lnRef>
+        <a:fillRef idx="1">
+          <a:scrgbClr r="0" g="0" b="0"/>
+        </a:fillRef>
+        <a:effectRef idx="0">
+          <a:scrgbClr r="0" g="0" b="0"/>
+        </a:effectRef>
+        <a:fontRef idx="minor">
+          <a:schemeClr val="lt1"/>
+        </a:fontRef>
+      </dsp:style>
+      <dsp:txBody>
+        <a:bodyPr spcFirstLastPara="0" vert="horz" wrap="square" lIns="24765" tIns="24765" rIns="24765" bIns="24765" numCol="1" spcCol="1270" anchor="ctr" anchorCtr="0">
+          <a:noAutofit/>
+        </a:bodyPr>
+        <a:lstStyle/>
+        <a:p>
+          <a:pPr marL="0" lvl="0" indent="0" algn="ctr" defTabSz="577850">
+            <a:lnSpc>
+              <a:spcPct val="90000"/>
+            </a:lnSpc>
+            <a:spcBef>
+              <a:spcPct val="0"/>
+            </a:spcBef>
+            <a:spcAft>
+              <a:spcPct val="35000"/>
+            </a:spcAft>
+            <a:buNone/>
+          </a:pPr>
+          <a:r>
+            <a:rPr lang="hu-HU" sz="1300" kern="1200" dirty="0"/>
+            <a:t>Nagymennyiségű adat</a:t>
+          </a:r>
+        </a:p>
+      </dsp:txBody>
+      <dsp:txXfrm>
+        <a:off x="3989202" y="1048485"/>
+        <a:ext cx="1476581" cy="1166745"/>
+      </dsp:txXfrm>
+    </dsp:sp>
+  </dsp:spTree>
+</dsp:drawing>
+</file>
+
+<file path=ppt/diagrams/drawing4.xml><?xml version="1.0" encoding="utf-8"?>
+<dsp:drawing xmlns:dgm="http://schemas.openxmlformats.org/drawingml/2006/diagram" xmlns:dsp="http://schemas.microsoft.com/office/drawing/2008/diagram" xmlns:a="http://schemas.openxmlformats.org/drawingml/2006/main">
+  <dsp:spTree>
+    <dsp:nvGrpSpPr>
+      <dsp:cNvPr id="0" name=""/>
+      <dsp:cNvGrpSpPr/>
+    </dsp:nvGrpSpPr>
+    <dsp:grpSpPr/>
     <dsp:sp modelId="{C32A912D-AEED-4E5E-842B-43AB3583484C}">
       <dsp:nvSpPr>
         <dsp:cNvPr id="0" name=""/>
@@ -7103,7 +8560,7 @@
 </dsp:drawing>
 </file>
 
-<file path=ppt/diagrams/drawing4.xml><?xml version="1.0" encoding="utf-8"?>
+<file path=ppt/diagrams/drawing5.xml><?xml version="1.0" encoding="utf-8"?>
 <dsp:drawing xmlns:dgm="http://schemas.openxmlformats.org/drawingml/2006/diagram" xmlns:dsp="http://schemas.microsoft.com/office/drawing/2008/diagram" xmlns:a="http://schemas.openxmlformats.org/drawingml/2006/main">
   <dsp:spTree>
     <dsp:nvGrpSpPr>
@@ -7800,6 +9257,266 @@
 </file>
 
 <file path=ppt/diagrams/layout3.xml><?xml version="1.0" encoding="utf-8"?>
+<dgm:layoutDef xmlns:dgm="http://schemas.openxmlformats.org/drawingml/2006/diagram" xmlns:a="http://schemas.openxmlformats.org/drawingml/2006/main" uniqueId="urn:microsoft.com/office/officeart/2005/8/layout/radial4">
+  <dgm:title val=""/>
+  <dgm:desc val=""/>
+  <dgm:catLst>
+    <dgm:cat type="relationship" pri="19000"/>
+  </dgm:catLst>
+  <dgm:sampData>
+    <dgm:dataModel>
+      <dgm:ptLst>
+        <dgm:pt modelId="0" type="doc"/>
+        <dgm:pt modelId="1">
+          <dgm:prSet phldr="1"/>
+        </dgm:pt>
+        <dgm:pt modelId="11">
+          <dgm:prSet phldr="1"/>
+        </dgm:pt>
+        <dgm:pt modelId="12">
+          <dgm:prSet phldr="1"/>
+        </dgm:pt>
+        <dgm:pt modelId="13">
+          <dgm:prSet phldr="1"/>
+        </dgm:pt>
+      </dgm:ptLst>
+      <dgm:cxnLst>
+        <dgm:cxn modelId="2" srcId="0" destId="1" srcOrd="0" destOrd="0"/>
+        <dgm:cxn modelId="3" srcId="1" destId="11" srcOrd="0" destOrd="0"/>
+        <dgm:cxn modelId="4" srcId="1" destId="12" srcOrd="1" destOrd="0"/>
+        <dgm:cxn modelId="5" srcId="1" destId="13" srcOrd="2" destOrd="0"/>
+      </dgm:cxnLst>
+      <dgm:bg/>
+      <dgm:whole/>
+    </dgm:dataModel>
+  </dgm:sampData>
+  <dgm:styleData>
+    <dgm:dataModel>
+      <dgm:ptLst>
+        <dgm:pt modelId="0" type="doc"/>
+        <dgm:pt modelId="1"/>
+        <dgm:pt modelId="11"/>
+        <dgm:pt modelId="12"/>
+      </dgm:ptLst>
+      <dgm:cxnLst>
+        <dgm:cxn modelId="2" srcId="0" destId="1" srcOrd="0" destOrd="0"/>
+        <dgm:cxn modelId="15" srcId="1" destId="11" srcOrd="0" destOrd="0"/>
+        <dgm:cxn modelId="16" srcId="1" destId="12" srcOrd="1" destOrd="0"/>
+      </dgm:cxnLst>
+      <dgm:bg/>
+      <dgm:whole/>
+    </dgm:dataModel>
+  </dgm:styleData>
+  <dgm:clrData>
+    <dgm:dataModel>
+      <dgm:ptLst>
+        <dgm:pt modelId="0" type="doc"/>
+        <dgm:pt modelId="1"/>
+        <dgm:pt modelId="11"/>
+        <dgm:pt modelId="12"/>
+        <dgm:pt modelId="13"/>
+        <dgm:pt modelId="14"/>
+        <dgm:pt modelId="15"/>
+        <dgm:pt modelId="16"/>
+      </dgm:ptLst>
+      <dgm:cxnLst>
+        <dgm:cxn modelId="2" srcId="0" destId="1" srcOrd="0" destOrd="0"/>
+        <dgm:cxn modelId="16" srcId="1" destId="11" srcOrd="0" destOrd="0"/>
+        <dgm:cxn modelId="17" srcId="1" destId="12" srcOrd="1" destOrd="0"/>
+        <dgm:cxn modelId="18" srcId="1" destId="13" srcOrd="2" destOrd="0"/>
+        <dgm:cxn modelId="19" srcId="1" destId="14" srcOrd="3" destOrd="0"/>
+        <dgm:cxn modelId="20" srcId="1" destId="15" srcOrd="4" destOrd="0"/>
+        <dgm:cxn modelId="21" srcId="1" destId="16" srcOrd="5" destOrd="0"/>
+      </dgm:cxnLst>
+      <dgm:bg/>
+      <dgm:whole/>
+    </dgm:dataModel>
+  </dgm:clrData>
+  <dgm:layoutNode name="cycle">
+    <dgm:varLst>
+      <dgm:chMax val="1"/>
+      <dgm:dir/>
+      <dgm:animLvl val="ctr"/>
+      <dgm:resizeHandles val="exact"/>
+    </dgm:varLst>
+    <dgm:choose name="Name0">
+      <dgm:if name="Name1" func="var" arg="dir" op="equ" val="norm">
+        <dgm:choose name="Name2">
+          <dgm:if name="Name3" axis="ch ch" ptType="node node" st="1 1" cnt="1 0" func="cnt" op="lte" val="1">
+            <dgm:alg type="cycle">
+              <dgm:param type="stAng" val="0"/>
+              <dgm:param type="spanAng" val="360"/>
+              <dgm:param type="ctrShpMap" val="fNode"/>
+            </dgm:alg>
+          </dgm:if>
+          <dgm:else name="Name4">
+            <dgm:choose name="Name5">
+              <dgm:if name="Name6" axis="ch ch" ptType="node node" st="1 1" cnt="1 0" func="cnt" op="lte" val="3">
+                <dgm:alg type="cycle">
+                  <dgm:param type="stAng" val="-55"/>
+                  <dgm:param type="spanAng" val="110"/>
+                  <dgm:param type="ctrShpMap" val="fNode"/>
+                </dgm:alg>
+              </dgm:if>
+              <dgm:else name="Name7">
+                <dgm:choose name="Name8">
+                  <dgm:if name="Name9" axis="ch ch" ptType="node node" st="1 1" cnt="1 0" func="cnt" op="equ" val="4">
+                    <dgm:alg type="cycle">
+                      <dgm:param type="stAng" val="-75"/>
+                      <dgm:param type="spanAng" val="150"/>
+                      <dgm:param type="ctrShpMap" val="fNode"/>
+                    </dgm:alg>
+                  </dgm:if>
+                  <dgm:else name="Name10">
+                    <dgm:alg type="cycle">
+                      <dgm:param type="stAng" val="-90"/>
+                      <dgm:param type="spanAng" val="180"/>
+                      <dgm:param type="ctrShpMap" val="fNode"/>
+                    </dgm:alg>
+                  </dgm:else>
+                </dgm:choose>
+              </dgm:else>
+            </dgm:choose>
+          </dgm:else>
+        </dgm:choose>
+      </dgm:if>
+      <dgm:else name="Name11">
+        <dgm:choose name="Name12">
+          <dgm:if name="Name13" axis="ch ch" ptType="node node" st="1 1" cnt="1 0" func="cnt" op="lte" val="1">
+            <dgm:alg type="cycle">
+              <dgm:param type="stAng" val="0"/>
+              <dgm:param type="spanAng" val="-360"/>
+              <dgm:param type="ctrShpMap" val="fNode"/>
+            </dgm:alg>
+          </dgm:if>
+          <dgm:else name="Name14">
+            <dgm:choose name="Name15">
+              <dgm:if name="Name16" axis="ch ch" ptType="node node" st="1 1" cnt="1 0" func="cnt" op="lte" val="3">
+                <dgm:alg type="cycle">
+                  <dgm:param type="stAng" val="55"/>
+                  <dgm:param type="spanAng" val="-110"/>
+                  <dgm:param type="ctrShpMap" val="fNode"/>
+                </dgm:alg>
+              </dgm:if>
+              <dgm:else name="Name17">
+                <dgm:choose name="Name18">
+                  <dgm:if name="Name19" axis="ch ch" ptType="node node" st="1 1" cnt="1 0" func="cnt" op="equ" val="4">
+                    <dgm:alg type="cycle">
+                      <dgm:param type="stAng" val="75"/>
+                      <dgm:param type="spanAng" val="-150"/>
+                      <dgm:param type="ctrShpMap" val="fNode"/>
+                    </dgm:alg>
+                  </dgm:if>
+                  <dgm:else name="Name20">
+                    <dgm:alg type="cycle">
+                      <dgm:param type="stAng" val="90"/>
+                      <dgm:param type="spanAng" val="-180"/>
+                      <dgm:param type="ctrShpMap" val="fNode"/>
+                    </dgm:alg>
+                  </dgm:else>
+                </dgm:choose>
+              </dgm:else>
+            </dgm:choose>
+          </dgm:else>
+        </dgm:choose>
+      </dgm:else>
+    </dgm:choose>
+    <dgm:shape xmlns:r="http://schemas.openxmlformats.org/officeDocument/2006/relationships" r:blip="">
+      <dgm:adjLst/>
+    </dgm:shape>
+    <dgm:presOf/>
+    <dgm:constrLst>
+      <dgm:constr type="w" for="ch" forName="centerShape" refType="w"/>
+      <dgm:constr type="w" for="ch" forName="node" refType="w" refFor="ch" refForName="centerShape" fact="0.95"/>
+      <dgm:constr type="h" for="ch" forName="parTrans" refType="w" refFor="ch" refForName="centerShape" fact="0.285"/>
+      <dgm:constr type="sp" refType="w" refFor="ch" refForName="centerShape" op="equ" fact="0.23"/>
+      <dgm:constr type="sibSp" refType="w" refFor="ch" refForName="node" fact="0.1"/>
+      <dgm:constr type="primFontSz" for="ch" forName="node" op="equ"/>
+    </dgm:constrLst>
+    <dgm:choose name="Name21">
+      <dgm:if name="Name22" axis="ch ch" ptType="node node" st="1 1" cnt="1 0" func="cnt" op="lte" val="5">
+        <dgm:ruleLst>
+          <dgm:rule type="w" for="ch" forName="centerShape" val="NaN" fact="0.27" max="NaN"/>
+        </dgm:ruleLst>
+      </dgm:if>
+      <dgm:else name="Name23">
+        <dgm:ruleLst>
+          <dgm:rule type="w" for="ch" forName="centerShape" val="NaN" fact="0.27" max="NaN"/>
+          <dgm:rule type="w" for="ch" forName="node" val="NaN" fact="0.7" max="NaN"/>
+        </dgm:ruleLst>
+      </dgm:else>
+    </dgm:choose>
+    <dgm:forEach name="Name24" axis="ch" ptType="node" cnt="1">
+      <dgm:layoutNode name="centerShape" styleLbl="node0">
+        <dgm:alg type="tx"/>
+        <dgm:shape xmlns:r="http://schemas.openxmlformats.org/officeDocument/2006/relationships" type="ellipse" r:blip="">
+          <dgm:adjLst/>
+        </dgm:shape>
+        <dgm:presOf axis="self"/>
+        <dgm:constrLst>
+          <dgm:constr type="tMarg" refType="primFontSz" fact="0.05"/>
+          <dgm:constr type="bMarg" refType="primFontSz" fact="0.05"/>
+          <dgm:constr type="lMarg" refType="primFontSz" fact="0.05"/>
+          <dgm:constr type="rMarg" refType="primFontSz" fact="0.05"/>
+          <dgm:constr type="primFontSz" val="65"/>
+          <dgm:constr type="h" refType="w"/>
+        </dgm:constrLst>
+        <dgm:ruleLst>
+          <dgm:rule type="primFontSz" val="5" fact="NaN" max="NaN"/>
+        </dgm:ruleLst>
+      </dgm:layoutNode>
+      <dgm:forEach name="Name25" axis="ch">
+        <dgm:forEach name="Name26" axis="self" ptType="parTrans">
+          <dgm:layoutNode name="parTrans" styleLbl="bgSibTrans2D1">
+            <dgm:alg type="conn">
+              <dgm:param type="begPts" val="auto"/>
+              <dgm:param type="endPts" val="ctr"/>
+              <dgm:param type="endSty" val="noArr"/>
+              <dgm:param type="begSty" val="arr"/>
+            </dgm:alg>
+            <dgm:shape xmlns:r="http://schemas.openxmlformats.org/officeDocument/2006/relationships" type="conn" r:blip="">
+              <dgm:adjLst/>
+            </dgm:shape>
+            <dgm:presOf axis="self"/>
+            <dgm:constrLst>
+              <dgm:constr type="begPad" refType="connDist" fact="0.055"/>
+              <dgm:constr type="endPad"/>
+            </dgm:constrLst>
+            <dgm:ruleLst/>
+          </dgm:layoutNode>
+        </dgm:forEach>
+        <dgm:forEach name="Name27" axis="self" ptType="node">
+          <dgm:layoutNode name="node" styleLbl="node1">
+            <dgm:varLst>
+              <dgm:bulletEnabled val="1"/>
+            </dgm:varLst>
+            <dgm:alg type="tx"/>
+            <dgm:shape xmlns:r="http://schemas.openxmlformats.org/officeDocument/2006/relationships" type="roundRect" r:blip="">
+              <dgm:adjLst>
+                <dgm:adj idx="1" val="0.1"/>
+              </dgm:adjLst>
+            </dgm:shape>
+            <dgm:presOf axis="desOrSelf" ptType="node"/>
+            <dgm:constrLst>
+              <dgm:constr type="primFontSz" val="65"/>
+              <dgm:constr type="h" refType="w" fact="0.8"/>
+              <dgm:constr type="tMarg" refType="primFontSz" fact="0.15"/>
+              <dgm:constr type="bMarg" refType="primFontSz" fact="0.15"/>
+              <dgm:constr type="lMarg" refType="primFontSz" fact="0.15"/>
+              <dgm:constr type="rMarg" refType="primFontSz" fact="0.15"/>
+            </dgm:constrLst>
+            <dgm:ruleLst>
+              <dgm:rule type="primFontSz" val="5" fact="NaN" max="NaN"/>
+            </dgm:ruleLst>
+          </dgm:layoutNode>
+        </dgm:forEach>
+      </dgm:forEach>
+    </dgm:forEach>
+  </dgm:layoutNode>
+</dgm:layoutDef>
+</file>
+
+<file path=ppt/diagrams/layout4.xml><?xml version="1.0" encoding="utf-8"?>
 <dgm:layoutDef xmlns:dgm="http://schemas.openxmlformats.org/drawingml/2006/diagram" xmlns:a="http://schemas.openxmlformats.org/drawingml/2006/main" uniqueId="urn:microsoft.com/office/officeart/2005/8/layout/list1">
   <dgm:title val=""/>
   <dgm:desc val=""/>
@@ -8024,7 +9741,7 @@
 </dgm:layoutDef>
 </file>
 
-<file path=ppt/diagrams/layout4.xml><?xml version="1.0" encoding="utf-8"?>
+<file path=ppt/diagrams/layout5.xml><?xml version="1.0" encoding="utf-8"?>
 <dgm:layoutDef xmlns:dgm="http://schemas.openxmlformats.org/drawingml/2006/diagram" xmlns:a="http://schemas.openxmlformats.org/drawingml/2006/main" uniqueId="urn:microsoft.com/office/officeart/2005/8/layout/list1">
   <dgm:title val=""/>
   <dgm:desc val=""/>
@@ -11352,6 +13069,1040 @@
 </file>
 
 <file path=ppt/diagrams/quickStyle4.xml><?xml version="1.0" encoding="utf-8"?>
+<dgm:styleDef xmlns:dgm="http://schemas.openxmlformats.org/drawingml/2006/diagram" xmlns:a="http://schemas.openxmlformats.org/drawingml/2006/main" uniqueId="urn:microsoft.com/office/officeart/2005/8/quickstyle/simple1">
+  <dgm:title val=""/>
+  <dgm:desc val=""/>
+  <dgm:catLst>
+    <dgm:cat type="simple" pri="10100"/>
+  </dgm:catLst>
+  <dgm:scene3d>
+    <a:camera prst="orthographicFront"/>
+    <a:lightRig rig="threePt" dir="t"/>
+  </dgm:scene3d>
+  <dgm:styleLbl name="node0">
+    <dgm:scene3d>
+      <a:camera prst="orthographicFront"/>
+      <a:lightRig rig="threePt" dir="t"/>
+    </dgm:scene3d>
+    <dgm:sp3d/>
+    <dgm:txPr/>
+    <dgm:style>
+      <a:lnRef idx="2">
+        <a:scrgbClr r="0" g="0" b="0"/>
+      </a:lnRef>
+      <a:fillRef idx="1">
+        <a:scrgbClr r="0" g="0" b="0"/>
+      </a:fillRef>
+      <a:effectRef idx="0">
+        <a:scrgbClr r="0" g="0" b="0"/>
+      </a:effectRef>
+      <a:fontRef idx="minor">
+        <a:schemeClr val="lt1"/>
+      </a:fontRef>
+    </dgm:style>
+  </dgm:styleLbl>
+  <dgm:styleLbl name="lnNode1">
+    <dgm:scene3d>
+      <a:camera prst="orthographicFront"/>
+      <a:lightRig rig="threePt" dir="t"/>
+    </dgm:scene3d>
+    <dgm:sp3d/>
+    <dgm:txPr/>
+    <dgm:style>
+      <a:lnRef idx="2">
+        <a:scrgbClr r="0" g="0" b="0"/>
+      </a:lnRef>
+      <a:fillRef idx="1">
+        <a:scrgbClr r="0" g="0" b="0"/>
+      </a:fillRef>
+      <a:effectRef idx="0">
+        <a:scrgbClr r="0" g="0" b="0"/>
+      </a:effectRef>
+      <a:fontRef idx="minor">
+        <a:schemeClr val="lt1"/>
+      </a:fontRef>
+    </dgm:style>
+  </dgm:styleLbl>
+  <dgm:styleLbl name="vennNode1">
+    <dgm:scene3d>
+      <a:camera prst="orthographicFront"/>
+      <a:lightRig rig="threePt" dir="t"/>
+    </dgm:scene3d>
+    <dgm:sp3d/>
+    <dgm:txPr/>
+    <dgm:style>
+      <a:lnRef idx="2">
+        <a:scrgbClr r="0" g="0" b="0"/>
+      </a:lnRef>
+      <a:fillRef idx="1">
+        <a:scrgbClr r="0" g="0" b="0"/>
+      </a:fillRef>
+      <a:effectRef idx="0">
+        <a:scrgbClr r="0" g="0" b="0"/>
+      </a:effectRef>
+      <a:fontRef idx="minor">
+        <a:schemeClr val="tx1"/>
+      </a:fontRef>
+    </dgm:style>
+  </dgm:styleLbl>
+  <dgm:styleLbl name="alignNode1">
+    <dgm:scene3d>
+      <a:camera prst="orthographicFront"/>
+      <a:lightRig rig="threePt" dir="t"/>
+    </dgm:scene3d>
+    <dgm:sp3d/>
+    <dgm:txPr/>
+    <dgm:style>
+      <a:lnRef idx="2">
+        <a:scrgbClr r="0" g="0" b="0"/>
+      </a:lnRef>
+      <a:fillRef idx="1">
+        <a:scrgbClr r="0" g="0" b="0"/>
+      </a:fillRef>
+      <a:effectRef idx="0">
+        <a:scrgbClr r="0" g="0" b="0"/>
+      </a:effectRef>
+      <a:fontRef idx="minor">
+        <a:schemeClr val="lt1"/>
+      </a:fontRef>
+    </dgm:style>
+  </dgm:styleLbl>
+  <dgm:styleLbl name="node1">
+    <dgm:scene3d>
+      <a:camera prst="orthographicFront"/>
+      <a:lightRig rig="threePt" dir="t"/>
+    </dgm:scene3d>
+    <dgm:sp3d/>
+    <dgm:txPr/>
+    <dgm:style>
+      <a:lnRef idx="2">
+        <a:scrgbClr r="0" g="0" b="0"/>
+      </a:lnRef>
+      <a:fillRef idx="1">
+        <a:scrgbClr r="0" g="0" b="0"/>
+      </a:fillRef>
+      <a:effectRef idx="0">
+        <a:scrgbClr r="0" g="0" b="0"/>
+      </a:effectRef>
+      <a:fontRef idx="minor">
+        <a:schemeClr val="lt1"/>
+      </a:fontRef>
+    </dgm:style>
+  </dgm:styleLbl>
+  <dgm:styleLbl name="node2">
+    <dgm:scene3d>
+      <a:camera prst="orthographicFront"/>
+      <a:lightRig rig="threePt" dir="t"/>
+    </dgm:scene3d>
+    <dgm:sp3d/>
+    <dgm:txPr/>
+    <dgm:style>
+      <a:lnRef idx="2">
+        <a:scrgbClr r="0" g="0" b="0"/>
+      </a:lnRef>
+      <a:fillRef idx="1">
+        <a:scrgbClr r="0" g="0" b="0"/>
+      </a:fillRef>
+      <a:effectRef idx="0">
+        <a:scrgbClr r="0" g="0" b="0"/>
+      </a:effectRef>
+      <a:fontRef idx="minor">
+        <a:schemeClr val="lt1"/>
+      </a:fontRef>
+    </dgm:style>
+  </dgm:styleLbl>
+  <dgm:styleLbl name="node3">
+    <dgm:scene3d>
+      <a:camera prst="orthographicFront"/>
+      <a:lightRig rig="threePt" dir="t"/>
+    </dgm:scene3d>
+    <dgm:sp3d/>
+    <dgm:txPr/>
+    <dgm:style>
+      <a:lnRef idx="2">
+        <a:scrgbClr r="0" g="0" b="0"/>
+      </a:lnRef>
+      <a:fillRef idx="1">
+        <a:scrgbClr r="0" g="0" b="0"/>
+      </a:fillRef>
+      <a:effectRef idx="0">
+        <a:scrgbClr r="0" g="0" b="0"/>
+      </a:effectRef>
+      <a:fontRef idx="minor">
+        <a:schemeClr val="lt1"/>
+      </a:fontRef>
+    </dgm:style>
+  </dgm:styleLbl>
+  <dgm:styleLbl name="node4">
+    <dgm:scene3d>
+      <a:camera prst="orthographicFront"/>
+      <a:lightRig rig="threePt" dir="t"/>
+    </dgm:scene3d>
+    <dgm:sp3d/>
+    <dgm:txPr/>
+    <dgm:style>
+      <a:lnRef idx="2">
+        <a:scrgbClr r="0" g="0" b="0"/>
+      </a:lnRef>
+      <a:fillRef idx="1">
+        <a:scrgbClr r="0" g="0" b="0"/>
+      </a:fillRef>
+      <a:effectRef idx="0">
+        <a:scrgbClr r="0" g="0" b="0"/>
+      </a:effectRef>
+      <a:fontRef idx="minor">
+        <a:schemeClr val="lt1"/>
+      </a:fontRef>
+    </dgm:style>
+  </dgm:styleLbl>
+  <dgm:styleLbl name="fgImgPlace1">
+    <dgm:scene3d>
+      <a:camera prst="orthographicFront"/>
+      <a:lightRig rig="threePt" dir="t"/>
+    </dgm:scene3d>
+    <dgm:sp3d/>
+    <dgm:txPr/>
+    <dgm:style>
+      <a:lnRef idx="2">
+        <a:scrgbClr r="0" g="0" b="0"/>
+      </a:lnRef>
+      <a:fillRef idx="1">
+        <a:scrgbClr r="0" g="0" b="0"/>
+      </a:fillRef>
+      <a:effectRef idx="0">
+        <a:scrgbClr r="0" g="0" b="0"/>
+      </a:effectRef>
+      <a:fontRef idx="minor"/>
+    </dgm:style>
+  </dgm:styleLbl>
+  <dgm:styleLbl name="alignImgPlace1">
+    <dgm:scene3d>
+      <a:camera prst="orthographicFront"/>
+      <a:lightRig rig="threePt" dir="t"/>
+    </dgm:scene3d>
+    <dgm:sp3d/>
+    <dgm:txPr/>
+    <dgm:style>
+      <a:lnRef idx="2">
+        <a:scrgbClr r="0" g="0" b="0"/>
+      </a:lnRef>
+      <a:fillRef idx="1">
+        <a:scrgbClr r="0" g="0" b="0"/>
+      </a:fillRef>
+      <a:effectRef idx="0">
+        <a:scrgbClr r="0" g="0" b="0"/>
+      </a:effectRef>
+      <a:fontRef idx="minor"/>
+    </dgm:style>
+  </dgm:styleLbl>
+  <dgm:styleLbl name="bgImgPlace1">
+    <dgm:scene3d>
+      <a:camera prst="orthographicFront"/>
+      <a:lightRig rig="threePt" dir="t"/>
+    </dgm:scene3d>
+    <dgm:sp3d/>
+    <dgm:txPr/>
+    <dgm:style>
+      <a:lnRef idx="2">
+        <a:scrgbClr r="0" g="0" b="0"/>
+      </a:lnRef>
+      <a:fillRef idx="1">
+        <a:scrgbClr r="0" g="0" b="0"/>
+      </a:fillRef>
+      <a:effectRef idx="0">
+        <a:scrgbClr r="0" g="0" b="0"/>
+      </a:effectRef>
+      <a:fontRef idx="minor"/>
+    </dgm:style>
+  </dgm:styleLbl>
+  <dgm:styleLbl name="sibTrans2D1">
+    <dgm:scene3d>
+      <a:camera prst="orthographicFront"/>
+      <a:lightRig rig="threePt" dir="t"/>
+    </dgm:scene3d>
+    <dgm:sp3d/>
+    <dgm:txPr/>
+    <dgm:style>
+      <a:lnRef idx="0">
+        <a:scrgbClr r="0" g="0" b="0"/>
+      </a:lnRef>
+      <a:fillRef idx="1">
+        <a:scrgbClr r="0" g="0" b="0"/>
+      </a:fillRef>
+      <a:effectRef idx="0">
+        <a:scrgbClr r="0" g="0" b="0"/>
+      </a:effectRef>
+      <a:fontRef idx="minor">
+        <a:schemeClr val="lt1"/>
+      </a:fontRef>
+    </dgm:style>
+  </dgm:styleLbl>
+  <dgm:styleLbl name="fgSibTrans2D1">
+    <dgm:scene3d>
+      <a:camera prst="orthographicFront"/>
+      <a:lightRig rig="threePt" dir="t"/>
+    </dgm:scene3d>
+    <dgm:sp3d/>
+    <dgm:txPr/>
+    <dgm:style>
+      <a:lnRef idx="0">
+        <a:scrgbClr r="0" g="0" b="0"/>
+      </a:lnRef>
+      <a:fillRef idx="1">
+        <a:scrgbClr r="0" g="0" b="0"/>
+      </a:fillRef>
+      <a:effectRef idx="0">
+        <a:scrgbClr r="0" g="0" b="0"/>
+      </a:effectRef>
+      <a:fontRef idx="minor">
+        <a:schemeClr val="lt1"/>
+      </a:fontRef>
+    </dgm:style>
+  </dgm:styleLbl>
+  <dgm:styleLbl name="bgSibTrans2D1">
+    <dgm:scene3d>
+      <a:camera prst="orthographicFront"/>
+      <a:lightRig rig="threePt" dir="t"/>
+    </dgm:scene3d>
+    <dgm:sp3d/>
+    <dgm:txPr/>
+    <dgm:style>
+      <a:lnRef idx="0">
+        <a:scrgbClr r="0" g="0" b="0"/>
+      </a:lnRef>
+      <a:fillRef idx="1">
+        <a:scrgbClr r="0" g="0" b="0"/>
+      </a:fillRef>
+      <a:effectRef idx="0">
+        <a:scrgbClr r="0" g="0" b="0"/>
+      </a:effectRef>
+      <a:fontRef idx="minor">
+        <a:schemeClr val="lt1"/>
+      </a:fontRef>
+    </dgm:style>
+  </dgm:styleLbl>
+  <dgm:styleLbl name="sibTrans1D1">
+    <dgm:scene3d>
+      <a:camera prst="orthographicFront"/>
+      <a:lightRig rig="threePt" dir="t"/>
+    </dgm:scene3d>
+    <dgm:sp3d/>
+    <dgm:txPr/>
+    <dgm:style>
+      <a:lnRef idx="1">
+        <a:scrgbClr r="0" g="0" b="0"/>
+      </a:lnRef>
+      <a:fillRef idx="0">
+        <a:scrgbClr r="0" g="0" b="0"/>
+      </a:fillRef>
+      <a:effectRef idx="0">
+        <a:scrgbClr r="0" g="0" b="0"/>
+      </a:effectRef>
+      <a:fontRef idx="minor"/>
+    </dgm:style>
+  </dgm:styleLbl>
+  <dgm:styleLbl name="callout">
+    <dgm:scene3d>
+      <a:camera prst="orthographicFront"/>
+      <a:lightRig rig="threePt" dir="t"/>
+    </dgm:scene3d>
+    <dgm:sp3d/>
+    <dgm:txPr/>
+    <dgm:style>
+      <a:lnRef idx="2">
+        <a:scrgbClr r="0" g="0" b="0"/>
+      </a:lnRef>
+      <a:fillRef idx="1">
+        <a:scrgbClr r="0" g="0" b="0"/>
+      </a:fillRef>
+      <a:effectRef idx="0">
+        <a:scrgbClr r="0" g="0" b="0"/>
+      </a:effectRef>
+      <a:fontRef idx="minor"/>
+    </dgm:style>
+  </dgm:styleLbl>
+  <dgm:styleLbl name="asst0">
+    <dgm:scene3d>
+      <a:camera prst="orthographicFront"/>
+      <a:lightRig rig="threePt" dir="t"/>
+    </dgm:scene3d>
+    <dgm:sp3d/>
+    <dgm:txPr/>
+    <dgm:style>
+      <a:lnRef idx="2">
+        <a:scrgbClr r="0" g="0" b="0"/>
+      </a:lnRef>
+      <a:fillRef idx="1">
+        <a:scrgbClr r="0" g="0" b="0"/>
+      </a:fillRef>
+      <a:effectRef idx="0">
+        <a:scrgbClr r="0" g="0" b="0"/>
+      </a:effectRef>
+      <a:fontRef idx="minor">
+        <a:schemeClr val="lt1"/>
+      </a:fontRef>
+    </dgm:style>
+  </dgm:styleLbl>
+  <dgm:styleLbl name="asst1">
+    <dgm:scene3d>
+      <a:camera prst="orthographicFront"/>
+      <a:lightRig rig="threePt" dir="t"/>
+    </dgm:scene3d>
+    <dgm:sp3d/>
+    <dgm:txPr/>
+    <dgm:style>
+      <a:lnRef idx="2">
+        <a:scrgbClr r="0" g="0" b="0"/>
+      </a:lnRef>
+      <a:fillRef idx="1">
+        <a:scrgbClr r="0" g="0" b="0"/>
+      </a:fillRef>
+      <a:effectRef idx="0">
+        <a:scrgbClr r="0" g="0" b="0"/>
+      </a:effectRef>
+      <a:fontRef idx="minor">
+        <a:schemeClr val="lt1"/>
+      </a:fontRef>
+    </dgm:style>
+  </dgm:styleLbl>
+  <dgm:styleLbl name="asst2">
+    <dgm:scene3d>
+      <a:camera prst="orthographicFront"/>
+      <a:lightRig rig="threePt" dir="t"/>
+    </dgm:scene3d>
+    <dgm:sp3d/>
+    <dgm:txPr/>
+    <dgm:style>
+      <a:lnRef idx="2">
+        <a:scrgbClr r="0" g="0" b="0"/>
+      </a:lnRef>
+      <a:fillRef idx="1">
+        <a:scrgbClr r="0" g="0" b="0"/>
+      </a:fillRef>
+      <a:effectRef idx="0">
+        <a:scrgbClr r="0" g="0" b="0"/>
+      </a:effectRef>
+      <a:fontRef idx="minor">
+        <a:schemeClr val="lt1"/>
+      </a:fontRef>
+    </dgm:style>
+  </dgm:styleLbl>
+  <dgm:styleLbl name="asst3">
+    <dgm:scene3d>
+      <a:camera prst="orthographicFront"/>
+      <a:lightRig rig="threePt" dir="t"/>
+    </dgm:scene3d>
+    <dgm:sp3d/>
+    <dgm:txPr/>
+    <dgm:style>
+      <a:lnRef idx="2">
+        <a:scrgbClr r="0" g="0" b="0"/>
+      </a:lnRef>
+      <a:fillRef idx="1">
+        <a:scrgbClr r="0" g="0" b="0"/>
+      </a:fillRef>
+      <a:effectRef idx="0">
+        <a:scrgbClr r="0" g="0" b="0"/>
+      </a:effectRef>
+      <a:fontRef idx="minor">
+        <a:schemeClr val="lt1"/>
+      </a:fontRef>
+    </dgm:style>
+  </dgm:styleLbl>
+  <dgm:styleLbl name="asst4">
+    <dgm:scene3d>
+      <a:camera prst="orthographicFront"/>
+      <a:lightRig rig="threePt" dir="t"/>
+    </dgm:scene3d>
+    <dgm:sp3d/>
+    <dgm:txPr/>
+    <dgm:style>
+      <a:lnRef idx="2">
+        <a:scrgbClr r="0" g="0" b="0"/>
+      </a:lnRef>
+      <a:fillRef idx="1">
+        <a:scrgbClr r="0" g="0" b="0"/>
+      </a:fillRef>
+      <a:effectRef idx="0">
+        <a:scrgbClr r="0" g="0" b="0"/>
+      </a:effectRef>
+      <a:fontRef idx="minor">
+        <a:schemeClr val="lt1"/>
+      </a:fontRef>
+    </dgm:style>
+  </dgm:styleLbl>
+  <dgm:styleLbl name="parChTrans2D1">
+    <dgm:scene3d>
+      <a:camera prst="orthographicFront"/>
+      <a:lightRig rig="threePt" dir="t"/>
+    </dgm:scene3d>
+    <dgm:sp3d/>
+    <dgm:txPr/>
+    <dgm:style>
+      <a:lnRef idx="2">
+        <a:scrgbClr r="0" g="0" b="0"/>
+      </a:lnRef>
+      <a:fillRef idx="1">
+        <a:scrgbClr r="0" g="0" b="0"/>
+      </a:fillRef>
+      <a:effectRef idx="0">
+        <a:scrgbClr r="0" g="0" b="0"/>
+      </a:effectRef>
+      <a:fontRef idx="minor">
+        <a:schemeClr val="lt1"/>
+      </a:fontRef>
+    </dgm:style>
+  </dgm:styleLbl>
+  <dgm:styleLbl name="parChTrans2D2">
+    <dgm:scene3d>
+      <a:camera prst="orthographicFront"/>
+      <a:lightRig rig="threePt" dir="t"/>
+    </dgm:scene3d>
+    <dgm:sp3d/>
+    <dgm:txPr/>
+    <dgm:style>
+      <a:lnRef idx="2">
+        <a:scrgbClr r="0" g="0" b="0"/>
+      </a:lnRef>
+      <a:fillRef idx="1">
+        <a:scrgbClr r="0" g="0" b="0"/>
+      </a:fillRef>
+      <a:effectRef idx="0">
+        <a:scrgbClr r="0" g="0" b="0"/>
+      </a:effectRef>
+      <a:fontRef idx="minor">
+        <a:schemeClr val="lt1"/>
+      </a:fontRef>
+    </dgm:style>
+  </dgm:styleLbl>
+  <dgm:styleLbl name="parChTrans2D3">
+    <dgm:scene3d>
+      <a:camera prst="orthographicFront"/>
+      <a:lightRig rig="threePt" dir="t"/>
+    </dgm:scene3d>
+    <dgm:sp3d/>
+    <dgm:txPr/>
+    <dgm:style>
+      <a:lnRef idx="2">
+        <a:scrgbClr r="0" g="0" b="0"/>
+      </a:lnRef>
+      <a:fillRef idx="1">
+        <a:scrgbClr r="0" g="0" b="0"/>
+      </a:fillRef>
+      <a:effectRef idx="0">
+        <a:scrgbClr r="0" g="0" b="0"/>
+      </a:effectRef>
+      <a:fontRef idx="minor">
+        <a:schemeClr val="lt1"/>
+      </a:fontRef>
+    </dgm:style>
+  </dgm:styleLbl>
+  <dgm:styleLbl name="parChTrans2D4">
+    <dgm:scene3d>
+      <a:camera prst="orthographicFront"/>
+      <a:lightRig rig="threePt" dir="t"/>
+    </dgm:scene3d>
+    <dgm:sp3d/>
+    <dgm:txPr/>
+    <dgm:style>
+      <a:lnRef idx="2">
+        <a:scrgbClr r="0" g="0" b="0"/>
+      </a:lnRef>
+      <a:fillRef idx="1">
+        <a:scrgbClr r="0" g="0" b="0"/>
+      </a:fillRef>
+      <a:effectRef idx="0">
+        <a:scrgbClr r="0" g="0" b="0"/>
+      </a:effectRef>
+      <a:fontRef idx="minor">
+        <a:schemeClr val="lt1"/>
+      </a:fontRef>
+    </dgm:style>
+  </dgm:styleLbl>
+  <dgm:styleLbl name="parChTrans1D1">
+    <dgm:scene3d>
+      <a:camera prst="orthographicFront"/>
+      <a:lightRig rig="threePt" dir="t"/>
+    </dgm:scene3d>
+    <dgm:sp3d/>
+    <dgm:txPr/>
+    <dgm:style>
+      <a:lnRef idx="2">
+        <a:scrgbClr r="0" g="0" b="0"/>
+      </a:lnRef>
+      <a:fillRef idx="0">
+        <a:scrgbClr r="0" g="0" b="0"/>
+      </a:fillRef>
+      <a:effectRef idx="0">
+        <a:scrgbClr r="0" g="0" b="0"/>
+      </a:effectRef>
+      <a:fontRef idx="minor"/>
+    </dgm:style>
+  </dgm:styleLbl>
+  <dgm:styleLbl name="parChTrans1D2">
+    <dgm:scene3d>
+      <a:camera prst="orthographicFront"/>
+      <a:lightRig rig="threePt" dir="t"/>
+    </dgm:scene3d>
+    <dgm:sp3d/>
+    <dgm:txPr/>
+    <dgm:style>
+      <a:lnRef idx="2">
+        <a:scrgbClr r="0" g="0" b="0"/>
+      </a:lnRef>
+      <a:fillRef idx="0">
+        <a:scrgbClr r="0" g="0" b="0"/>
+      </a:fillRef>
+      <a:effectRef idx="0">
+        <a:scrgbClr r="0" g="0" b="0"/>
+      </a:effectRef>
+      <a:fontRef idx="minor"/>
+    </dgm:style>
+  </dgm:styleLbl>
+  <dgm:styleLbl name="parChTrans1D3">
+    <dgm:scene3d>
+      <a:camera prst="orthographicFront"/>
+      <a:lightRig rig="threePt" dir="t"/>
+    </dgm:scene3d>
+    <dgm:sp3d/>
+    <dgm:txPr/>
+    <dgm:style>
+      <a:lnRef idx="2">
+        <a:scrgbClr r="0" g="0" b="0"/>
+      </a:lnRef>
+      <a:fillRef idx="0">
+        <a:scrgbClr r="0" g="0" b="0"/>
+      </a:fillRef>
+      <a:effectRef idx="0">
+        <a:scrgbClr r="0" g="0" b="0"/>
+      </a:effectRef>
+      <a:fontRef idx="minor"/>
+    </dgm:style>
+  </dgm:styleLbl>
+  <dgm:styleLbl name="parChTrans1D4">
+    <dgm:scene3d>
+      <a:camera prst="orthographicFront"/>
+      <a:lightRig rig="threePt" dir="t"/>
+    </dgm:scene3d>
+    <dgm:sp3d/>
+    <dgm:txPr/>
+    <dgm:style>
+      <a:lnRef idx="2">
+        <a:scrgbClr r="0" g="0" b="0"/>
+      </a:lnRef>
+      <a:fillRef idx="0">
+        <a:scrgbClr r="0" g="0" b="0"/>
+      </a:fillRef>
+      <a:effectRef idx="0">
+        <a:scrgbClr r="0" g="0" b="0"/>
+      </a:effectRef>
+      <a:fontRef idx="minor"/>
+    </dgm:style>
+  </dgm:styleLbl>
+  <dgm:styleLbl name="fgAcc1">
+    <dgm:scene3d>
+      <a:camera prst="orthographicFront"/>
+      <a:lightRig rig="threePt" dir="t"/>
+    </dgm:scene3d>
+    <dgm:sp3d/>
+    <dgm:txPr/>
+    <dgm:style>
+      <a:lnRef idx="2">
+        <a:scrgbClr r="0" g="0" b="0"/>
+      </a:lnRef>
+      <a:fillRef idx="1">
+        <a:scrgbClr r="0" g="0" b="0"/>
+      </a:fillRef>
+      <a:effectRef idx="0">
+        <a:scrgbClr r="0" g="0" b="0"/>
+      </a:effectRef>
+      <a:fontRef idx="minor"/>
+    </dgm:style>
+  </dgm:styleLbl>
+  <dgm:styleLbl name="conFgAcc1">
+    <dgm:scene3d>
+      <a:camera prst="orthographicFront"/>
+      <a:lightRig rig="threePt" dir="t"/>
+    </dgm:scene3d>
+    <dgm:sp3d/>
+    <dgm:txPr/>
+    <dgm:style>
+      <a:lnRef idx="2">
+        <a:scrgbClr r="0" g="0" b="0"/>
+      </a:lnRef>
+      <a:fillRef idx="1">
+        <a:scrgbClr r="0" g="0" b="0"/>
+      </a:fillRef>
+      <a:effectRef idx="0">
+        <a:scrgbClr r="0" g="0" b="0"/>
+      </a:effectRef>
+      <a:fontRef idx="minor"/>
+    </dgm:style>
+  </dgm:styleLbl>
+  <dgm:styleLbl name="alignAcc1">
+    <dgm:scene3d>
+      <a:camera prst="orthographicFront"/>
+      <a:lightRig rig="threePt" dir="t"/>
+    </dgm:scene3d>
+    <dgm:sp3d/>
+    <dgm:txPr/>
+    <dgm:style>
+      <a:lnRef idx="2">
+        <a:scrgbClr r="0" g="0" b="0"/>
+      </a:lnRef>
+      <a:fillRef idx="1">
+        <a:scrgbClr r="0" g="0" b="0"/>
+      </a:fillRef>
+      <a:effectRef idx="0">
+        <a:scrgbClr r="0" g="0" b="0"/>
+      </a:effectRef>
+      <a:fontRef idx="minor"/>
+    </dgm:style>
+  </dgm:styleLbl>
+  <dgm:styleLbl name="trAlignAcc1">
+    <dgm:scene3d>
+      <a:camera prst="orthographicFront"/>
+      <a:lightRig rig="threePt" dir="t"/>
+    </dgm:scene3d>
+    <dgm:sp3d/>
+    <dgm:txPr/>
+    <dgm:style>
+      <a:lnRef idx="1">
+        <a:scrgbClr r="0" g="0" b="0"/>
+      </a:lnRef>
+      <a:fillRef idx="1">
+        <a:scrgbClr r="0" g="0" b="0"/>
+      </a:fillRef>
+      <a:effectRef idx="0">
+        <a:scrgbClr r="0" g="0" b="0"/>
+      </a:effectRef>
+      <a:fontRef idx="minor"/>
+    </dgm:style>
+  </dgm:styleLbl>
+  <dgm:styleLbl name="bgAcc1">
+    <dgm:scene3d>
+      <a:camera prst="orthographicFront"/>
+      <a:lightRig rig="threePt" dir="t"/>
+    </dgm:scene3d>
+    <dgm:sp3d/>
+    <dgm:txPr/>
+    <dgm:style>
+      <a:lnRef idx="2">
+        <a:scrgbClr r="0" g="0" b="0"/>
+      </a:lnRef>
+      <a:fillRef idx="1">
+        <a:scrgbClr r="0" g="0" b="0"/>
+      </a:fillRef>
+      <a:effectRef idx="0">
+        <a:scrgbClr r="0" g="0" b="0"/>
+      </a:effectRef>
+      <a:fontRef idx="minor"/>
+    </dgm:style>
+  </dgm:styleLbl>
+  <dgm:styleLbl name="solidFgAcc1">
+    <dgm:scene3d>
+      <a:camera prst="orthographicFront"/>
+      <a:lightRig rig="threePt" dir="t"/>
+    </dgm:scene3d>
+    <dgm:sp3d/>
+    <dgm:txPr/>
+    <dgm:style>
+      <a:lnRef idx="2">
+        <a:scrgbClr r="0" g="0" b="0"/>
+      </a:lnRef>
+      <a:fillRef idx="1">
+        <a:scrgbClr r="0" g="0" b="0"/>
+      </a:fillRef>
+      <a:effectRef idx="0">
+        <a:scrgbClr r="0" g="0" b="0"/>
+      </a:effectRef>
+      <a:fontRef idx="minor"/>
+    </dgm:style>
+  </dgm:styleLbl>
+  <dgm:styleLbl name="solidAlignAcc1">
+    <dgm:scene3d>
+      <a:camera prst="orthographicFront"/>
+      <a:lightRig rig="threePt" dir="t"/>
+    </dgm:scene3d>
+    <dgm:sp3d/>
+    <dgm:txPr/>
+    <dgm:style>
+      <a:lnRef idx="2">
+        <a:scrgbClr r="0" g="0" b="0"/>
+      </a:lnRef>
+      <a:fillRef idx="1">
+        <a:scrgbClr r="0" g="0" b="0"/>
+      </a:fillRef>
+      <a:effectRef idx="0">
+        <a:scrgbClr r="0" g="0" b="0"/>
+      </a:effectRef>
+      <a:fontRef idx="minor"/>
+    </dgm:style>
+  </dgm:styleLbl>
+  <dgm:styleLbl name="solidBgAcc1">
+    <dgm:scene3d>
+      <a:camera prst="orthographicFront"/>
+      <a:lightRig rig="threePt" dir="t"/>
+    </dgm:scene3d>
+    <dgm:sp3d/>
+    <dgm:txPr/>
+    <dgm:style>
+      <a:lnRef idx="2">
+        <a:scrgbClr r="0" g="0" b="0"/>
+      </a:lnRef>
+      <a:fillRef idx="1">
+        <a:scrgbClr r="0" g="0" b="0"/>
+      </a:fillRef>
+      <a:effectRef idx="0">
+        <a:scrgbClr r="0" g="0" b="0"/>
+      </a:effectRef>
+      <a:fontRef idx="minor"/>
+    </dgm:style>
+  </dgm:styleLbl>
+  <dgm:styleLbl name="fgAccFollowNode1">
+    <dgm:scene3d>
+      <a:camera prst="orthographicFront"/>
+      <a:lightRig rig="threePt" dir="t"/>
+    </dgm:scene3d>
+    <dgm:sp3d/>
+    <dgm:txPr/>
+    <dgm:style>
+      <a:lnRef idx="2">
+        <a:scrgbClr r="0" g="0" b="0"/>
+      </a:lnRef>
+      <a:fillRef idx="1">
+        <a:scrgbClr r="0" g="0" b="0"/>
+      </a:fillRef>
+      <a:effectRef idx="0">
+        <a:scrgbClr r="0" g="0" b="0"/>
+      </a:effectRef>
+      <a:fontRef idx="minor"/>
+    </dgm:style>
+  </dgm:styleLbl>
+  <dgm:styleLbl name="alignAccFollowNode1">
+    <dgm:scene3d>
+      <a:camera prst="orthographicFront"/>
+      <a:lightRig rig="threePt" dir="t"/>
+    </dgm:scene3d>
+    <dgm:sp3d/>
+    <dgm:txPr/>
+    <dgm:style>
+      <a:lnRef idx="2">
+        <a:scrgbClr r="0" g="0" b="0"/>
+      </a:lnRef>
+      <a:fillRef idx="1">
+        <a:scrgbClr r="0" g="0" b="0"/>
+      </a:fillRef>
+      <a:effectRef idx="0">
+        <a:scrgbClr r="0" g="0" b="0"/>
+      </a:effectRef>
+      <a:fontRef idx="minor"/>
+    </dgm:style>
+  </dgm:styleLbl>
+  <dgm:styleLbl name="bgAccFollowNode1">
+    <dgm:scene3d>
+      <a:camera prst="orthographicFront"/>
+      <a:lightRig rig="threePt" dir="t"/>
+    </dgm:scene3d>
+    <dgm:sp3d/>
+    <dgm:txPr/>
+    <dgm:style>
+      <a:lnRef idx="2">
+        <a:scrgbClr r="0" g="0" b="0"/>
+      </a:lnRef>
+      <a:fillRef idx="1">
+        <a:scrgbClr r="0" g="0" b="0"/>
+      </a:fillRef>
+      <a:effectRef idx="0">
+        <a:scrgbClr r="0" g="0" b="0"/>
+      </a:effectRef>
+      <a:fontRef idx="minor"/>
+    </dgm:style>
+  </dgm:styleLbl>
+  <dgm:styleLbl name="fgAcc0">
+    <dgm:scene3d>
+      <a:camera prst="orthographicFront"/>
+      <a:lightRig rig="threePt" dir="t"/>
+    </dgm:scene3d>
+    <dgm:sp3d/>
+    <dgm:txPr/>
+    <dgm:style>
+      <a:lnRef idx="2">
+        <a:scrgbClr r="0" g="0" b="0"/>
+      </a:lnRef>
+      <a:fillRef idx="1">
+        <a:scrgbClr r="0" g="0" b="0"/>
+      </a:fillRef>
+      <a:effectRef idx="0">
+        <a:scrgbClr r="0" g="0" b="0"/>
+      </a:effectRef>
+      <a:fontRef idx="minor"/>
+    </dgm:style>
+  </dgm:styleLbl>
+  <dgm:styleLbl name="fgAcc2">
+    <dgm:scene3d>
+      <a:camera prst="orthographicFront"/>
+      <a:lightRig rig="threePt" dir="t"/>
+    </dgm:scene3d>
+    <dgm:sp3d/>
+    <dgm:txPr/>
+    <dgm:style>
+      <a:lnRef idx="2">
+        <a:scrgbClr r="0" g="0" b="0"/>
+      </a:lnRef>
+      <a:fillRef idx="1">
+        <a:scrgbClr r="0" g="0" b="0"/>
+      </a:fillRef>
+      <a:effectRef idx="0">
+        <a:scrgbClr r="0" g="0" b="0"/>
+      </a:effectRef>
+      <a:fontRef idx="minor"/>
+    </dgm:style>
+  </dgm:styleLbl>
+  <dgm:styleLbl name="fgAcc3">
+    <dgm:scene3d>
+      <a:camera prst="orthographicFront"/>
+      <a:lightRig rig="threePt" dir="t"/>
+    </dgm:scene3d>
+    <dgm:sp3d/>
+    <dgm:txPr/>
+    <dgm:style>
+      <a:lnRef idx="2">
+        <a:scrgbClr r="0" g="0" b="0"/>
+      </a:lnRef>
+      <a:fillRef idx="1">
+        <a:scrgbClr r="0" g="0" b="0"/>
+      </a:fillRef>
+      <a:effectRef idx="0">
+        <a:scrgbClr r="0" g="0" b="0"/>
+      </a:effectRef>
+      <a:fontRef idx="minor"/>
+    </dgm:style>
+  </dgm:styleLbl>
+  <dgm:styleLbl name="fgAcc4">
+    <dgm:scene3d>
+      <a:camera prst="orthographicFront"/>
+      <a:lightRig rig="threePt" dir="t"/>
+    </dgm:scene3d>
+    <dgm:sp3d/>
+    <dgm:txPr/>
+    <dgm:style>
+      <a:lnRef idx="2">
+        <a:scrgbClr r="0" g="0" b="0"/>
+      </a:lnRef>
+      <a:fillRef idx="1">
+        <a:scrgbClr r="0" g="0" b="0"/>
+      </a:fillRef>
+      <a:effectRef idx="0">
+        <a:scrgbClr r="0" g="0" b="0"/>
+      </a:effectRef>
+      <a:fontRef idx="minor"/>
+    </dgm:style>
+  </dgm:styleLbl>
+  <dgm:styleLbl name="bgShp">
+    <dgm:scene3d>
+      <a:camera prst="orthographicFront"/>
+      <a:lightRig rig="threePt" dir="t"/>
+    </dgm:scene3d>
+    <dgm:sp3d/>
+    <dgm:txPr/>
+    <dgm:style>
+      <a:lnRef idx="0">
+        <a:scrgbClr r="0" g="0" b="0"/>
+      </a:lnRef>
+      <a:fillRef idx="1">
+        <a:scrgbClr r="0" g="0" b="0"/>
+      </a:fillRef>
+      <a:effectRef idx="0">
+        <a:scrgbClr r="0" g="0" b="0"/>
+      </a:effectRef>
+      <a:fontRef idx="minor"/>
+    </dgm:style>
+  </dgm:styleLbl>
+  <dgm:styleLbl name="dkBgShp">
+    <dgm:scene3d>
+      <a:camera prst="orthographicFront"/>
+      <a:lightRig rig="threePt" dir="t"/>
+    </dgm:scene3d>
+    <dgm:sp3d/>
+    <dgm:txPr/>
+    <dgm:style>
+      <a:lnRef idx="0">
+        <a:scrgbClr r="0" g="0" b="0"/>
+      </a:lnRef>
+      <a:fillRef idx="1">
+        <a:scrgbClr r="0" g="0" b="0"/>
+      </a:fillRef>
+      <a:effectRef idx="0">
+        <a:scrgbClr r="0" g="0" b="0"/>
+      </a:effectRef>
+      <a:fontRef idx="minor"/>
+    </dgm:style>
+  </dgm:styleLbl>
+  <dgm:styleLbl name="trBgShp">
+    <dgm:scene3d>
+      <a:camera prst="orthographicFront"/>
+      <a:lightRig rig="threePt" dir="t"/>
+    </dgm:scene3d>
+    <dgm:sp3d/>
+    <dgm:txPr/>
+    <dgm:style>
+      <a:lnRef idx="0">
+        <a:scrgbClr r="0" g="0" b="0"/>
+      </a:lnRef>
+      <a:fillRef idx="1">
+        <a:scrgbClr r="0" g="0" b="0"/>
+      </a:fillRef>
+      <a:effectRef idx="0">
+        <a:scrgbClr r="0" g="0" b="0"/>
+      </a:effectRef>
+      <a:fontRef idx="minor"/>
+    </dgm:style>
+  </dgm:styleLbl>
+  <dgm:styleLbl name="fgShp">
+    <dgm:scene3d>
+      <a:camera prst="orthographicFront"/>
+      <a:lightRig rig="threePt" dir="t"/>
+    </dgm:scene3d>
+    <dgm:sp3d/>
+    <dgm:txPr/>
+    <dgm:style>
+      <a:lnRef idx="2">
+        <a:scrgbClr r="0" g="0" b="0"/>
+      </a:lnRef>
+      <a:fillRef idx="1">
+        <a:scrgbClr r="0" g="0" b="0"/>
+      </a:fillRef>
+      <a:effectRef idx="0">
+        <a:scrgbClr r="0" g="0" b="0"/>
+      </a:effectRef>
+      <a:fontRef idx="minor"/>
+    </dgm:style>
+  </dgm:styleLbl>
+  <dgm:styleLbl name="revTx">
+    <dgm:scene3d>
+      <a:camera prst="orthographicFront"/>
+      <a:lightRig rig="threePt" dir="t"/>
+    </dgm:scene3d>
+    <dgm:sp3d/>
+    <dgm:txPr/>
+    <dgm:style>
+      <a:lnRef idx="0">
+        <a:scrgbClr r="0" g="0" b="0"/>
+      </a:lnRef>
+      <a:fillRef idx="0">
+        <a:scrgbClr r="0" g="0" b="0"/>
+      </a:fillRef>
+      <a:effectRef idx="0">
+        <a:scrgbClr r="0" g="0" b="0"/>
+      </a:effectRef>
+      <a:fontRef idx="minor"/>
+    </dgm:style>
+  </dgm:styleLbl>
+</dgm:styleDef>
+</file>
+
+<file path=ppt/diagrams/quickStyle5.xml><?xml version="1.0" encoding="utf-8"?>
 <dgm:styleDef xmlns:dgm="http://schemas.openxmlformats.org/drawingml/2006/diagram" xmlns:a="http://schemas.openxmlformats.org/drawingml/2006/main" uniqueId="urn:microsoft.com/office/officeart/2005/8/quickstyle/simple1">
   <dgm:title val=""/>
   <dgm:desc val=""/>
@@ -12788,7 +15539,7 @@
           <a:p>
             <a:fld id="{61D5D38F-32A8-4613-8F5D-2701254C8ED4}" type="datetimeFigureOut">
               <a:rPr lang="hu-HU" smtClean="0"/>
-              <a:t>2024. 05. 28.</a:t>
+              <a:t>2024. 05. 29.</a:t>
             </a:fld>
             <a:endParaRPr lang="hu-HU"/>
           </a:p>
@@ -12967,7 +15718,7 @@
           <a:p>
             <a:fld id="{61D5D38F-32A8-4613-8F5D-2701254C8ED4}" type="datetimeFigureOut">
               <a:rPr lang="hu-HU" smtClean="0"/>
-              <a:t>2024. 05. 28.</a:t>
+              <a:t>2024. 05. 29.</a:t>
             </a:fld>
             <a:endParaRPr lang="hu-HU"/>
           </a:p>
@@ -13147,7 +15898,7 @@
           <a:p>
             <a:fld id="{61D5D38F-32A8-4613-8F5D-2701254C8ED4}" type="datetimeFigureOut">
               <a:rPr lang="hu-HU" smtClean="0"/>
-              <a:t>2024. 05. 28.</a:t>
+              <a:t>2024. 05. 29.</a:t>
             </a:fld>
             <a:endParaRPr lang="hu-HU"/>
           </a:p>
@@ -13317,7 +16068,7 @@
           <a:p>
             <a:fld id="{61D5D38F-32A8-4613-8F5D-2701254C8ED4}" type="datetimeFigureOut">
               <a:rPr lang="hu-HU" smtClean="0"/>
-              <a:t>2024. 05. 28.</a:t>
+              <a:t>2024. 05. 29.</a:t>
             </a:fld>
             <a:endParaRPr lang="hu-HU"/>
           </a:p>
@@ -13630,7 +16381,7 @@
           <a:p>
             <a:fld id="{61D5D38F-32A8-4613-8F5D-2701254C8ED4}" type="datetimeFigureOut">
               <a:rPr lang="hu-HU" smtClean="0"/>
-              <a:t>2024. 05. 28.</a:t>
+              <a:t>2024. 05. 29.</a:t>
             </a:fld>
             <a:endParaRPr lang="hu-HU"/>
           </a:p>
@@ -14016,7 +16767,7 @@
           <a:p>
             <a:fld id="{61D5D38F-32A8-4613-8F5D-2701254C8ED4}" type="datetimeFigureOut">
               <a:rPr lang="hu-HU" smtClean="0"/>
-              <a:t>2024. 05. 28.</a:t>
+              <a:t>2024. 05. 29.</a:t>
             </a:fld>
             <a:endParaRPr lang="hu-HU"/>
           </a:p>
@@ -14450,7 +17201,7 @@
           <a:p>
             <a:fld id="{61D5D38F-32A8-4613-8F5D-2701254C8ED4}" type="datetimeFigureOut">
               <a:rPr lang="hu-HU" smtClean="0"/>
-              <a:t>2024. 05. 28.</a:t>
+              <a:t>2024. 05. 29.</a:t>
             </a:fld>
             <a:endParaRPr lang="hu-HU"/>
           </a:p>
@@ -14568,7 +17319,7 @@
           <a:p>
             <a:fld id="{61D5D38F-32A8-4613-8F5D-2701254C8ED4}" type="datetimeFigureOut">
               <a:rPr lang="hu-HU" smtClean="0"/>
-              <a:t>2024. 05. 28.</a:t>
+              <a:t>2024. 05. 29.</a:t>
             </a:fld>
             <a:endParaRPr lang="hu-HU"/>
           </a:p>
@@ -14663,7 +17414,7 @@
           <a:p>
             <a:fld id="{61D5D38F-32A8-4613-8F5D-2701254C8ED4}" type="datetimeFigureOut">
               <a:rPr lang="hu-HU" smtClean="0"/>
-              <a:t>2024. 05. 28.</a:t>
+              <a:t>2024. 05. 29.</a:t>
             </a:fld>
             <a:endParaRPr lang="hu-HU"/>
           </a:p>
@@ -15013,7 +17764,7 @@
           <a:p>
             <a:fld id="{61D5D38F-32A8-4613-8F5D-2701254C8ED4}" type="datetimeFigureOut">
               <a:rPr lang="hu-HU" smtClean="0"/>
-              <a:t>2024. 05. 28.</a:t>
+              <a:t>2024. 05. 29.</a:t>
             </a:fld>
             <a:endParaRPr lang="hu-HU"/>
           </a:p>
@@ -15438,7 +18189,7 @@
           <a:p>
             <a:fld id="{61D5D38F-32A8-4613-8F5D-2701254C8ED4}" type="datetimeFigureOut">
               <a:rPr lang="hu-HU" smtClean="0"/>
-              <a:t>2024. 05. 28.</a:t>
+              <a:t>2024. 05. 29.</a:t>
             </a:fld>
             <a:endParaRPr lang="hu-HU"/>
           </a:p>
@@ -15719,7 +18470,7 @@
           <a:p>
             <a:fld id="{61D5D38F-32A8-4613-8F5D-2701254C8ED4}" type="datetimeFigureOut">
               <a:rPr lang="hu-HU" smtClean="0"/>
-              <a:t>2024. 05. 28.</a:t>
+              <a:t>2024. 05. 29.</a:t>
             </a:fld>
             <a:endParaRPr lang="hu-HU"/>
           </a:p>
@@ -16563,6 +19314,18 @@
               <a:rPr lang="en-US" dirty="0"/>
               <a:t> ember</a:t>
             </a:r>
+            <a:endParaRPr lang="hu-HU" dirty="0"/>
+          </a:p>
+          <a:p>
+            <a:r>
+              <a:rPr lang="hu-HU" dirty="0"/>
+              <a:t>Baleset ID, jármű ID és személy ID szerinti </a:t>
+            </a:r>
+            <a:r>
+              <a:rPr lang="hu-HU" dirty="0" err="1"/>
+              <a:t>mergelés</a:t>
+            </a:r>
+            <a:endParaRPr lang="en-US" dirty="0"/>
           </a:p>
           <a:p>
             <a:r>
@@ -17283,22 +20046,21 @@
           </a:lstStyle>
           <a:p>
             <a:r>
-              <a:rPr lang="hu-HU"/>
+              <a:rPr lang="hu-HU" dirty="0"/>
               <a:t>Várható súlyosság megadott evidenciák nélkül</a:t>
             </a:r>
           </a:p>
           <a:p>
             <a:r>
-              <a:rPr lang="hu-HU"/>
+              <a:rPr lang="hu-HU" dirty="0"/>
               <a:t>Teljes adathalmazt jellemzi</a:t>
             </a:r>
           </a:p>
           <a:p>
             <a:r>
-              <a:rPr lang="hu-HU"/>
+              <a:rPr lang="hu-HU" dirty="0"/>
               <a:t>Későbbi eredmények ehhez hasonlíthatóak</a:t>
             </a:r>
-            <a:endParaRPr lang="hu-HU" dirty="0"/>
           </a:p>
         </p:txBody>
       </p:sp>
@@ -18031,43 +20793,28 @@
           <a:lstStyle/>
           <a:p>
             <a:r>
-              <a:rPr lang="en-US"/>
-              <a:t>Jogi háttér</a:t>
-            </a:r>
-          </a:p>
-          <a:p>
-            <a:pPr lvl="1"/>
-            <a:r>
-              <a:rPr lang="en-US"/>
-              <a:t>Publikus adat</a:t>
+              <a:rPr lang="en-US" dirty="0"/>
+              <a:t>Jogi </a:t>
+            </a:r>
+            <a:r>
+              <a:rPr lang="en-US" dirty="0" err="1"/>
+              <a:t>háttér</a:t>
             </a:r>
             <a:endParaRPr lang="en-US" dirty="0"/>
           </a:p>
           <a:p>
             <a:pPr lvl="1"/>
             <a:r>
-              <a:rPr lang="en-US" dirty="0"/>
-              <a:t>Nem </a:t>
-            </a:r>
-            <a:r>
-              <a:rPr lang="en-US"/>
-              <a:t>tartalmaz</a:t>
+              <a:rPr lang="en-US" dirty="0" err="1"/>
+              <a:t>Publikus</a:t>
             </a:r>
             <a:r>
               <a:rPr lang="en-US" dirty="0"/>
               <a:t> </a:t>
             </a:r>
             <a:r>
-              <a:rPr lang="en-US"/>
-              <a:t>kényes</a:t>
-            </a:r>
-            <a:r>
-              <a:rPr lang="en-US" dirty="0"/>
-              <a:t> </a:t>
-            </a:r>
-            <a:r>
-              <a:rPr lang="en-US"/>
-              <a:t>információt</a:t>
+              <a:rPr lang="en-US" dirty="0" err="1"/>
+              <a:t>adat</a:t>
             </a:r>
             <a:endParaRPr lang="en-US" dirty="0"/>
           </a:p>
@@ -18078,77 +20825,126 @@
               <a:t>Nem </a:t>
             </a:r>
             <a:r>
-              <a:rPr lang="en-US"/>
-              <a:t>azonosítható</a:t>
+              <a:rPr lang="en-US" dirty="0" err="1"/>
+              <a:t>tartalmaz</a:t>
             </a:r>
             <a:r>
               <a:rPr lang="en-US" dirty="0"/>
               <a:t> </a:t>
             </a:r>
             <a:r>
-              <a:rPr lang="en-US"/>
-              <a:t>belőle</a:t>
-            </a:r>
-            <a:r>
-              <a:rPr lang="en-US" dirty="0"/>
-              <a:t> a </a:t>
-            </a:r>
-            <a:r>
-              <a:rPr lang="en-US"/>
-              <a:t>felhasználó</a:t>
-            </a:r>
-            <a:endParaRPr lang="en-US" dirty="0"/>
-          </a:p>
-          <a:p>
-            <a:r>
-              <a:rPr lang="en-US"/>
-              <a:t>Etikus felhasználásra alkalmas</a:t>
-            </a:r>
-          </a:p>
-          <a:p>
-            <a:pPr lvl="1"/>
-            <a:r>
-              <a:rPr lang="en-US"/>
-              <a:t>Az eredeti</a:t>
+              <a:rPr lang="en-US" dirty="0" err="1"/>
+              <a:t>kényes</a:t>
             </a:r>
             <a:r>
               <a:rPr lang="en-US" dirty="0"/>
               <a:t> </a:t>
             </a:r>
             <a:r>
-              <a:rPr lang="en-US"/>
-              <a:t>adatok</a:t>
-            </a:r>
-            <a:r>
-              <a:rPr lang="en-US" dirty="0"/>
-              <a:t> </a:t>
-            </a:r>
-            <a:r>
-              <a:rPr lang="en-US"/>
-              <a:t>statisztikai</a:t>
-            </a:r>
-            <a:r>
-              <a:rPr lang="en-US" dirty="0"/>
-              <a:t> </a:t>
-            </a:r>
-            <a:r>
-              <a:rPr lang="en-US"/>
-              <a:t>tulajdonságait</a:t>
-            </a:r>
-            <a:r>
-              <a:rPr lang="en-US" dirty="0"/>
-              <a:t> </a:t>
-            </a:r>
-            <a:r>
-              <a:rPr lang="en-US"/>
-              <a:t>ötvözi</a:t>
+              <a:rPr lang="en-US" dirty="0" err="1"/>
+              <a:t>információt</a:t>
             </a:r>
             <a:endParaRPr lang="en-US" dirty="0"/>
           </a:p>
           <a:p>
             <a:pPr lvl="1"/>
             <a:r>
-              <a:rPr lang="en-US"/>
+              <a:rPr lang="en-US" dirty="0"/>
+              <a:t>Nem </a:t>
+            </a:r>
+            <a:r>
+              <a:rPr lang="en-US" dirty="0" err="1"/>
+              <a:t>azonosítható</a:t>
+            </a:r>
+            <a:r>
+              <a:rPr lang="en-US" dirty="0"/>
+              <a:t> </a:t>
+            </a:r>
+            <a:r>
+              <a:rPr lang="en-US" dirty="0" err="1"/>
+              <a:t>belőle</a:t>
+            </a:r>
+            <a:r>
+              <a:rPr lang="en-US" dirty="0"/>
+              <a:t> a </a:t>
+            </a:r>
+            <a:r>
+              <a:rPr lang="en-US" dirty="0" err="1"/>
+              <a:t>felhasználó</a:t>
+            </a:r>
+            <a:endParaRPr lang="en-US" dirty="0"/>
+          </a:p>
+          <a:p>
+            <a:r>
+              <a:rPr lang="en-US" dirty="0" err="1"/>
+              <a:t>Etikus</a:t>
+            </a:r>
+            <a:r>
+              <a:rPr lang="en-US" dirty="0"/>
+              <a:t> </a:t>
+            </a:r>
+            <a:r>
+              <a:rPr lang="en-US" dirty="0" err="1"/>
+              <a:t>felhasználásra</a:t>
+            </a:r>
+            <a:r>
+              <a:rPr lang="en-US" dirty="0"/>
+              <a:t> </a:t>
+            </a:r>
+            <a:r>
+              <a:rPr lang="en-US" dirty="0" err="1"/>
+              <a:t>alkalmas</a:t>
+            </a:r>
+            <a:endParaRPr lang="en-US" dirty="0"/>
+          </a:p>
+          <a:p>
+            <a:pPr lvl="1"/>
+            <a:r>
+              <a:rPr lang="en-US" dirty="0"/>
+              <a:t>Az </a:t>
+            </a:r>
+            <a:r>
+              <a:rPr lang="en-US" dirty="0" err="1"/>
+              <a:t>eredeti</a:t>
+            </a:r>
+            <a:r>
+              <a:rPr lang="en-US" dirty="0"/>
+              <a:t> </a:t>
+            </a:r>
+            <a:r>
+              <a:rPr lang="en-US" dirty="0" err="1"/>
+              <a:t>adatok</a:t>
+            </a:r>
+            <a:r>
+              <a:rPr lang="en-US" dirty="0"/>
+              <a:t> </a:t>
+            </a:r>
+            <a:r>
+              <a:rPr lang="en-US" dirty="0" err="1"/>
+              <a:t>statisztikai</a:t>
+            </a:r>
+            <a:r>
+              <a:rPr lang="en-US" dirty="0"/>
+              <a:t> </a:t>
+            </a:r>
+            <a:r>
+              <a:rPr lang="en-US" dirty="0" err="1"/>
+              <a:t>tulajdonságait</a:t>
+            </a:r>
+            <a:r>
+              <a:rPr lang="en-US" dirty="0"/>
+              <a:t> </a:t>
+            </a:r>
+            <a:r>
+              <a:rPr lang="en-US" dirty="0" err="1"/>
+              <a:t>ötvözi</a:t>
+            </a:r>
+            <a:endParaRPr lang="en-US" dirty="0"/>
+          </a:p>
+          <a:p>
+            <a:pPr lvl="1"/>
+            <a:r>
+              <a:rPr lang="en-US" dirty="0" err="1"/>
               <a:t>Használt</a:t>
             </a:r>
             <a:r>
@@ -18156,7 +20952,7 @@
               <a:t> bayes </a:t>
             </a:r>
             <a:r>
-              <a:rPr lang="en-US"/>
+              <a:rPr lang="en-US" dirty="0" err="1"/>
               <a:t>háló</a:t>
             </a:r>
             <a:r>
@@ -18164,7 +20960,7 @@
               <a:t> </a:t>
             </a:r>
             <a:r>
-              <a:rPr lang="en-US"/>
+              <a:rPr lang="en-US" dirty="0" err="1"/>
               <a:t>miatt</a:t>
             </a:r>
             <a:r>
@@ -18172,8 +20968,15 @@
               <a:t> </a:t>
             </a:r>
             <a:r>
-              <a:rPr lang="en-US"/>
+              <a:rPr lang="en-US" dirty="0" err="1"/>
               <a:t>önmagyarázó</a:t>
+            </a:r>
+            <a:endParaRPr lang="hu-HU" dirty="0"/>
+          </a:p>
+          <a:p>
+            <a:r>
+              <a:rPr lang="hu-HU" dirty="0"/>
+              <a:t>Esetlegesen kiegészíthető az összes utazásról (nincs baleset) szóló statisztikákkal</a:t>
             </a:r>
             <a:endParaRPr lang="en-US" dirty="0"/>
           </a:p>
@@ -19177,6 +21980,34 @@
           </a:p>
         </p:txBody>
       </p:sp>
+      <p:graphicFrame>
+        <p:nvGraphicFramePr>
+          <p:cNvPr id="4" name="Diagram 3">
+            <a:extLst>
+              <a:ext uri="{FF2B5EF4-FFF2-40B4-BE49-F238E27FC236}">
+                <a16:creationId xmlns:a16="http://schemas.microsoft.com/office/drawing/2014/main" id="{21BA8E29-651D-C7A2-4802-9EA4CC658233}"/>
+              </a:ext>
+            </a:extLst>
+          </p:cNvPr>
+          <p:cNvGraphicFramePr/>
+          <p:nvPr>
+            <p:extLst>
+              <p:ext uri="{D42A27DB-BD31-4B8C-83A1-F6EECF244321}">
+                <p14:modId xmlns:p14="http://schemas.microsoft.com/office/powerpoint/2010/main" val="1076309173"/>
+              </p:ext>
+            </p:extLst>
+          </p:nvPr>
+        </p:nvGraphicFramePr>
+        <p:xfrm>
+          <a:off x="5722069" y="1649690"/>
+          <a:ext cx="5569146" cy="3808430"/>
+        </p:xfrm>
+        <a:graphic>
+          <a:graphicData uri="http://schemas.openxmlformats.org/drawingml/2006/diagram">
+            <dgm:relIds xmlns:dgm="http://schemas.openxmlformats.org/drawingml/2006/diagram" xmlns:r="http://schemas.openxmlformats.org/officeDocument/2006/relationships" r:dm="rId2" r:lo="rId3" r:qs="rId4" r:cs="rId5"/>
+          </a:graphicData>
+        </a:graphic>
+      </p:graphicFrame>
     </p:spTree>
     <p:extLst>
       <p:ext uri="{BB962C8B-B14F-4D97-AF65-F5344CB8AC3E}">
@@ -19262,8 +22093,8 @@
         </p:nvSpPr>
         <p:spPr>
           <a:xfrm>
-            <a:off x="838200" y="1825625"/>
-            <a:ext cx="5159477" cy="4351338"/>
+            <a:off x="1069848" y="2163061"/>
+            <a:ext cx="5159477" cy="3980518"/>
           </a:xfrm>
         </p:spPr>
         <p:txBody>
@@ -19347,7 +22178,7 @@
         </p:blipFill>
         <p:spPr>
           <a:xfrm>
-            <a:off x="6096000" y="1690688"/>
+            <a:off x="6096000" y="2163061"/>
             <a:ext cx="5878046" cy="2967837"/>
           </a:xfrm>
           <a:prstGeom prst="rect">

--- a/Balesetek Franciországban.pptx
+++ b/Balesetek Franciországban.pptx
@@ -4843,10 +4843,20 @@
         <a:lstStyle/>
         <a:p>
           <a:r>
-            <a:rPr lang="hu-HU"/>
-            <a:t>Adatok a baleset helyszínéről (places.csv)</a:t>
+            <a:rPr lang="hu-HU" dirty="0"/>
+            <a:t>Adatok a baleset helyszínér</a:t>
           </a:r>
-          <a:endParaRPr lang="en-US"/>
+          <a:r>
+            <a:rPr lang="hu-HU" dirty="0">
+              <a:latin typeface="Abadi" panose="020B0604020104020204" pitchFamily="34" charset="0"/>
+            </a:rPr>
+            <a:t>ő</a:t>
+          </a:r>
+          <a:r>
+            <a:rPr lang="hu-HU" dirty="0"/>
+            <a:t>l (places.csv)</a:t>
+          </a:r>
+          <a:endParaRPr lang="en-US" dirty="0"/>
         </a:p>
       </dgm:t>
     </dgm:pt>
@@ -4917,10 +4927,20 @@
         <a:lstStyle/>
         <a:p>
           <a:r>
-            <a:rPr lang="hu-HU"/>
-            <a:t>Adatok a balesetről (characteristics.csv)</a:t>
+            <a:rPr lang="hu-HU" dirty="0"/>
+            <a:t>Adatok a balesetr</a:t>
           </a:r>
-          <a:endParaRPr lang="en-US"/>
+          <a:r>
+            <a:rPr lang="hu-HU" dirty="0">
+              <a:latin typeface="Abadi" panose="020B0604020104020204" pitchFamily="34" charset="0"/>
+            </a:rPr>
+            <a:t>ő</a:t>
+          </a:r>
+          <a:r>
+            <a:rPr lang="hu-HU" dirty="0"/>
+            <a:t>l (characteristics.csv)</a:t>
+          </a:r>
+          <a:endParaRPr lang="en-US" dirty="0"/>
         </a:p>
       </dgm:t>
     </dgm:pt>
@@ -4954,10 +4974,24 @@
         <a:lstStyle/>
         <a:p>
           <a:r>
-            <a:rPr lang="hu-HU"/>
-            <a:t>Időpont, fényviszonyok, típus, időjárási viszonyok, stb</a:t>
+            <a:rPr lang="hu-HU" dirty="0"/>
+            <a:t>Időpont, fényviszonyok, típus, id</a:t>
           </a:r>
-          <a:endParaRPr lang="en-US"/>
+          <a:r>
+            <a:rPr lang="hu-HU" dirty="0">
+              <a:latin typeface="Abadi" panose="020B0604020104020204" pitchFamily="34" charset="0"/>
+            </a:rPr>
+            <a:t>ő</a:t>
+          </a:r>
+          <a:r>
+            <a:rPr lang="hu-HU" dirty="0"/>
+            <a:t>járási viszonyok, </a:t>
+          </a:r>
+          <a:r>
+            <a:rPr lang="hu-HU" dirty="0" err="1"/>
+            <a:t>stb</a:t>
+          </a:r>
+          <a:endParaRPr lang="en-US" dirty="0"/>
         </a:p>
       </dgm:t>
     </dgm:pt>
@@ -4991,10 +5025,30 @@
         <a:lstStyle/>
         <a:p>
           <a:r>
-            <a:rPr lang="hu-HU"/>
-            <a:t>Adatok a résztvevőkről (users.csv)</a:t>
+            <a:rPr lang="hu-HU" dirty="0"/>
+            <a:t>Adatok a résztvev</a:t>
           </a:r>
-          <a:endParaRPr lang="en-US"/>
+          <a:r>
+            <a:rPr lang="hu-HU" dirty="0">
+              <a:latin typeface="Abadi" panose="020B0604020104020204" pitchFamily="34" charset="0"/>
+            </a:rPr>
+            <a:t>ő</a:t>
+          </a:r>
+          <a:r>
+            <a:rPr lang="hu-HU" dirty="0"/>
+            <a:t>kr</a:t>
+          </a:r>
+          <a:r>
+            <a:rPr lang="hu-HU" dirty="0">
+              <a:latin typeface="Abadi" panose="020B0604020104020204" pitchFamily="34" charset="0"/>
+            </a:rPr>
+            <a:t>ő</a:t>
+          </a:r>
+          <a:r>
+            <a:rPr lang="hu-HU" dirty="0"/>
+            <a:t>l (users.csv)</a:t>
+          </a:r>
+          <a:endParaRPr lang="en-US" dirty="0"/>
         </a:p>
       </dgm:t>
     </dgm:pt>
@@ -5028,10 +5082,24 @@
         <a:lstStyle/>
         <a:p>
           <a:r>
-            <a:rPr lang="hu-HU"/>
-            <a:t>Életkor, nem, utazás célja, védőfelszerelés, súlyosság, stb</a:t>
+            <a:rPr lang="hu-HU" dirty="0"/>
+            <a:t>Életkor, nem, utazás célja, véd</a:t>
           </a:r>
-          <a:endParaRPr lang="en-US"/>
+          <a:r>
+            <a:rPr lang="hu-HU" dirty="0">
+              <a:latin typeface="Abadi" panose="020F0502020204030204" pitchFamily="34" charset="0"/>
+            </a:rPr>
+            <a:t>ő</a:t>
+          </a:r>
+          <a:r>
+            <a:rPr lang="hu-HU" dirty="0"/>
+            <a:t>felszerelés, súlyosság, </a:t>
+          </a:r>
+          <a:r>
+            <a:rPr lang="hu-HU" dirty="0" err="1"/>
+            <a:t>stb</a:t>
+          </a:r>
+          <a:endParaRPr lang="en-US" dirty="0"/>
         </a:p>
       </dgm:t>
     </dgm:pt>
@@ -5338,8 +5406,36 @@
         <a:lstStyle/>
         <a:p>
           <a:r>
-            <a:rPr lang="en-US"/>
-            <a:t>Folytonos értékekek kategorizálása (életkor)</a:t>
+            <a:rPr lang="en-US" dirty="0" err="1"/>
+            <a:t>Folytonos</a:t>
+          </a:r>
+          <a:r>
+            <a:rPr lang="en-US" dirty="0"/>
+            <a:t> </a:t>
+          </a:r>
+          <a:r>
+            <a:rPr lang="en-US" dirty="0" err="1"/>
+            <a:t>értékekek</a:t>
+          </a:r>
+          <a:r>
+            <a:rPr lang="en-US" dirty="0"/>
+            <a:t> </a:t>
+          </a:r>
+          <a:r>
+            <a:rPr lang="en-US" dirty="0" err="1"/>
+            <a:t>kategorizálása</a:t>
+          </a:r>
+          <a:r>
+            <a:rPr lang="en-US" dirty="0"/>
+            <a:t> (</a:t>
+          </a:r>
+          <a:r>
+            <a:rPr lang="en-US" dirty="0" err="1"/>
+            <a:t>életkor</a:t>
+          </a:r>
+          <a:r>
+            <a:rPr lang="en-US" dirty="0"/>
+            <a:t>)</a:t>
           </a:r>
         </a:p>
       </dgm:t>
@@ -5374,8 +5470,50 @@
         <a:lstStyle/>
         <a:p>
           <a:r>
-            <a:rPr lang="en-US"/>
-            <a:t>Szűkebb kategóriába sorolás (jármű típusok)</a:t>
+            <a:rPr lang="en-US" dirty="0" err="1"/>
+            <a:t>Szűkebb</a:t>
+          </a:r>
+          <a:r>
+            <a:rPr lang="en-US" dirty="0"/>
+            <a:t> </a:t>
+          </a:r>
+          <a:r>
+            <a:rPr lang="en-US" dirty="0" err="1"/>
+            <a:t>kategóriába</a:t>
+          </a:r>
+          <a:r>
+            <a:rPr lang="en-US" dirty="0"/>
+            <a:t> </a:t>
+          </a:r>
+          <a:r>
+            <a:rPr lang="en-US" dirty="0" err="1"/>
+            <a:t>sorolás</a:t>
+          </a:r>
+          <a:r>
+            <a:rPr lang="en-US" dirty="0"/>
+            <a:t> (</a:t>
+          </a:r>
+          <a:r>
+            <a:rPr lang="en-US" dirty="0" err="1"/>
+            <a:t>járm</a:t>
+          </a:r>
+          <a:r>
+            <a:rPr lang="en-US" dirty="0" err="1">
+              <a:latin typeface="Abadi" panose="020B0604020104020204" pitchFamily="34" charset="0"/>
+            </a:rPr>
+            <a:t>ű</a:t>
+          </a:r>
+          <a:r>
+            <a:rPr lang="en-US" dirty="0"/>
+            <a:t> </a:t>
+          </a:r>
+          <a:r>
+            <a:rPr lang="en-US" dirty="0" err="1"/>
+            <a:t>típusok</a:t>
+          </a:r>
+          <a:r>
+            <a:rPr lang="en-US" dirty="0"/>
+            <a:t>)</a:t>
           </a:r>
         </a:p>
       </dgm:t>
@@ -5936,9 +6074,28 @@
         <a:lstStyle/>
         <a:p>
           <a:r>
-            <a:rPr lang="en-US"/>
-            <a:t>Időjárás viszonyokkal</a:t>
+            <a:rPr lang="en-US" dirty="0" err="1"/>
+            <a:t>Id</a:t>
           </a:r>
+          <a:r>
+            <a:rPr lang="en-US" dirty="0" err="1">
+              <a:latin typeface="Abadi" panose="020B0604020104020204" pitchFamily="34" charset="0"/>
+            </a:rPr>
+            <a:t>ő</a:t>
+          </a:r>
+          <a:r>
+            <a:rPr lang="en-US" dirty="0" err="1"/>
+            <a:t>járás</a:t>
+          </a:r>
+          <a:r>
+            <a:rPr lang="en-US" dirty="0"/>
+            <a:t> </a:t>
+          </a:r>
+          <a:r>
+            <a:rPr lang="en-US" dirty="0" err="1"/>
+            <a:t>viszonyokkal</a:t>
+          </a:r>
+          <a:endParaRPr lang="en-US" dirty="0"/>
         </a:p>
       </dgm:t>
     </dgm:pt>
@@ -6360,7 +6517,17 @@
         <a:p>
           <a:r>
             <a:rPr lang="en-US" dirty="0" err="1"/>
-            <a:t>Mentők</a:t>
+            <a:t>Ment</a:t>
+          </a:r>
+          <a:r>
+            <a:rPr lang="en-US" dirty="0" err="1">
+              <a:latin typeface="Abadi" panose="020B0604020104020204" pitchFamily="34" charset="0"/>
+            </a:rPr>
+            <a:t>ő</a:t>
+          </a:r>
+          <a:r>
+            <a:rPr lang="en-US" dirty="0" err="1"/>
+            <a:t>k</a:t>
           </a:r>
           <a:r>
             <a:rPr lang="en-US" dirty="0"/>
@@ -6368,7 +6535,17 @@
           </a:r>
           <a:r>
             <a:rPr lang="en-US" dirty="0" err="1"/>
-            <a:t>tűzoltók</a:t>
+            <a:t>t</a:t>
+          </a:r>
+          <a:r>
+            <a:rPr lang="en-US" dirty="0" err="1">
+              <a:latin typeface="Abadi" panose="020B0604020104020204" pitchFamily="34" charset="0"/>
+            </a:rPr>
+            <a:t>ű</a:t>
+          </a:r>
+          <a:r>
+            <a:rPr lang="en-US" dirty="0" err="1"/>
+            <a:t>zoltók</a:t>
           </a:r>
           <a:endParaRPr lang="en-US" dirty="0"/>
         </a:p>
@@ -6449,7 +6626,13 @@
           </a:r>
           <a:r>
             <a:rPr lang="en-US" dirty="0" err="1"/>
-            <a:t>tervező</a:t>
+            <a:t>tervez</a:t>
+          </a:r>
+          <a:r>
+            <a:rPr lang="en-US" dirty="0" err="1">
+              <a:latin typeface="Abadi" panose="020B0604020104020204" pitchFamily="34" charset="0"/>
+            </a:rPr>
+            <a:t>ő</a:t>
           </a:r>
           <a:r>
             <a:rPr lang="en-US" dirty="0"/>
@@ -6681,8 +6864,8 @@
       </dsp:nvSpPr>
       <dsp:spPr>
         <a:xfrm>
-          <a:off x="0" y="27396"/>
-          <a:ext cx="10058399" cy="585000"/>
+          <a:off x="0" y="72216"/>
+          <a:ext cx="10058399" cy="579149"/>
         </a:xfrm>
         <a:prstGeom prst="roundRect">
           <a:avLst/>
@@ -6723,12 +6906,12 @@
         </a:fontRef>
       </dsp:style>
       <dsp:txBody>
-        <a:bodyPr spcFirstLastPara="0" vert="horz" wrap="square" lIns="95250" tIns="95250" rIns="95250" bIns="95250" numCol="1" spcCol="1270" anchor="ctr" anchorCtr="0">
+        <a:bodyPr spcFirstLastPara="0" vert="horz" wrap="square" lIns="91440" tIns="91440" rIns="91440" bIns="91440" numCol="1" spcCol="1270" anchor="ctr" anchorCtr="0">
           <a:noAutofit/>
         </a:bodyPr>
         <a:lstStyle/>
         <a:p>
-          <a:pPr marL="0" lvl="0" indent="0" algn="l" defTabSz="1111250">
+          <a:pPr marL="0" lvl="0" indent="0" algn="l" defTabSz="1066800">
             <a:lnSpc>
               <a:spcPct val="90000"/>
             </a:lnSpc>
@@ -6741,15 +6924,15 @@
             <a:buNone/>
           </a:pPr>
           <a:r>
-            <a:rPr lang="hu-HU" sz="2500" kern="1200"/>
+            <a:rPr lang="hu-HU" sz="2400" kern="1200"/>
             <a:t>Adatok a járműről (vehicles.csv)</a:t>
           </a:r>
-          <a:endParaRPr lang="en-US" sz="2500" kern="1200"/>
+          <a:endParaRPr lang="en-US" sz="2400" kern="1200"/>
         </a:p>
       </dsp:txBody>
       <dsp:txXfrm>
-        <a:off x="28557" y="55953"/>
-        <a:ext cx="10001285" cy="527886"/>
+        <a:off x="28272" y="100488"/>
+        <a:ext cx="10001855" cy="522605"/>
       </dsp:txXfrm>
     </dsp:sp>
     <dsp:sp modelId="{2D43D111-A23F-4917-9701-B9FA5CDFB25D}">
@@ -6759,8 +6942,8 @@
       </dsp:nvSpPr>
       <dsp:spPr>
         <a:xfrm>
-          <a:off x="0" y="612396"/>
-          <a:ext cx="10058399" cy="414000"/>
+          <a:off x="0" y="651366"/>
+          <a:ext cx="10058399" cy="397440"/>
         </a:xfrm>
         <a:prstGeom prst="rect">
           <a:avLst/>
@@ -6784,12 +6967,12 @@
         <a:fontRef idx="minor"/>
       </dsp:style>
       <dsp:txBody>
-        <a:bodyPr spcFirstLastPara="0" vert="horz" wrap="square" lIns="319354" tIns="31750" rIns="177800" bIns="31750" numCol="1" spcCol="1270" anchor="t" anchorCtr="0">
+        <a:bodyPr spcFirstLastPara="0" vert="horz" wrap="square" lIns="319354" tIns="30480" rIns="170688" bIns="30480" numCol="1" spcCol="1270" anchor="t" anchorCtr="0">
           <a:noAutofit/>
         </a:bodyPr>
         <a:lstStyle/>
         <a:p>
-          <a:pPr marL="228600" lvl="1" indent="-228600" algn="l" defTabSz="889000">
+          <a:pPr marL="171450" lvl="1" indent="-171450" algn="l" defTabSz="844550">
             <a:lnSpc>
               <a:spcPct val="90000"/>
             </a:lnSpc>
@@ -6802,15 +6985,15 @@
             <a:buChar char="•"/>
           </a:pPr>
           <a:r>
-            <a:rPr lang="hu-HU" sz="2000" kern="1200"/>
+            <a:rPr lang="hu-HU" sz="1900" kern="1200"/>
             <a:t>Típus, utazók száma, manőver, ütközés, stb</a:t>
           </a:r>
-          <a:endParaRPr lang="en-US" sz="2000" kern="1200"/>
+          <a:endParaRPr lang="en-US" sz="1900" kern="1200"/>
         </a:p>
       </dsp:txBody>
       <dsp:txXfrm>
-        <a:off x="0" y="612396"/>
-        <a:ext cx="10058399" cy="414000"/>
+        <a:off x="0" y="651366"/>
+        <a:ext cx="10058399" cy="397440"/>
       </dsp:txXfrm>
     </dsp:sp>
     <dsp:sp modelId="{0A1AE800-1EB4-4AAF-BAF3-307B2E341C2F}">
@@ -6820,8 +7003,8 @@
       </dsp:nvSpPr>
       <dsp:spPr>
         <a:xfrm>
-          <a:off x="0" y="1026396"/>
-          <a:ext cx="10058399" cy="585000"/>
+          <a:off x="0" y="1048806"/>
+          <a:ext cx="10058399" cy="579149"/>
         </a:xfrm>
         <a:prstGeom prst="roundRect">
           <a:avLst/>
@@ -6862,12 +7045,12 @@
         </a:fontRef>
       </dsp:style>
       <dsp:txBody>
-        <a:bodyPr spcFirstLastPara="0" vert="horz" wrap="square" lIns="95250" tIns="95250" rIns="95250" bIns="95250" numCol="1" spcCol="1270" anchor="ctr" anchorCtr="0">
+        <a:bodyPr spcFirstLastPara="0" vert="horz" wrap="square" lIns="91440" tIns="91440" rIns="91440" bIns="91440" numCol="1" spcCol="1270" anchor="ctr" anchorCtr="0">
           <a:noAutofit/>
         </a:bodyPr>
         <a:lstStyle/>
         <a:p>
-          <a:pPr marL="0" lvl="0" indent="0" algn="l" defTabSz="1111250">
+          <a:pPr marL="0" lvl="0" indent="0" algn="l" defTabSz="1066800">
             <a:lnSpc>
               <a:spcPct val="90000"/>
             </a:lnSpc>
@@ -6880,15 +7063,25 @@
             <a:buNone/>
           </a:pPr>
           <a:r>
-            <a:rPr lang="hu-HU" sz="2500" kern="1200"/>
-            <a:t>Adatok a baleset helyszínéről (places.csv)</a:t>
+            <a:rPr lang="hu-HU" sz="2400" kern="1200" dirty="0"/>
+            <a:t>Adatok a baleset helyszínér</a:t>
           </a:r>
-          <a:endParaRPr lang="en-US" sz="2500" kern="1200"/>
+          <a:r>
+            <a:rPr lang="hu-HU" sz="2400" kern="1200" dirty="0">
+              <a:latin typeface="Abadi" panose="020B0604020104020204" pitchFamily="34" charset="0"/>
+            </a:rPr>
+            <a:t>ő</a:t>
+          </a:r>
+          <a:r>
+            <a:rPr lang="hu-HU" sz="2400" kern="1200" dirty="0"/>
+            <a:t>l (places.csv)</a:t>
+          </a:r>
+          <a:endParaRPr lang="en-US" sz="2400" kern="1200" dirty="0"/>
         </a:p>
       </dsp:txBody>
       <dsp:txXfrm>
-        <a:off x="28557" y="1054953"/>
-        <a:ext cx="10001285" cy="527886"/>
+        <a:off x="28272" y="1077078"/>
+        <a:ext cx="10001855" cy="522605"/>
       </dsp:txXfrm>
     </dsp:sp>
     <dsp:sp modelId="{FF125611-15EF-49D9-A20F-AA5712C37C9C}">
@@ -6898,8 +7091,8 @@
       </dsp:nvSpPr>
       <dsp:spPr>
         <a:xfrm>
-          <a:off x="0" y="1611396"/>
-          <a:ext cx="10058399" cy="414000"/>
+          <a:off x="0" y="1627955"/>
+          <a:ext cx="10058399" cy="397440"/>
         </a:xfrm>
         <a:prstGeom prst="rect">
           <a:avLst/>
@@ -6923,12 +7116,12 @@
         <a:fontRef idx="minor"/>
       </dsp:style>
       <dsp:txBody>
-        <a:bodyPr spcFirstLastPara="0" vert="horz" wrap="square" lIns="319354" tIns="31750" rIns="177800" bIns="31750" numCol="1" spcCol="1270" anchor="t" anchorCtr="0">
+        <a:bodyPr spcFirstLastPara="0" vert="horz" wrap="square" lIns="319354" tIns="30480" rIns="170688" bIns="30480" numCol="1" spcCol="1270" anchor="t" anchorCtr="0">
           <a:noAutofit/>
         </a:bodyPr>
         <a:lstStyle/>
         <a:p>
-          <a:pPr marL="228600" lvl="1" indent="-228600" algn="l" defTabSz="889000">
+          <a:pPr marL="171450" lvl="1" indent="-171450" algn="l" defTabSz="844550">
             <a:lnSpc>
               <a:spcPct val="90000"/>
             </a:lnSpc>
@@ -6941,15 +7134,15 @@
             <a:buChar char="•"/>
           </a:pPr>
           <a:r>
-            <a:rPr lang="hu-HU" sz="2000" kern="1200"/>
+            <a:rPr lang="hu-HU" sz="1900" kern="1200"/>
             <a:t>Út típusa, sávok száma, elhelyezkedés, infrastruktúra, stb</a:t>
           </a:r>
-          <a:endParaRPr lang="en-US" sz="2000" kern="1200"/>
+          <a:endParaRPr lang="en-US" sz="1900" kern="1200"/>
         </a:p>
       </dsp:txBody>
       <dsp:txXfrm>
-        <a:off x="0" y="1611396"/>
-        <a:ext cx="10058399" cy="414000"/>
+        <a:off x="0" y="1627955"/>
+        <a:ext cx="10058399" cy="397440"/>
       </dsp:txXfrm>
     </dsp:sp>
     <dsp:sp modelId="{1252ADEC-7F5E-4DA4-AE1A-70CABC3A2912}">
@@ -6960,7 +7153,7 @@
       <dsp:spPr>
         <a:xfrm>
           <a:off x="0" y="2025396"/>
-          <a:ext cx="10058399" cy="585000"/>
+          <a:ext cx="10058399" cy="579149"/>
         </a:xfrm>
         <a:prstGeom prst="roundRect">
           <a:avLst/>
@@ -7001,12 +7194,12 @@
         </a:fontRef>
       </dsp:style>
       <dsp:txBody>
-        <a:bodyPr spcFirstLastPara="0" vert="horz" wrap="square" lIns="95250" tIns="95250" rIns="95250" bIns="95250" numCol="1" spcCol="1270" anchor="ctr" anchorCtr="0">
+        <a:bodyPr spcFirstLastPara="0" vert="horz" wrap="square" lIns="91440" tIns="91440" rIns="91440" bIns="91440" numCol="1" spcCol="1270" anchor="ctr" anchorCtr="0">
           <a:noAutofit/>
         </a:bodyPr>
         <a:lstStyle/>
         <a:p>
-          <a:pPr marL="0" lvl="0" indent="0" algn="l" defTabSz="1111250">
+          <a:pPr marL="0" lvl="0" indent="0" algn="l" defTabSz="1066800">
             <a:lnSpc>
               <a:spcPct val="90000"/>
             </a:lnSpc>
@@ -7019,15 +7212,25 @@
             <a:buNone/>
           </a:pPr>
           <a:r>
-            <a:rPr lang="hu-HU" sz="2500" kern="1200"/>
-            <a:t>Adatok a balesetről (characteristics.csv)</a:t>
+            <a:rPr lang="hu-HU" sz="2400" kern="1200" dirty="0"/>
+            <a:t>Adatok a balesetr</a:t>
           </a:r>
-          <a:endParaRPr lang="en-US" sz="2500" kern="1200"/>
+          <a:r>
+            <a:rPr lang="hu-HU" sz="2400" kern="1200" dirty="0">
+              <a:latin typeface="Abadi" panose="020B0604020104020204" pitchFamily="34" charset="0"/>
+            </a:rPr>
+            <a:t>ő</a:t>
+          </a:r>
+          <a:r>
+            <a:rPr lang="hu-HU" sz="2400" kern="1200" dirty="0"/>
+            <a:t>l (characteristics.csv)</a:t>
+          </a:r>
+          <a:endParaRPr lang="en-US" sz="2400" kern="1200" dirty="0"/>
         </a:p>
       </dsp:txBody>
       <dsp:txXfrm>
-        <a:off x="28557" y="2053953"/>
-        <a:ext cx="10001285" cy="527886"/>
+        <a:off x="28272" y="2053668"/>
+        <a:ext cx="10001855" cy="522605"/>
       </dsp:txXfrm>
     </dsp:sp>
     <dsp:sp modelId="{1ABC3E49-340E-41BB-88AB-03A34BEDAF55}">
@@ -7037,8 +7240,8 @@
       </dsp:nvSpPr>
       <dsp:spPr>
         <a:xfrm>
-          <a:off x="0" y="2610396"/>
-          <a:ext cx="10058399" cy="414000"/>
+          <a:off x="0" y="2604546"/>
+          <a:ext cx="10058399" cy="397440"/>
         </a:xfrm>
         <a:prstGeom prst="rect">
           <a:avLst/>
@@ -7062,12 +7265,12 @@
         <a:fontRef idx="minor"/>
       </dsp:style>
       <dsp:txBody>
-        <a:bodyPr spcFirstLastPara="0" vert="horz" wrap="square" lIns="319354" tIns="31750" rIns="177800" bIns="31750" numCol="1" spcCol="1270" anchor="t" anchorCtr="0">
+        <a:bodyPr spcFirstLastPara="0" vert="horz" wrap="square" lIns="319354" tIns="30480" rIns="170688" bIns="30480" numCol="1" spcCol="1270" anchor="t" anchorCtr="0">
           <a:noAutofit/>
         </a:bodyPr>
         <a:lstStyle/>
         <a:p>
-          <a:pPr marL="228600" lvl="1" indent="-228600" algn="l" defTabSz="889000">
+          <a:pPr marL="171450" lvl="1" indent="-171450" algn="l" defTabSz="844550">
             <a:lnSpc>
               <a:spcPct val="90000"/>
             </a:lnSpc>
@@ -7080,15 +7283,29 @@
             <a:buChar char="•"/>
           </a:pPr>
           <a:r>
-            <a:rPr lang="hu-HU" sz="2000" kern="1200"/>
-            <a:t>Időpont, fényviszonyok, típus, időjárási viszonyok, stb</a:t>
+            <a:rPr lang="hu-HU" sz="1900" kern="1200" dirty="0"/>
+            <a:t>Időpont, fényviszonyok, típus, id</a:t>
           </a:r>
-          <a:endParaRPr lang="en-US" sz="2000" kern="1200"/>
+          <a:r>
+            <a:rPr lang="hu-HU" sz="1900" kern="1200" dirty="0">
+              <a:latin typeface="Abadi" panose="020B0604020104020204" pitchFamily="34" charset="0"/>
+            </a:rPr>
+            <a:t>ő</a:t>
+          </a:r>
+          <a:r>
+            <a:rPr lang="hu-HU" sz="1900" kern="1200" dirty="0"/>
+            <a:t>járási viszonyok, </a:t>
+          </a:r>
+          <a:r>
+            <a:rPr lang="hu-HU" sz="1900" kern="1200" dirty="0" err="1"/>
+            <a:t>stb</a:t>
+          </a:r>
+          <a:endParaRPr lang="en-US" sz="1900" kern="1200" dirty="0"/>
         </a:p>
       </dsp:txBody>
       <dsp:txXfrm>
-        <a:off x="0" y="2610396"/>
-        <a:ext cx="10058399" cy="414000"/>
+        <a:off x="0" y="2604546"/>
+        <a:ext cx="10058399" cy="397440"/>
       </dsp:txXfrm>
     </dsp:sp>
     <dsp:sp modelId="{CC1F1454-8D4E-431A-B1A1-9D6BA3AE9292}">
@@ -7098,8 +7315,8 @@
       </dsp:nvSpPr>
       <dsp:spPr>
         <a:xfrm>
-          <a:off x="0" y="3024396"/>
-          <a:ext cx="10058399" cy="585000"/>
+          <a:off x="0" y="3001986"/>
+          <a:ext cx="10058399" cy="579149"/>
         </a:xfrm>
         <a:prstGeom prst="roundRect">
           <a:avLst/>
@@ -7140,12 +7357,12 @@
         </a:fontRef>
       </dsp:style>
       <dsp:txBody>
-        <a:bodyPr spcFirstLastPara="0" vert="horz" wrap="square" lIns="95250" tIns="95250" rIns="95250" bIns="95250" numCol="1" spcCol="1270" anchor="ctr" anchorCtr="0">
+        <a:bodyPr spcFirstLastPara="0" vert="horz" wrap="square" lIns="91440" tIns="91440" rIns="91440" bIns="91440" numCol="1" spcCol="1270" anchor="ctr" anchorCtr="0">
           <a:noAutofit/>
         </a:bodyPr>
         <a:lstStyle/>
         <a:p>
-          <a:pPr marL="0" lvl="0" indent="0" algn="l" defTabSz="1111250">
+          <a:pPr marL="0" lvl="0" indent="0" algn="l" defTabSz="1066800">
             <a:lnSpc>
               <a:spcPct val="90000"/>
             </a:lnSpc>
@@ -7158,15 +7375,35 @@
             <a:buNone/>
           </a:pPr>
           <a:r>
-            <a:rPr lang="hu-HU" sz="2500" kern="1200"/>
-            <a:t>Adatok a résztvevőkről (users.csv)</a:t>
+            <a:rPr lang="hu-HU" sz="2400" kern="1200" dirty="0"/>
+            <a:t>Adatok a résztvev</a:t>
           </a:r>
-          <a:endParaRPr lang="en-US" sz="2500" kern="1200"/>
+          <a:r>
+            <a:rPr lang="hu-HU" sz="2400" kern="1200" dirty="0">
+              <a:latin typeface="Abadi" panose="020B0604020104020204" pitchFamily="34" charset="0"/>
+            </a:rPr>
+            <a:t>ő</a:t>
+          </a:r>
+          <a:r>
+            <a:rPr lang="hu-HU" sz="2400" kern="1200" dirty="0"/>
+            <a:t>kr</a:t>
+          </a:r>
+          <a:r>
+            <a:rPr lang="hu-HU" sz="2400" kern="1200" dirty="0">
+              <a:latin typeface="Abadi" panose="020B0604020104020204" pitchFamily="34" charset="0"/>
+            </a:rPr>
+            <a:t>ő</a:t>
+          </a:r>
+          <a:r>
+            <a:rPr lang="hu-HU" sz="2400" kern="1200" dirty="0"/>
+            <a:t>l (users.csv)</a:t>
+          </a:r>
+          <a:endParaRPr lang="en-US" sz="2400" kern="1200" dirty="0"/>
         </a:p>
       </dsp:txBody>
       <dsp:txXfrm>
-        <a:off x="28557" y="3052953"/>
-        <a:ext cx="10001285" cy="527886"/>
+        <a:off x="28272" y="3030258"/>
+        <a:ext cx="10001855" cy="522605"/>
       </dsp:txXfrm>
     </dsp:sp>
     <dsp:sp modelId="{82CE5EE7-2356-4460-9D67-D16F3C39AD9E}">
@@ -7176,8 +7413,8 @@
       </dsp:nvSpPr>
       <dsp:spPr>
         <a:xfrm>
-          <a:off x="0" y="3609396"/>
-          <a:ext cx="10058399" cy="414000"/>
+          <a:off x="0" y="3581136"/>
+          <a:ext cx="10058399" cy="397440"/>
         </a:xfrm>
         <a:prstGeom prst="rect">
           <a:avLst/>
@@ -7201,12 +7438,12 @@
         <a:fontRef idx="minor"/>
       </dsp:style>
       <dsp:txBody>
-        <a:bodyPr spcFirstLastPara="0" vert="horz" wrap="square" lIns="319354" tIns="31750" rIns="177800" bIns="31750" numCol="1" spcCol="1270" anchor="t" anchorCtr="0">
+        <a:bodyPr spcFirstLastPara="0" vert="horz" wrap="square" lIns="319354" tIns="30480" rIns="170688" bIns="30480" numCol="1" spcCol="1270" anchor="t" anchorCtr="0">
           <a:noAutofit/>
         </a:bodyPr>
         <a:lstStyle/>
         <a:p>
-          <a:pPr marL="228600" lvl="1" indent="-228600" algn="l" defTabSz="889000">
+          <a:pPr marL="171450" lvl="1" indent="-171450" algn="l" defTabSz="844550">
             <a:lnSpc>
               <a:spcPct val="90000"/>
             </a:lnSpc>
@@ -7219,15 +7456,29 @@
             <a:buChar char="•"/>
           </a:pPr>
           <a:r>
-            <a:rPr lang="hu-HU" sz="2000" kern="1200"/>
-            <a:t>Életkor, nem, utazás célja, védőfelszerelés, súlyosság, stb</a:t>
+            <a:rPr lang="hu-HU" sz="1900" kern="1200" dirty="0"/>
+            <a:t>Életkor, nem, utazás célja, véd</a:t>
           </a:r>
-          <a:endParaRPr lang="en-US" sz="2000" kern="1200"/>
+          <a:r>
+            <a:rPr lang="hu-HU" sz="1900" kern="1200" dirty="0">
+              <a:latin typeface="Abadi" panose="020F0502020204030204" pitchFamily="34" charset="0"/>
+            </a:rPr>
+            <a:t>ő</a:t>
+          </a:r>
+          <a:r>
+            <a:rPr lang="hu-HU" sz="1900" kern="1200" dirty="0"/>
+            <a:t>felszerelés, súlyosság, </a:t>
+          </a:r>
+          <a:r>
+            <a:rPr lang="hu-HU" sz="1900" kern="1200" dirty="0" err="1"/>
+            <a:t>stb</a:t>
+          </a:r>
+          <a:endParaRPr lang="en-US" sz="1900" kern="1200" dirty="0"/>
         </a:p>
       </dsp:txBody>
       <dsp:txXfrm>
-        <a:off x="0" y="3609396"/>
-        <a:ext cx="10058399" cy="414000"/>
+        <a:off x="0" y="3581136"/>
+        <a:ext cx="10058399" cy="397440"/>
       </dsp:txXfrm>
     </dsp:sp>
   </dsp:spTree>
@@ -7249,8 +7500,8 @@
       </dsp:nvSpPr>
       <dsp:spPr>
         <a:xfrm>
-          <a:off x="0" y="9845"/>
-          <a:ext cx="10058399" cy="702000"/>
+          <a:off x="0" y="39512"/>
+          <a:ext cx="10058399" cy="678600"/>
         </a:xfrm>
         <a:prstGeom prst="roundRect">
           <a:avLst/>
@@ -7291,12 +7542,12 @@
         </a:fontRef>
       </dsp:style>
       <dsp:txBody>
-        <a:bodyPr spcFirstLastPara="0" vert="horz" wrap="square" lIns="114300" tIns="114300" rIns="114300" bIns="114300" numCol="1" spcCol="1270" anchor="ctr" anchorCtr="0">
+        <a:bodyPr spcFirstLastPara="0" vert="horz" wrap="square" lIns="110490" tIns="110490" rIns="110490" bIns="110490" numCol="1" spcCol="1270" anchor="ctr" anchorCtr="0">
           <a:noAutofit/>
         </a:bodyPr>
         <a:lstStyle/>
         <a:p>
-          <a:pPr marL="0" lvl="0" indent="0" algn="l" defTabSz="1333500">
+          <a:pPr marL="0" lvl="0" indent="0" algn="l" defTabSz="1289050">
             <a:lnSpc>
               <a:spcPct val="90000"/>
             </a:lnSpc>
@@ -7309,14 +7560,14 @@
             <a:buNone/>
           </a:pPr>
           <a:r>
-            <a:rPr lang="en-US" sz="3000" kern="1200"/>
+            <a:rPr lang="en-US" sz="2900" kern="1200"/>
             <a:t>Sok adattól megváltunk</a:t>
           </a:r>
         </a:p>
       </dsp:txBody>
       <dsp:txXfrm>
-        <a:off x="34269" y="44114"/>
-        <a:ext cx="9989861" cy="633462"/>
+        <a:off x="33127" y="72639"/>
+        <a:ext cx="9992145" cy="612346"/>
       </dsp:txXfrm>
     </dsp:sp>
     <dsp:sp modelId="{0962221C-9A81-42A5-AF19-F63490303A73}">
@@ -7326,8 +7577,8 @@
       </dsp:nvSpPr>
       <dsp:spPr>
         <a:xfrm>
-          <a:off x="0" y="711845"/>
-          <a:ext cx="10058399" cy="776250"/>
+          <a:off x="0" y="718112"/>
+          <a:ext cx="10058399" cy="765382"/>
         </a:xfrm>
         <a:prstGeom prst="rect">
           <a:avLst/>
@@ -7351,7 +7602,7 @@
         <a:fontRef idx="minor"/>
       </dsp:style>
       <dsp:txBody>
-        <a:bodyPr spcFirstLastPara="0" vert="horz" wrap="square" lIns="319354" tIns="38100" rIns="213360" bIns="38100" numCol="1" spcCol="1270" anchor="t" anchorCtr="0">
+        <a:bodyPr spcFirstLastPara="0" vert="horz" wrap="square" lIns="319354" tIns="36830" rIns="206248" bIns="36830" numCol="1" spcCol="1270" anchor="t" anchorCtr="0">
           <a:noAutofit/>
         </a:bodyPr>
         <a:lstStyle/>
@@ -7393,8 +7644,8 @@
         </a:p>
       </dsp:txBody>
       <dsp:txXfrm>
-        <a:off x="0" y="711845"/>
-        <a:ext cx="10058399" cy="776250"/>
+        <a:off x="0" y="718112"/>
+        <a:ext cx="10058399" cy="765382"/>
       </dsp:txXfrm>
     </dsp:sp>
     <dsp:sp modelId="{B06532E5-3CA9-493D-974D-1088176EAC12}">
@@ -7404,8 +7655,8 @@
       </dsp:nvSpPr>
       <dsp:spPr>
         <a:xfrm>
-          <a:off x="0" y="1488096"/>
-          <a:ext cx="10058399" cy="702000"/>
+          <a:off x="0" y="1483494"/>
+          <a:ext cx="10058399" cy="678600"/>
         </a:xfrm>
         <a:prstGeom prst="roundRect">
           <a:avLst/>
@@ -7446,12 +7697,12 @@
         </a:fontRef>
       </dsp:style>
       <dsp:txBody>
-        <a:bodyPr spcFirstLastPara="0" vert="horz" wrap="square" lIns="114300" tIns="114300" rIns="114300" bIns="114300" numCol="1" spcCol="1270" anchor="ctr" anchorCtr="0">
+        <a:bodyPr spcFirstLastPara="0" vert="horz" wrap="square" lIns="110490" tIns="110490" rIns="110490" bIns="110490" numCol="1" spcCol="1270" anchor="ctr" anchorCtr="0">
           <a:noAutofit/>
         </a:bodyPr>
         <a:lstStyle/>
         <a:p>
-          <a:pPr marL="0" lvl="0" indent="0" algn="l" defTabSz="1333500">
+          <a:pPr marL="0" lvl="0" indent="0" algn="l" defTabSz="1289050">
             <a:lnSpc>
               <a:spcPct val="90000"/>
             </a:lnSpc>
@@ -7464,14 +7715,14 @@
             <a:buNone/>
           </a:pPr>
           <a:r>
-            <a:rPr lang="en-US" sz="3000" kern="1200"/>
+            <a:rPr lang="en-US" sz="2900" kern="1200"/>
             <a:t>Sok adatot átalakítottunk</a:t>
           </a:r>
         </a:p>
       </dsp:txBody>
       <dsp:txXfrm>
-        <a:off x="34269" y="1522365"/>
-        <a:ext cx="9989861" cy="633462"/>
+        <a:off x="33127" y="1516621"/>
+        <a:ext cx="9992145" cy="612346"/>
       </dsp:txXfrm>
     </dsp:sp>
     <dsp:sp modelId="{05E72BD9-11BB-49CC-ACD5-545DC32B28A2}">
@@ -7481,8 +7732,8 @@
       </dsp:nvSpPr>
       <dsp:spPr>
         <a:xfrm>
-          <a:off x="0" y="2190096"/>
-          <a:ext cx="10058399" cy="1148850"/>
+          <a:off x="0" y="2162094"/>
+          <a:ext cx="10058399" cy="1170584"/>
         </a:xfrm>
         <a:prstGeom prst="rect">
           <a:avLst/>
@@ -7506,7 +7757,7 @@
         <a:fontRef idx="minor"/>
       </dsp:style>
       <dsp:txBody>
-        <a:bodyPr spcFirstLastPara="0" vert="horz" wrap="square" lIns="319354" tIns="38100" rIns="213360" bIns="38100" numCol="1" spcCol="1270" anchor="t" anchorCtr="0">
+        <a:bodyPr spcFirstLastPara="0" vert="horz" wrap="square" lIns="319354" tIns="36830" rIns="206248" bIns="36830" numCol="1" spcCol="1270" anchor="t" anchorCtr="0">
           <a:noAutofit/>
         </a:bodyPr>
         <a:lstStyle/>
@@ -7524,8 +7775,36 @@
             <a:buChar char="•"/>
           </a:pPr>
           <a:r>
-            <a:rPr lang="en-US" sz="2300" kern="1200"/>
-            <a:t>Folytonos értékekek kategorizálása (életkor)</a:t>
+            <a:rPr lang="en-US" sz="2300" kern="1200" dirty="0" err="1"/>
+            <a:t>Folytonos</a:t>
+          </a:r>
+          <a:r>
+            <a:rPr lang="en-US" sz="2300" kern="1200" dirty="0"/>
+            <a:t> </a:t>
+          </a:r>
+          <a:r>
+            <a:rPr lang="en-US" sz="2300" kern="1200" dirty="0" err="1"/>
+            <a:t>értékekek</a:t>
+          </a:r>
+          <a:r>
+            <a:rPr lang="en-US" sz="2300" kern="1200" dirty="0"/>
+            <a:t> </a:t>
+          </a:r>
+          <a:r>
+            <a:rPr lang="en-US" sz="2300" kern="1200" dirty="0" err="1"/>
+            <a:t>kategorizálása</a:t>
+          </a:r>
+          <a:r>
+            <a:rPr lang="en-US" sz="2300" kern="1200" dirty="0"/>
+            <a:t> (</a:t>
+          </a:r>
+          <a:r>
+            <a:rPr lang="en-US" sz="2300" kern="1200" dirty="0" err="1"/>
+            <a:t>életkor</a:t>
+          </a:r>
+          <a:r>
+            <a:rPr lang="en-US" sz="2300" kern="1200" dirty="0"/>
+            <a:t>)</a:t>
           </a:r>
         </a:p>
         <a:p>
@@ -7542,8 +7821,50 @@
             <a:buChar char="•"/>
           </a:pPr>
           <a:r>
-            <a:rPr lang="en-US" sz="2300" kern="1200"/>
-            <a:t>Szűkebb kategóriába sorolás (jármű típusok)</a:t>
+            <a:rPr lang="en-US" sz="2300" kern="1200" dirty="0" err="1"/>
+            <a:t>Szűkebb</a:t>
+          </a:r>
+          <a:r>
+            <a:rPr lang="en-US" sz="2300" kern="1200" dirty="0"/>
+            <a:t> </a:t>
+          </a:r>
+          <a:r>
+            <a:rPr lang="en-US" sz="2300" kern="1200" dirty="0" err="1"/>
+            <a:t>kategóriába</a:t>
+          </a:r>
+          <a:r>
+            <a:rPr lang="en-US" sz="2300" kern="1200" dirty="0"/>
+            <a:t> </a:t>
+          </a:r>
+          <a:r>
+            <a:rPr lang="en-US" sz="2300" kern="1200" dirty="0" err="1"/>
+            <a:t>sorolás</a:t>
+          </a:r>
+          <a:r>
+            <a:rPr lang="en-US" sz="2300" kern="1200" dirty="0"/>
+            <a:t> (</a:t>
+          </a:r>
+          <a:r>
+            <a:rPr lang="en-US" sz="2300" kern="1200" dirty="0" err="1"/>
+            <a:t>járm</a:t>
+          </a:r>
+          <a:r>
+            <a:rPr lang="en-US" sz="2300" kern="1200" dirty="0" err="1">
+              <a:latin typeface="Abadi" panose="020B0604020104020204" pitchFamily="34" charset="0"/>
+            </a:rPr>
+            <a:t>ű</a:t>
+          </a:r>
+          <a:r>
+            <a:rPr lang="en-US" sz="2300" kern="1200" dirty="0"/>
+            <a:t> </a:t>
+          </a:r>
+          <a:r>
+            <a:rPr lang="en-US" sz="2300" kern="1200" dirty="0" err="1"/>
+            <a:t>típusok</a:t>
+          </a:r>
+          <a:r>
+            <a:rPr lang="en-US" sz="2300" kern="1200" dirty="0"/>
+            <a:t>)</a:t>
           </a:r>
         </a:p>
         <a:p>
@@ -7566,8 +7887,8 @@
         </a:p>
       </dsp:txBody>
       <dsp:txXfrm>
-        <a:off x="0" y="2190096"/>
-        <a:ext cx="10058399" cy="1148850"/>
+        <a:off x="0" y="2162094"/>
+        <a:ext cx="10058399" cy="1170584"/>
       </dsp:txXfrm>
     </dsp:sp>
     <dsp:sp modelId="{3EEF059B-1E45-47AB-9C8F-78CF11F3EB9D}">
@@ -7577,8 +7898,8 @@
       </dsp:nvSpPr>
       <dsp:spPr>
         <a:xfrm>
-          <a:off x="0" y="3338946"/>
-          <a:ext cx="10058399" cy="702000"/>
+          <a:off x="0" y="3332679"/>
+          <a:ext cx="10058399" cy="678600"/>
         </a:xfrm>
         <a:prstGeom prst="roundRect">
           <a:avLst/>
@@ -7619,12 +7940,12 @@
         </a:fontRef>
       </dsp:style>
       <dsp:txBody>
-        <a:bodyPr spcFirstLastPara="0" vert="horz" wrap="square" lIns="114300" tIns="114300" rIns="114300" bIns="114300" numCol="1" spcCol="1270" anchor="ctr" anchorCtr="0">
+        <a:bodyPr spcFirstLastPara="0" vert="horz" wrap="square" lIns="110490" tIns="110490" rIns="110490" bIns="110490" numCol="1" spcCol="1270" anchor="ctr" anchorCtr="0">
           <a:noAutofit/>
         </a:bodyPr>
         <a:lstStyle/>
         <a:p>
-          <a:pPr marL="0" lvl="0" indent="0" algn="l" defTabSz="1333500">
+          <a:pPr marL="0" lvl="0" indent="0" algn="l" defTabSz="1289050">
             <a:lnSpc>
               <a:spcPct val="90000"/>
             </a:lnSpc>
@@ -7637,14 +7958,14 @@
             <a:buNone/>
           </a:pPr>
           <a:r>
-            <a:rPr lang="en-US" sz="3000" kern="1200"/>
+            <a:rPr lang="en-US" sz="2900" kern="1200"/>
             <a:t>Új származtatott adatok (régió)</a:t>
           </a:r>
         </a:p>
       </dsp:txBody>
       <dsp:txXfrm>
-        <a:off x="34269" y="3373215"/>
-        <a:ext cx="9989861" cy="633462"/>
+        <a:off x="33127" y="3365806"/>
+        <a:ext cx="9992145" cy="612346"/>
       </dsp:txXfrm>
     </dsp:sp>
   </dsp:spTree>
@@ -8226,9 +8547,28 @@
             <a:buChar char="•"/>
           </a:pPr>
           <a:r>
-            <a:rPr lang="en-US" sz="1700" kern="1200"/>
-            <a:t>Időjárás viszonyokkal</a:t>
+            <a:rPr lang="en-US" sz="1700" kern="1200" dirty="0" err="1"/>
+            <a:t>Id</a:t>
           </a:r>
+          <a:r>
+            <a:rPr lang="en-US" sz="1700" kern="1200" dirty="0" err="1">
+              <a:latin typeface="Abadi" panose="020B0604020104020204" pitchFamily="34" charset="0"/>
+            </a:rPr>
+            <a:t>ő</a:t>
+          </a:r>
+          <a:r>
+            <a:rPr lang="en-US" sz="1700" kern="1200" dirty="0" err="1"/>
+            <a:t>járás</a:t>
+          </a:r>
+          <a:r>
+            <a:rPr lang="en-US" sz="1700" kern="1200" dirty="0"/>
+            <a:t> </a:t>
+          </a:r>
+          <a:r>
+            <a:rPr lang="en-US" sz="1700" kern="1200" dirty="0" err="1"/>
+            <a:t>viszonyokkal</a:t>
+          </a:r>
+          <a:endParaRPr lang="en-US" sz="1700" kern="1200" dirty="0"/>
         </a:p>
         <a:p>
           <a:pPr marL="171450" lvl="1" indent="-171450" algn="l" defTabSz="755650">
@@ -8712,7 +9052,17 @@
           </a:pPr>
           <a:r>
             <a:rPr lang="en-US" sz="2700" kern="1200" dirty="0" err="1"/>
-            <a:t>Mentők</a:t>
+            <a:t>Ment</a:t>
+          </a:r>
+          <a:r>
+            <a:rPr lang="en-US" sz="2700" kern="1200" dirty="0" err="1">
+              <a:latin typeface="Abadi" panose="020B0604020104020204" pitchFamily="34" charset="0"/>
+            </a:rPr>
+            <a:t>ő</a:t>
+          </a:r>
+          <a:r>
+            <a:rPr lang="en-US" sz="2700" kern="1200" dirty="0" err="1"/>
+            <a:t>k</a:t>
           </a:r>
           <a:r>
             <a:rPr lang="en-US" sz="2700" kern="1200" dirty="0"/>
@@ -8720,7 +9070,17 @@
           </a:r>
           <a:r>
             <a:rPr lang="en-US" sz="2700" kern="1200" dirty="0" err="1"/>
-            <a:t>tűzoltók</a:t>
+            <a:t>t</a:t>
+          </a:r>
+          <a:r>
+            <a:rPr lang="en-US" sz="2700" kern="1200" dirty="0" err="1">
+              <a:latin typeface="Abadi" panose="020B0604020104020204" pitchFamily="34" charset="0"/>
+            </a:rPr>
+            <a:t>ű</a:t>
+          </a:r>
+          <a:r>
+            <a:rPr lang="en-US" sz="2700" kern="1200" dirty="0" err="1"/>
+            <a:t>zoltók</a:t>
           </a:r>
           <a:endParaRPr lang="en-US" sz="2700" kern="1200" dirty="0"/>
         </a:p>
@@ -8900,7 +9260,13 @@
           </a:r>
           <a:r>
             <a:rPr lang="en-US" sz="2700" kern="1200" dirty="0" err="1"/>
-            <a:t>tervező</a:t>
+            <a:t>tervez</a:t>
+          </a:r>
+          <a:r>
+            <a:rPr lang="en-US" sz="2700" kern="1200" dirty="0" err="1">
+              <a:latin typeface="Abadi" panose="020B0604020104020204" pitchFamily="34" charset="0"/>
+            </a:rPr>
+            <a:t>ő</a:t>
           </a:r>
           <a:r>
             <a:rPr lang="en-US" sz="2700" kern="1200" dirty="0"/>
@@ -19284,9 +19650,17 @@
             </a:r>
             <a:r>
               <a:rPr lang="en-US" dirty="0" err="1"/>
-              <a:t>jármű</a:t>
-            </a:r>
-            <a:endParaRPr lang="en-US" dirty="0"/>
+              <a:t>járm</a:t>
+            </a:r>
+            <a:r>
+              <a:rPr lang="en-US" dirty="0" err="1">
+                <a:latin typeface="Abadi" panose="020B0604020104020204" pitchFamily="34" charset="0"/>
+              </a:rPr>
+              <a:t>ű</a:t>
+            </a:r>
+            <a:endParaRPr lang="en-US" dirty="0">
+              <a:latin typeface="Abadi" panose="020B0604020104020204" pitchFamily="34" charset="0"/>
+            </a:endParaRPr>
           </a:p>
           <a:p>
             <a:pPr lvl="2"/>
@@ -19386,7 +19760,17 @@
             </a:r>
             <a:r>
               <a:rPr lang="en-US" dirty="0" err="1"/>
-              <a:t>résztvevője</a:t>
+              <a:t>résztvev</a:t>
+            </a:r>
+            <a:r>
+              <a:rPr lang="en-US" dirty="0" err="1">
+                <a:latin typeface="Abadi" panose="020B0604020104020204" pitchFamily="34" charset="0"/>
+              </a:rPr>
+              <a:t>ő</a:t>
+            </a:r>
+            <a:r>
+              <a:rPr lang="en-US" dirty="0" err="1"/>
+              <a:t>je</a:t>
             </a:r>
             <a:r>
               <a:rPr lang="en-US" dirty="0"/>
@@ -19593,7 +19977,17 @@
             </a:r>
             <a:r>
               <a:rPr lang="hu-HU" dirty="0"/>
-              <a:t> algoritmussal (kellő evidenciával)</a:t>
+              <a:t> algoritmussal (kell</a:t>
+            </a:r>
+            <a:r>
+              <a:rPr lang="hu-HU" dirty="0">
+                <a:latin typeface="Abadi" panose="020B0604020104020204" pitchFamily="34" charset="0"/>
+              </a:rPr>
+              <a:t>ő</a:t>
+            </a:r>
+            <a:r>
+              <a:rPr lang="hu-HU" dirty="0"/>
+              <a:t> evidenciával)</a:t>
             </a:r>
           </a:p>
           <a:p>
@@ -19608,7 +20002,17 @@
             </a:r>
             <a:r>
               <a:rPr lang="hu-HU" dirty="0"/>
-              <a:t> függően</a:t>
+              <a:t> függ</a:t>
+            </a:r>
+            <a:r>
+              <a:rPr lang="hu-HU" dirty="0">
+                <a:latin typeface="Abadi" panose="020B0604020104020204" pitchFamily="34" charset="0"/>
+              </a:rPr>
+              <a:t>ő</a:t>
+            </a:r>
+            <a:r>
+              <a:rPr lang="hu-HU" dirty="0"/>
+              <a:t>en</a:t>
             </a:r>
           </a:p>
         </p:txBody>
@@ -19751,6 +20155,11 @@
           </p:cNvGraphicFramePr>
           <p:nvPr>
             <p:ph idx="1"/>
+            <p:extLst>
+              <p:ext uri="{D42A27DB-BD31-4B8C-83A1-F6EECF244321}">
+                <p14:modId xmlns:p14="http://schemas.microsoft.com/office/powerpoint/2010/main" val="3388860911"/>
+              </p:ext>
+            </p:extLst>
           </p:nvPr>
         </p:nvGraphicFramePr>
         <p:xfrm>
@@ -20059,7 +20468,17 @@
           <a:p>
             <a:r>
               <a:rPr lang="hu-HU" dirty="0"/>
-              <a:t>Későbbi eredmények ehhez hasonlíthatóak</a:t>
+              <a:t>Kés</a:t>
+            </a:r>
+            <a:r>
+              <a:rPr lang="hu-HU" dirty="0">
+                <a:latin typeface="Abadi" panose="020B0604020104020204" pitchFamily="34" charset="0"/>
+              </a:rPr>
+              <a:t>ő</a:t>
+            </a:r>
+            <a:r>
+              <a:rPr lang="hu-HU" dirty="0"/>
+              <a:t>bbi eredmények ehhez hasonlíthatóak</a:t>
             </a:r>
           </a:p>
         </p:txBody>
@@ -20145,67 +20564,332 @@
           <a:lstStyle/>
           <a:p>
             <a:r>
-              <a:rPr lang="en-US"/>
-              <a:t>Biciklisták esetén</a:t>
-            </a:r>
-          </a:p>
-          <a:p>
-            <a:pPr lvl="1"/>
-            <a:r>
-              <a:rPr lang="en-US"/>
-              <a:t>Megéri a védőfelszerelés (3.8% -&gt; 3.2% halálozás)</a:t>
-            </a:r>
-          </a:p>
-          <a:p>
-            <a:pPr lvl="1"/>
-            <a:r>
-              <a:rPr lang="en-US"/>
-              <a:t>Kétszeres esély van éjjel halálos balesetet szenvedni</a:t>
+              <a:rPr lang="en-US" dirty="0" err="1"/>
+              <a:t>Biciklisták</a:t>
+            </a:r>
+            <a:r>
+              <a:rPr lang="en-US" dirty="0"/>
+              <a:t> </a:t>
+            </a:r>
+            <a:r>
+              <a:rPr lang="en-US" dirty="0" err="1"/>
+              <a:t>esetén</a:t>
             </a:r>
             <a:endParaRPr lang="en-US" dirty="0"/>
           </a:p>
           <a:p>
             <a:pPr lvl="1"/>
             <a:r>
-              <a:rPr lang="hu-HU"/>
-              <a:t>Ile-de-Franc</a:t>
-            </a:r>
-            <a:r>
-              <a:rPr lang="en-US"/>
-              <a:t>e egy veszélyes régió</a:t>
+              <a:rPr lang="en-US" dirty="0" err="1"/>
+              <a:t>Megéri</a:t>
+            </a:r>
+            <a:r>
+              <a:rPr lang="en-US" dirty="0"/>
+              <a:t> a </a:t>
+            </a:r>
+            <a:r>
+              <a:rPr lang="en-US" dirty="0" err="1"/>
+              <a:t>véd</a:t>
+            </a:r>
+            <a:r>
+              <a:rPr lang="en-US" dirty="0" err="1">
+                <a:latin typeface="Abadi" panose="020B0604020104020204" pitchFamily="34" charset="0"/>
+              </a:rPr>
+              <a:t>ő</a:t>
+            </a:r>
+            <a:r>
+              <a:rPr lang="en-US" dirty="0" err="1"/>
+              <a:t>felszerelés</a:t>
+            </a:r>
+            <a:r>
+              <a:rPr lang="en-US" dirty="0"/>
+              <a:t> (3.8% -&gt; 3.2% </a:t>
+            </a:r>
+            <a:r>
+              <a:rPr lang="en-US" dirty="0" err="1"/>
+              <a:t>halálozás</a:t>
+            </a:r>
+            <a:r>
+              <a:rPr lang="en-US" dirty="0"/>
+              <a:t>)</a:t>
+            </a:r>
+          </a:p>
+          <a:p>
+            <a:pPr lvl="1"/>
+            <a:r>
+              <a:rPr lang="en-US" dirty="0" err="1"/>
+              <a:t>Kétszeres</a:t>
+            </a:r>
+            <a:r>
+              <a:rPr lang="en-US" dirty="0"/>
+              <a:t> </a:t>
+            </a:r>
+            <a:r>
+              <a:rPr lang="en-US" dirty="0" err="1"/>
+              <a:t>esély</a:t>
+            </a:r>
+            <a:r>
+              <a:rPr lang="en-US" dirty="0"/>
+              <a:t> van </a:t>
+            </a:r>
+            <a:r>
+              <a:rPr lang="en-US" dirty="0" err="1"/>
+              <a:t>éjjel</a:t>
+            </a:r>
+            <a:r>
+              <a:rPr lang="en-US" dirty="0"/>
+              <a:t> </a:t>
+            </a:r>
+            <a:r>
+              <a:rPr lang="en-US" dirty="0" err="1"/>
+              <a:t>halálos</a:t>
+            </a:r>
+            <a:r>
+              <a:rPr lang="en-US" dirty="0"/>
+              <a:t> </a:t>
+            </a:r>
+            <a:r>
+              <a:rPr lang="en-US" dirty="0" err="1"/>
+              <a:t>balesetet</a:t>
+            </a:r>
+            <a:r>
+              <a:rPr lang="en-US" dirty="0"/>
+              <a:t> </a:t>
+            </a:r>
+            <a:r>
+              <a:rPr lang="en-US" dirty="0" err="1"/>
+              <a:t>szenvedni</a:t>
             </a:r>
             <a:endParaRPr lang="en-US" dirty="0"/>
           </a:p>
           <a:p>
-            <a:r>
-              <a:rPr lang="en-US"/>
-              <a:t>A kórházba vitt autósok többsége 25-45 korcsoportú</a:t>
-            </a:r>
+            <a:pPr lvl="1"/>
+            <a:r>
+              <a:rPr lang="hu-HU" dirty="0" err="1"/>
+              <a:t>Ile</a:t>
+            </a:r>
+            <a:r>
+              <a:rPr lang="hu-HU" dirty="0"/>
+              <a:t>-de-Franc</a:t>
+            </a:r>
+            <a:r>
+              <a:rPr lang="en-US" dirty="0"/>
+              <a:t>e </a:t>
+            </a:r>
+            <a:r>
+              <a:rPr lang="en-US" dirty="0" err="1"/>
+              <a:t>egy</a:t>
+            </a:r>
+            <a:r>
+              <a:rPr lang="en-US" dirty="0"/>
+              <a:t> </a:t>
+            </a:r>
+            <a:r>
+              <a:rPr lang="en-US" dirty="0" err="1"/>
+              <a:t>veszélyes</a:t>
+            </a:r>
+            <a:r>
+              <a:rPr lang="en-US" dirty="0"/>
+              <a:t> </a:t>
+            </a:r>
+            <a:r>
+              <a:rPr lang="en-US" dirty="0" err="1"/>
+              <a:t>régió</a:t>
+            </a:r>
+            <a:endParaRPr lang="en-US" dirty="0"/>
           </a:p>
           <a:p>
             <a:r>
-              <a:rPr lang="en-US"/>
-              <a:t>Enyhe esőben kevésbé valószínű a sérülés</a:t>
-            </a:r>
+              <a:rPr lang="en-US" dirty="0"/>
+              <a:t>A </a:t>
+            </a:r>
+            <a:r>
+              <a:rPr lang="en-US" dirty="0" err="1"/>
+              <a:t>kórházba</a:t>
+            </a:r>
+            <a:r>
+              <a:rPr lang="en-US" dirty="0"/>
+              <a:t> </a:t>
+            </a:r>
+            <a:r>
+              <a:rPr lang="en-US" dirty="0" err="1"/>
+              <a:t>vitt</a:t>
+            </a:r>
+            <a:r>
+              <a:rPr lang="en-US" dirty="0"/>
+              <a:t> </a:t>
+            </a:r>
+            <a:r>
+              <a:rPr lang="en-US" dirty="0" err="1"/>
+              <a:t>autósok</a:t>
+            </a:r>
+            <a:r>
+              <a:rPr lang="en-US" dirty="0"/>
+              <a:t> </a:t>
+            </a:r>
+            <a:r>
+              <a:rPr lang="en-US" dirty="0" err="1"/>
+              <a:t>többsége</a:t>
+            </a:r>
+            <a:r>
+              <a:rPr lang="en-US" dirty="0"/>
+              <a:t> 25-45 </a:t>
+            </a:r>
+            <a:r>
+              <a:rPr lang="en-US" dirty="0" err="1"/>
+              <a:t>korcsoportú</a:t>
+            </a:r>
+            <a:endParaRPr lang="en-US" dirty="0"/>
           </a:p>
           <a:p>
             <a:r>
-              <a:rPr lang="en-US"/>
-              <a:t>Ugyan olyan körülményeknél</a:t>
-            </a:r>
+              <a:rPr lang="en-US" dirty="0" err="1"/>
+              <a:t>Enyhe</a:t>
+            </a:r>
+            <a:r>
+              <a:rPr lang="en-US" dirty="0"/>
+              <a:t> </a:t>
+            </a:r>
+            <a:r>
+              <a:rPr lang="en-US" dirty="0" err="1"/>
+              <a:t>esőben</a:t>
+            </a:r>
+            <a:r>
+              <a:rPr lang="en-US" dirty="0"/>
+              <a:t> </a:t>
+            </a:r>
+            <a:r>
+              <a:rPr lang="en-US" dirty="0" err="1"/>
+              <a:t>kevésbé</a:t>
+            </a:r>
+            <a:r>
+              <a:rPr lang="en-US" dirty="0"/>
+              <a:t> </a:t>
+            </a:r>
+            <a:r>
+              <a:rPr lang="en-US" dirty="0" err="1"/>
+              <a:t>valószínű</a:t>
+            </a:r>
+            <a:r>
+              <a:rPr lang="en-US" dirty="0"/>
+              <a:t> a </a:t>
+            </a:r>
+            <a:r>
+              <a:rPr lang="en-US" dirty="0" err="1"/>
+              <a:t>sérülés</a:t>
+            </a:r>
+            <a:endParaRPr lang="en-US" dirty="0"/>
+          </a:p>
+          <a:p>
+            <a:r>
+              <a:rPr lang="en-US" dirty="0" err="1"/>
+              <a:t>Ugyan</a:t>
+            </a:r>
+            <a:r>
+              <a:rPr lang="en-US" dirty="0"/>
+              <a:t> </a:t>
+            </a:r>
+            <a:r>
+              <a:rPr lang="en-US" dirty="0" err="1"/>
+              <a:t>olyan</a:t>
+            </a:r>
+            <a:r>
+              <a:rPr lang="en-US" dirty="0"/>
+              <a:t> </a:t>
+            </a:r>
+            <a:r>
+              <a:rPr lang="en-US" dirty="0" err="1"/>
+              <a:t>körülményeknél</a:t>
+            </a:r>
+            <a:endParaRPr lang="en-US" dirty="0"/>
           </a:p>
           <a:p>
             <a:pPr lvl="1"/>
             <a:r>
-              <a:rPr lang="en-US"/>
-              <a:t>Nők gyakrabban sérülnek/kerülnek kórházba</a:t>
-            </a:r>
+              <a:rPr lang="en-US" dirty="0" err="1"/>
+              <a:t>N</a:t>
+            </a:r>
+            <a:r>
+              <a:rPr lang="en-US" dirty="0" err="1">
+                <a:latin typeface="Abadi" panose="020B0604020104020204" pitchFamily="34" charset="0"/>
+              </a:rPr>
+              <a:t>ő</a:t>
+            </a:r>
+            <a:r>
+              <a:rPr lang="en-US" dirty="0" err="1"/>
+              <a:t>k</a:t>
+            </a:r>
+            <a:r>
+              <a:rPr lang="en-US" dirty="0"/>
+              <a:t> </a:t>
+            </a:r>
+            <a:r>
+              <a:rPr lang="en-US" dirty="0" err="1"/>
+              <a:t>gyakrabban</a:t>
+            </a:r>
+            <a:r>
+              <a:rPr lang="en-US" dirty="0"/>
+              <a:t> </a:t>
+            </a:r>
+            <a:r>
+              <a:rPr lang="en-US" dirty="0" err="1"/>
+              <a:t>sérülnek</a:t>
+            </a:r>
+            <a:r>
+              <a:rPr lang="en-US" dirty="0"/>
+              <a:t>/</a:t>
+            </a:r>
+            <a:r>
+              <a:rPr lang="en-US" dirty="0" err="1"/>
+              <a:t>kerülnek</a:t>
+            </a:r>
+            <a:r>
+              <a:rPr lang="en-US" dirty="0"/>
+              <a:t> </a:t>
+            </a:r>
+            <a:r>
+              <a:rPr lang="en-US" dirty="0" err="1"/>
+              <a:t>kórházba</a:t>
+            </a:r>
+            <a:endParaRPr lang="en-US" dirty="0"/>
           </a:p>
           <a:p>
             <a:pPr lvl="1"/>
             <a:r>
-              <a:rPr lang="en-US"/>
-              <a:t>Férfiak gyakrabban sértetlenek/haláloznak el</a:t>
+              <a:rPr lang="en-US" dirty="0" err="1"/>
+              <a:t>Férfiak</a:t>
+            </a:r>
+            <a:r>
+              <a:rPr lang="en-US" dirty="0"/>
+              <a:t> </a:t>
+            </a:r>
+            <a:r>
+              <a:rPr lang="en-US" dirty="0" err="1"/>
+              <a:t>gyakrabban</a:t>
+            </a:r>
+            <a:r>
+              <a:rPr lang="en-US" dirty="0"/>
+              <a:t> </a:t>
+            </a:r>
+            <a:r>
+              <a:rPr lang="en-US" dirty="0" err="1"/>
+              <a:t>sértetlenek</a:t>
+            </a:r>
+            <a:r>
+              <a:rPr lang="en-US" dirty="0"/>
+              <a:t>/</a:t>
+            </a:r>
+            <a:r>
+              <a:rPr lang="en-US" dirty="0" err="1"/>
+              <a:t>haláloznak</a:t>
+            </a:r>
+            <a:r>
+              <a:rPr lang="en-US" dirty="0"/>
+              <a:t> </a:t>
+            </a:r>
+            <a:r>
+              <a:rPr lang="en-US" dirty="0" err="1"/>
+              <a:t>el</a:t>
             </a:r>
             <a:endParaRPr lang="hu-HU" dirty="0"/>
           </a:p>
@@ -20300,14 +20984,34 @@
             <a:pPr lvl="1"/>
             <a:r>
               <a:rPr lang="hu-HU" dirty="0"/>
-              <a:t>Olvasott irodalom alapján jelentős faktor baleset előfordulása és súlyossága terén is</a:t>
+              <a:t>Olvasott irodalom alapján jelent</a:t>
+            </a:r>
+            <a:r>
+              <a:rPr lang="hu-HU" dirty="0">
+                <a:latin typeface="Abadi" panose="020B0604020104020204" pitchFamily="34" charset="0"/>
+              </a:rPr>
+              <a:t>ő</a:t>
+            </a:r>
+            <a:r>
+              <a:rPr lang="hu-HU" dirty="0"/>
+              <a:t>s faktor baleset előfordulása és súlyossága terén is</a:t>
             </a:r>
           </a:p>
           <a:p>
             <a:pPr lvl="1"/>
             <a:r>
               <a:rPr lang="hu-HU" dirty="0"/>
-              <a:t>Az adathalmazban nincsen adat erről </a:t>
+              <a:t>Az adathalmazban nincsen adat err</a:t>
+            </a:r>
+            <a:r>
+              <a:rPr lang="hu-HU" dirty="0">
+                <a:latin typeface="Abadi" panose="020B0604020104020204" pitchFamily="34" charset="0"/>
+              </a:rPr>
+              <a:t>ő</a:t>
+            </a:r>
+            <a:r>
+              <a:rPr lang="hu-HU" dirty="0"/>
+              <a:t>l </a:t>
             </a:r>
           </a:p>
           <a:p>
@@ -20412,6 +21116,11 @@
           </p:cNvGraphicFramePr>
           <p:nvPr>
             <p:ph idx="1"/>
+            <p:extLst>
+              <p:ext uri="{D42A27DB-BD31-4B8C-83A1-F6EECF244321}">
+                <p14:modId xmlns:p14="http://schemas.microsoft.com/office/powerpoint/2010/main" val="4011332576"/>
+              </p:ext>
+            </p:extLst>
           </p:nvPr>
         </p:nvGraphicFramePr>
         <p:xfrm>
@@ -21473,6 +22182,11 @@
           </p:cNvGraphicFramePr>
           <p:nvPr>
             <p:ph idx="1"/>
+            <p:extLst>
+              <p:ext uri="{D42A27DB-BD31-4B8C-83A1-F6EECF244321}">
+                <p14:modId xmlns:p14="http://schemas.microsoft.com/office/powerpoint/2010/main" val="198800460"/>
+              </p:ext>
+            </p:extLst>
           </p:nvPr>
         </p:nvGraphicFramePr>
         <p:xfrm>
@@ -21557,6 +22271,11 @@
           </p:cNvGraphicFramePr>
           <p:nvPr>
             <p:ph idx="1"/>
+            <p:extLst>
+              <p:ext uri="{D42A27DB-BD31-4B8C-83A1-F6EECF244321}">
+                <p14:modId xmlns:p14="http://schemas.microsoft.com/office/powerpoint/2010/main" val="1685700309"/>
+              </p:ext>
+            </p:extLst>
           </p:nvPr>
         </p:nvGraphicFramePr>
         <p:xfrm>
@@ -22107,7 +22826,17 @@
             </a:r>
             <a:r>
               <a:rPr lang="hu-HU" dirty="0"/>
-              <a:t>-háló: gráf topológia + feltételes valószínűség</a:t>
+              <a:t>-háló: gráf topológia + feltételes valószín</a:t>
+            </a:r>
+            <a:r>
+              <a:rPr lang="hu-HU" dirty="0">
+                <a:latin typeface="Abadi" panose="020B0604020104020204" pitchFamily="34" charset="0"/>
+              </a:rPr>
+              <a:t>ű</a:t>
+            </a:r>
+            <a:r>
+              <a:rPr lang="hu-HU" dirty="0"/>
+              <a:t>ség</a:t>
             </a:r>
           </a:p>
           <a:p>
